--- a/translations/en-us/beginner/BasicLineFollower.pptx
+++ b/translations/en-us/beginner/BasicLineFollower.pptx
@@ -227,7 +227,7 @@
           <a:p>
             <a:fld id="{F8D9B3D7-15CB-9343-AA49-EFB5A8F33F18}" type="datetimeFigureOut">
               <a:rPr lang="en-US" smtClean="0"/>
-              <a:t>3/21/15</a:t>
+              <a:t>11/14/15</a:t>
             </a:fld>
             <a:endParaRPr lang="en-US"/>
           </a:p>
@@ -393,7 +393,7 @@
           <a:p>
             <a:fld id="{FD3EFF1E-85A1-6640-AFB9-C38833E80A84}" type="datetimeFigureOut">
               <a:rPr lang="en-US" smtClean="0"/>
-              <a:t>3/21/15</a:t>
+              <a:t>11/14/15</a:t>
             </a:fld>
             <a:endParaRPr lang="en-US"/>
           </a:p>
@@ -785,7 +785,7 @@
           </a:ln>
           <a:extLst>
             <a:ext uri="{909E8E84-426E-40dd-AFC4-6F175D3DCCD1}">
-              <a14:hiddenFill xmlns:a14="http://schemas.microsoft.com/office/drawing/2010/main" xmlns="">
+              <a14:hiddenFill xmlns="" xmlns:a14="http://schemas.microsoft.com/office/drawing/2010/main">
                 <a:solidFill>
                   <a:srgbClr val="FFFFFF"/>
                 </a:solidFill>
@@ -808,14 +808,14 @@
           <a:noFill/>
           <a:extLst>
             <a:ext uri="{909E8E84-426E-40dd-AFC4-6F175D3DCCD1}">
-              <a14:hiddenFill xmlns:a14="http://schemas.microsoft.com/office/drawing/2010/main" xmlns="">
+              <a14:hiddenFill xmlns="" xmlns:a14="http://schemas.microsoft.com/office/drawing/2010/main">
                 <a:solidFill>
                   <a:srgbClr val="FFFFFF"/>
                 </a:solidFill>
               </a14:hiddenFill>
             </a:ext>
             <a:ext uri="{91240B29-F687-4f45-9708-019B960494DF}">
-              <a14:hiddenLine xmlns:a14="http://schemas.microsoft.com/office/drawing/2010/main" xmlns="" w="9525">
+              <a14:hiddenLine xmlns="" xmlns:a14="http://schemas.microsoft.com/office/drawing/2010/main" w="9525">
                 <a:solidFill>
                   <a:srgbClr val="000000"/>
                 </a:solidFill>
@@ -855,14 +855,14 @@
           <a:noFill/>
           <a:extLst>
             <a:ext uri="{909E8E84-426E-40dd-AFC4-6F175D3DCCD1}">
-              <a14:hiddenFill xmlns:a14="http://schemas.microsoft.com/office/drawing/2010/main" xmlns="">
+              <a14:hiddenFill xmlns="" xmlns:a14="http://schemas.microsoft.com/office/drawing/2010/main">
                 <a:solidFill>
                   <a:srgbClr val="FFFFFF"/>
                 </a:solidFill>
               </a14:hiddenFill>
             </a:ext>
             <a:ext uri="{91240B29-F687-4f45-9708-019B960494DF}">
-              <a14:hiddenLine xmlns:a14="http://schemas.microsoft.com/office/drawing/2010/main" xmlns="" w="9525">
+              <a14:hiddenLine xmlns="" xmlns:a14="http://schemas.microsoft.com/office/drawing/2010/main" w="9525">
                 <a:solidFill>
                   <a:srgbClr val="000000"/>
                 </a:solidFill>
@@ -1049,7 +1049,7 @@
           </a:ln>
           <a:extLst>
             <a:ext uri="{909E8E84-426E-40dd-AFC4-6F175D3DCCD1}">
-              <a14:hiddenFill xmlns:a14="http://schemas.microsoft.com/office/drawing/2010/main" xmlns="">
+              <a14:hiddenFill xmlns="" xmlns:a14="http://schemas.microsoft.com/office/drawing/2010/main">
                 <a:solidFill>
                   <a:srgbClr val="FFFFFF"/>
                 </a:solidFill>
@@ -1072,14 +1072,14 @@
           <a:noFill/>
           <a:extLst>
             <a:ext uri="{909E8E84-426E-40dd-AFC4-6F175D3DCCD1}">
-              <a14:hiddenFill xmlns:a14="http://schemas.microsoft.com/office/drawing/2010/main" xmlns="">
+              <a14:hiddenFill xmlns="" xmlns:a14="http://schemas.microsoft.com/office/drawing/2010/main">
                 <a:solidFill>
                   <a:srgbClr val="FFFFFF"/>
                 </a:solidFill>
               </a14:hiddenFill>
             </a:ext>
             <a:ext uri="{91240B29-F687-4f45-9708-019B960494DF}">
-              <a14:hiddenLine xmlns:a14="http://schemas.microsoft.com/office/drawing/2010/main" xmlns="" w="9525">
+              <a14:hiddenLine xmlns="" xmlns:a14="http://schemas.microsoft.com/office/drawing/2010/main" w="9525">
                 <a:solidFill>
                   <a:srgbClr val="000000"/>
                 </a:solidFill>
@@ -1119,14 +1119,14 @@
           <a:noFill/>
           <a:extLst>
             <a:ext uri="{909E8E84-426E-40dd-AFC4-6F175D3DCCD1}">
-              <a14:hiddenFill xmlns:a14="http://schemas.microsoft.com/office/drawing/2010/main" xmlns="">
+              <a14:hiddenFill xmlns="" xmlns:a14="http://schemas.microsoft.com/office/drawing/2010/main">
                 <a:solidFill>
                   <a:srgbClr val="FFFFFF"/>
                 </a:solidFill>
               </a14:hiddenFill>
             </a:ext>
             <a:ext uri="{91240B29-F687-4f45-9708-019B960494DF}">
-              <a14:hiddenLine xmlns:a14="http://schemas.microsoft.com/office/drawing/2010/main" xmlns="" w="9525">
+              <a14:hiddenLine xmlns="" xmlns:a14="http://schemas.microsoft.com/office/drawing/2010/main" w="9525">
                 <a:solidFill>
                   <a:srgbClr val="000000"/>
                 </a:solidFill>
@@ -1551,7 +1551,7 @@
           <a:p>
             <a:fld id="{DFEB761B-93B6-4F06-B1B1-18CE8B776B63}" type="datetime1">
               <a:rPr lang="en-US" smtClean="0"/>
-              <a:t>3/21/15</a:t>
+              <a:t>11/14/15</a:t>
             </a:fld>
             <a:endParaRPr lang="en-US"/>
           </a:p>
@@ -1842,7 +1842,7 @@
           <a:p>
             <a:fld id="{ED9FEDC6-6210-49BD-9CBD-95D1AAFCD29A}" type="datetime1">
               <a:rPr lang="en-US" smtClean="0"/>
-              <a:t>3/21/15</a:t>
+              <a:t>11/14/15</a:t>
             </a:fld>
             <a:endParaRPr lang="en-US"/>
           </a:p>
@@ -2029,7 +2029,7 @@
           <a:p>
             <a:fld id="{6971F44B-8CBC-44B6-AD55-CE65907D5BC2}" type="datetime1">
               <a:rPr lang="en-US" smtClean="0"/>
-              <a:t>3/21/15</a:t>
+              <a:t>11/14/15</a:t>
             </a:fld>
             <a:endParaRPr lang="en-US"/>
           </a:p>
@@ -2216,7 +2216,7 @@
           <a:p>
             <a:fld id="{B744FD62-63FF-49C2-8E55-5CF77D7A0691}" type="datetime1">
               <a:rPr lang="en-US" smtClean="0"/>
-              <a:t>3/21/15</a:t>
+              <a:t>11/14/15</a:t>
             </a:fld>
             <a:endParaRPr lang="en-US"/>
           </a:p>
@@ -2477,7 +2477,7 @@
           <a:p>
             <a:fld id="{E0281C12-C1B2-4EB6-B00D-5EA047746BFE}" type="datetime1">
               <a:rPr lang="en-US" smtClean="0"/>
-              <a:t>3/21/15</a:t>
+              <a:t>11/14/15</a:t>
             </a:fld>
             <a:endParaRPr lang="en-US"/>
           </a:p>
@@ -2777,7 +2777,7 @@
           <a:p>
             <a:fld id="{F7E73DC5-FABD-4CD0-9B35-897035875FB2}" type="datetime1">
               <a:rPr lang="en-US" smtClean="0"/>
-              <a:t>3/21/15</a:t>
+              <a:t>11/14/15</a:t>
             </a:fld>
             <a:endParaRPr lang="en-US"/>
           </a:p>
@@ -3228,7 +3228,7 @@
           <a:p>
             <a:fld id="{6291E551-81A0-4A41-B672-39D202B67A67}" type="datetime1">
               <a:rPr lang="en-US" smtClean="0"/>
-              <a:t>3/21/15</a:t>
+              <a:t>11/14/15</a:t>
             </a:fld>
             <a:endParaRPr lang="en-US"/>
           </a:p>
@@ -3353,7 +3353,7 @@
           <a:p>
             <a:fld id="{D25C93B4-6620-4F3A-9A8C-6A619592FB07}" type="datetime1">
               <a:rPr lang="en-US" smtClean="0"/>
-              <a:t>3/21/15</a:t>
+              <a:t>11/14/15</a:t>
             </a:fld>
             <a:endParaRPr lang="en-US"/>
           </a:p>
@@ -3455,7 +3455,7 @@
           <a:p>
             <a:fld id="{E73D6DDA-3CA6-4617-8B7E-B5E120C5BC04}" type="datetime1">
               <a:rPr lang="en-US" smtClean="0"/>
-              <a:t>3/21/15</a:t>
+              <a:t>11/14/15</a:t>
             </a:fld>
             <a:endParaRPr lang="en-US"/>
           </a:p>
@@ -3709,7 +3709,7 @@
           <a:p>
             <a:fld id="{19A0D056-0074-4E40-B1A7-1409BEB26454}" type="datetime1">
               <a:rPr lang="en-US" smtClean="0"/>
-              <a:t>3/21/15</a:t>
+              <a:t>11/14/15</a:t>
             </a:fld>
             <a:endParaRPr lang="en-US"/>
           </a:p>
@@ -4015,7 +4015,7 @@
           <a:p>
             <a:fld id="{EEAB3C24-83FF-47B3-BCFC-45BFD7130B03}" type="datetime1">
               <a:rPr lang="en-US" smtClean="0"/>
-              <a:t>3/21/15</a:t>
+              <a:t>11/14/15</a:t>
             </a:fld>
             <a:endParaRPr lang="en-US"/>
           </a:p>
@@ -4313,7 +4313,7 @@
           <a:p>
             <a:fld id="{9643CE61-8FA2-40C7-B457-2C5467A12179}" type="datetime1">
               <a:rPr lang="en-US" smtClean="0"/>
-              <a:t>3/21/15</a:t>
+              <a:t>11/14/15</a:t>
             </a:fld>
             <a:endParaRPr lang="en-US"/>
           </a:p>
@@ -4886,36 +4886,6 @@
           </a:p>
         </p:txBody>
       </p:sp>
-      <p:pic>
-        <p:nvPicPr>
-          <p:cNvPr id="3" name="Picture 2" descr="Droidslogo2.png"/>
-          <p:cNvPicPr>
-            <a:picLocks noChangeAspect="1"/>
-          </p:cNvPicPr>
-          <p:nvPr/>
-        </p:nvPicPr>
-        <p:blipFill>
-          <a:blip r:embed="rId3">
-            <a:extLst>
-              <a:ext uri="{28A0092B-C50C-407E-A947-70E740481C1C}">
-                <a14:useLocalDpi xmlns:a14="http://schemas.microsoft.com/office/drawing/2010/main" val="0"/>
-              </a:ext>
-            </a:extLst>
-          </a:blip>
-          <a:stretch>
-            <a:fillRect/>
-          </a:stretch>
-        </p:blipFill>
-        <p:spPr>
-          <a:xfrm>
-            <a:off x="402306" y="5456830"/>
-            <a:ext cx="1085195" cy="1085195"/>
-          </a:xfrm>
-          <a:prstGeom prst="rect">
-            <a:avLst/>
-          </a:prstGeom>
-        </p:spPr>
-      </p:pic>
       <p:sp>
         <p:nvSpPr>
           <p:cNvPr id="4" name="TextBox 3"/>
@@ -4969,7 +4939,7 @@
           <p:nvPr/>
         </p:nvPicPr>
         <p:blipFill>
-          <a:blip r:embed="rId4">
+          <a:blip r:embed="rId3">
             <a:extLst>
               <a:ext uri="{28A0092B-C50C-407E-A947-70E740481C1C}">
                 <a14:useLocalDpi xmlns:a14="http://schemas.microsoft.com/office/drawing/2010/main" val="0"/>
@@ -4992,13 +4962,43 @@
           <a:noFill/>
           <a:extLst>
             <a:ext uri="{909E8E84-426E-40dd-AFC4-6F175D3DCCD1}">
-              <a14:hiddenFill xmlns:a14="http://schemas.microsoft.com/office/drawing/2010/main" xmlns="">
+              <a14:hiddenFill xmlns="" xmlns:a14="http://schemas.microsoft.com/office/drawing/2010/main">
                 <a:solidFill>
                   <a:srgbClr val="FFFFFF"/>
                 </a:solidFill>
               </a14:hiddenFill>
             </a:ext>
           </a:extLst>
+        </p:spPr>
+      </p:pic>
+      <p:pic>
+        <p:nvPicPr>
+          <p:cNvPr id="5" name="Picture 4"/>
+          <p:cNvPicPr>
+            <a:picLocks noChangeAspect="1"/>
+          </p:cNvPicPr>
+          <p:nvPr/>
+        </p:nvPicPr>
+        <p:blipFill>
+          <a:blip r:embed="rId4">
+            <a:extLst>
+              <a:ext uri="{28A0092B-C50C-407E-A947-70E740481C1C}">
+                <a14:useLocalDpi xmlns:a14="http://schemas.microsoft.com/office/drawing/2010/main" val="0"/>
+              </a:ext>
+            </a:extLst>
+          </a:blip>
+          <a:stretch>
+            <a:fillRect/>
+          </a:stretch>
+        </p:blipFill>
+        <p:spPr>
+          <a:xfrm>
+            <a:off x="231228" y="5244661"/>
+            <a:ext cx="1283834" cy="1228201"/>
+          </a:xfrm>
+          <a:prstGeom prst="rect">
+            <a:avLst/>
+          </a:prstGeom>
         </p:spPr>
       </p:pic>
     </p:spTree>
@@ -5103,11 +5103,7 @@
             </a:r>
             <a:r>
               <a:rPr lang="en-US" dirty="0" smtClean="0"/>
-              <a:t>right</a:t>
-            </a:r>
-            <a:r>
-              <a:rPr lang="en-US" dirty="0" smtClean="0"/>
-              <a:t>. </a:t>
+              <a:t>right. </a:t>
             </a:r>
             <a:r>
               <a:rPr lang="en-US" dirty="0"/>
@@ -6213,14 +6209,14 @@
           </a:ln>
           <a:extLst>
             <a:ext uri="{909E8E84-426E-40dd-AFC4-6F175D3DCCD1}">
-              <a14:hiddenFill xmlns:a14="http://schemas.microsoft.com/office/drawing/2010/main" xmlns="">
+              <a14:hiddenFill xmlns="" xmlns:a14="http://schemas.microsoft.com/office/drawing/2010/main">
                 <a:solidFill>
                   <a:srgbClr val="FFFFFF"/>
                 </a:solidFill>
               </a14:hiddenFill>
             </a:ext>
             <a:ext uri="{91240B29-F687-4f45-9708-019B960494DF}">
-              <a14:hiddenLine xmlns:a14="http://schemas.microsoft.com/office/drawing/2010/main" xmlns="" w="9525">
+              <a14:hiddenLine xmlns="" xmlns:a14="http://schemas.microsoft.com/office/drawing/2010/main" w="9525">
                 <a:solidFill>
                   <a:srgbClr val="000000"/>
                 </a:solidFill>
@@ -6723,14 +6719,14 @@
           </a:ln>
           <a:extLst>
             <a:ext uri="{909E8E84-426E-40dd-AFC4-6F175D3DCCD1}">
-              <a14:hiddenFill xmlns:a14="http://schemas.microsoft.com/office/drawing/2010/main" xmlns="">
+              <a14:hiddenFill xmlns="" xmlns:a14="http://schemas.microsoft.com/office/drawing/2010/main">
                 <a:solidFill>
                   <a:srgbClr val="FFFFFF"/>
                 </a:solidFill>
               </a14:hiddenFill>
             </a:ext>
             <a:ext uri="{91240B29-F687-4f45-9708-019B960494DF}">
-              <a14:hiddenLine xmlns:a14="http://schemas.microsoft.com/office/drawing/2010/main" xmlns="" w="9525">
+              <a14:hiddenLine xmlns="" xmlns:a14="http://schemas.microsoft.com/office/drawing/2010/main" w="9525">
                 <a:solidFill>
                   <a:srgbClr val="000000"/>
                 </a:solidFill>
@@ -8355,7 +8351,7 @@
           <a:effectLst/>
           <a:extLst>
             <a:ext uri="{91240B29-F687-4f45-9708-019B960494DF}">
-              <a14:hiddenLine xmlns:a14="http://schemas.microsoft.com/office/drawing/2010/main" xmlns="" w="9525">
+              <a14:hiddenLine xmlns="" xmlns:a14="http://schemas.microsoft.com/office/drawing/2010/main" w="9525">
                 <a:solidFill>
                   <a:schemeClr val="tx1"/>
                 </a:solidFill>
@@ -8365,7 +8361,7 @@
               </a14:hiddenLine>
             </a:ext>
             <a:ext uri="{AF507438-7753-43e0-B8FC-AC1667EBCBE1}">
-              <a14:hiddenEffects xmlns:a14="http://schemas.microsoft.com/office/drawing/2010/main" xmlns="">
+              <a14:hiddenEffects xmlns="" xmlns:a14="http://schemas.microsoft.com/office/drawing/2010/main">
                 <a:effectLst>
                   <a:outerShdw dist="35921" dir="2700000" algn="ctr" rotWithShape="0">
                     <a:schemeClr val="bg2"/>
@@ -8718,7 +8714,7 @@
           <a:noFill/>
           <a:extLst>
             <a:ext uri="{909E8E84-426E-40dd-AFC4-6F175D3DCCD1}">
-              <a14:hiddenFill xmlns:a14="http://schemas.microsoft.com/office/drawing/2010/main" xmlns="">
+              <a14:hiddenFill xmlns="" xmlns:a14="http://schemas.microsoft.com/office/drawing/2010/main">
                 <a:solidFill>
                   <a:srgbClr val="FFFFFF"/>
                 </a:solidFill>
@@ -13849,7 +13845,7 @@
               </a:ln>
               <a:extLst>
                 <a:ext uri="{909E8E84-426E-40dd-AFC4-6F175D3DCCD1}">
-                  <a14:hiddenFill xmlns:a14="http://schemas.microsoft.com/office/drawing/2010/main" xmlns="">
+                  <a14:hiddenFill xmlns="" xmlns:a14="http://schemas.microsoft.com/office/drawing/2010/main">
                     <a:noFill/>
                   </a14:hiddenFill>
                 </a:ext>
@@ -13894,7 +13890,7 @@
               </a:ln>
               <a:extLst>
                 <a:ext uri="{909E8E84-426E-40dd-AFC4-6F175D3DCCD1}">
-                  <a14:hiddenFill xmlns:a14="http://schemas.microsoft.com/office/drawing/2010/main" xmlns="">
+                  <a14:hiddenFill xmlns="" xmlns:a14="http://schemas.microsoft.com/office/drawing/2010/main">
                     <a:noFill/>
                   </a14:hiddenFill>
                 </a:ext>
@@ -13956,7 +13952,7 @@
               </a:ln>
               <a:extLst>
                 <a:ext uri="{909E8E84-426E-40dd-AFC4-6F175D3DCCD1}">
-                  <a14:hiddenFill xmlns:a14="http://schemas.microsoft.com/office/drawing/2010/main" xmlns="">
+                  <a14:hiddenFill xmlns="" xmlns:a14="http://schemas.microsoft.com/office/drawing/2010/main">
                     <a:noFill/>
                   </a14:hiddenFill>
                 </a:ext>
@@ -14001,7 +13997,7 @@
               </a:ln>
               <a:extLst>
                 <a:ext uri="{909E8E84-426E-40dd-AFC4-6F175D3DCCD1}">
-                  <a14:hiddenFill xmlns:a14="http://schemas.microsoft.com/office/drawing/2010/main" xmlns="">
+                  <a14:hiddenFill xmlns="" xmlns:a14="http://schemas.microsoft.com/office/drawing/2010/main">
                     <a:noFill/>
                   </a14:hiddenFill>
                 </a:ext>

--- a/translations/en-us/beginner/BasicLineFollower.pptx
+++ b/translations/en-us/beginner/BasicLineFollower.pptx
@@ -2,32 +2,33 @@
 <file path=ppt/presentation.xml><?xml version="1.0" encoding="utf-8"?>
 <p:presentation xmlns:a="http://schemas.openxmlformats.org/drawingml/2006/main" xmlns:r="http://schemas.openxmlformats.org/officeDocument/2006/relationships" xmlns:p="http://schemas.openxmlformats.org/presentationml/2006/main" showSpecialPlsOnTitleSld="0" saveSubsetFonts="1" autoCompressPictures="0">
   <p:sldMasterIdLst>
-    <p:sldMasterId id="2147483714" r:id="rId1"/>
+    <p:sldMasterId id="2147483726" r:id="rId1"/>
+    <p:sldMasterId id="2147483738" r:id="rId2"/>
   </p:sldMasterIdLst>
   <p:notesMasterIdLst>
-    <p:notesMasterId r:id="rId19"/>
+    <p:notesMasterId r:id="rId20"/>
   </p:notesMasterIdLst>
   <p:handoutMasterIdLst>
-    <p:handoutMasterId r:id="rId20"/>
+    <p:handoutMasterId r:id="rId21"/>
   </p:handoutMasterIdLst>
   <p:sldIdLst>
-    <p:sldId id="406" r:id="rId2"/>
-    <p:sldId id="405" r:id="rId3"/>
-    <p:sldId id="411" r:id="rId4"/>
-    <p:sldId id="355" r:id="rId5"/>
-    <p:sldId id="356" r:id="rId6"/>
-    <p:sldId id="357" r:id="rId7"/>
-    <p:sldId id="358" r:id="rId8"/>
-    <p:sldId id="359" r:id="rId9"/>
-    <p:sldId id="360" r:id="rId10"/>
-    <p:sldId id="361" r:id="rId11"/>
-    <p:sldId id="362" r:id="rId12"/>
-    <p:sldId id="376" r:id="rId13"/>
-    <p:sldId id="409" r:id="rId14"/>
-    <p:sldId id="410" r:id="rId15"/>
-    <p:sldId id="377" r:id="rId16"/>
-    <p:sldId id="408" r:id="rId17"/>
-    <p:sldId id="407" r:id="rId18"/>
+    <p:sldId id="412" r:id="rId3"/>
+    <p:sldId id="405" r:id="rId4"/>
+    <p:sldId id="411" r:id="rId5"/>
+    <p:sldId id="355" r:id="rId6"/>
+    <p:sldId id="356" r:id="rId7"/>
+    <p:sldId id="357" r:id="rId8"/>
+    <p:sldId id="358" r:id="rId9"/>
+    <p:sldId id="359" r:id="rId10"/>
+    <p:sldId id="360" r:id="rId11"/>
+    <p:sldId id="361" r:id="rId12"/>
+    <p:sldId id="362" r:id="rId13"/>
+    <p:sldId id="376" r:id="rId14"/>
+    <p:sldId id="409" r:id="rId15"/>
+    <p:sldId id="410" r:id="rId16"/>
+    <p:sldId id="377" r:id="rId17"/>
+    <p:sldId id="408" r:id="rId18"/>
+    <p:sldId id="407" r:id="rId19"/>
   </p:sldIdLst>
   <p:sldSz cx="9144000" cy="6858000" type="screen4x3"/>
   <p:notesSz cx="6858000" cy="9144000"/>
@@ -227,7 +228,7 @@
           <a:p>
             <a:fld id="{F8D9B3D7-15CB-9343-AA49-EFB5A8F33F18}" type="datetimeFigureOut">
               <a:rPr lang="en-US" smtClean="0"/>
-              <a:t>11/14/15</a:t>
+              <a:t>7/4/16</a:t>
             </a:fld>
             <a:endParaRPr lang="en-US"/>
           </a:p>
@@ -393,7 +394,7 @@
           <a:p>
             <a:fld id="{FD3EFF1E-85A1-6640-AFB9-C38833E80A84}" type="datetimeFigureOut">
               <a:rPr lang="en-US" smtClean="0"/>
-              <a:t>11/14/15</a:t>
+              <a:t>7/4/16</a:t>
             </a:fld>
             <a:endParaRPr lang="en-US"/>
           </a:p>
@@ -727,7 +728,7 @@
           <a:p>
             <a:fld id="{13967457-1E83-1040-AFF7-8D09C473DBD5}" type="slidenum">
               <a:rPr lang="en-US" smtClean="0"/>
-              <a:t>1</a:t>
+              <a:t>2</a:t>
             </a:fld>
             <a:endParaRPr lang="en-US"/>
           </a:p>
@@ -736,7 +737,7 @@
     </p:spTree>
     <p:extLst>
       <p:ext uri="{BB962C8B-B14F-4D97-AF65-F5344CB8AC3E}">
-        <p14:creationId xmlns:p14="http://schemas.microsoft.com/office/powerpoint/2010/main" val="1413432818"/>
+        <p14:creationId xmlns:p14="http://schemas.microsoft.com/office/powerpoint/2010/main" val="1287899561"/>
       </p:ext>
     </p:extLst>
   </p:cSld>
@@ -785,7 +786,7 @@
           </a:ln>
           <a:extLst>
             <a:ext uri="{909E8E84-426E-40dd-AFC4-6F175D3DCCD1}">
-              <a14:hiddenFill xmlns="" xmlns:a14="http://schemas.microsoft.com/office/drawing/2010/main">
+              <a14:hiddenFill xmlns:a14="http://schemas.microsoft.com/office/drawing/2010/main" xmlns="">
                 <a:solidFill>
                   <a:srgbClr val="FFFFFF"/>
                 </a:solidFill>
@@ -808,14 +809,14 @@
           <a:noFill/>
           <a:extLst>
             <a:ext uri="{909E8E84-426E-40dd-AFC4-6F175D3DCCD1}">
-              <a14:hiddenFill xmlns="" xmlns:a14="http://schemas.microsoft.com/office/drawing/2010/main">
+              <a14:hiddenFill xmlns:a14="http://schemas.microsoft.com/office/drawing/2010/main" xmlns="">
                 <a:solidFill>
                   <a:srgbClr val="FFFFFF"/>
                 </a:solidFill>
               </a14:hiddenFill>
             </a:ext>
             <a:ext uri="{91240B29-F687-4f45-9708-019B960494DF}">
-              <a14:hiddenLine xmlns="" xmlns:a14="http://schemas.microsoft.com/office/drawing/2010/main" w="9525">
+              <a14:hiddenLine xmlns:a14="http://schemas.microsoft.com/office/drawing/2010/main" xmlns="" w="9525">
                 <a:solidFill>
                   <a:srgbClr val="000000"/>
                 </a:solidFill>
@@ -855,14 +856,14 @@
           <a:noFill/>
           <a:extLst>
             <a:ext uri="{909E8E84-426E-40dd-AFC4-6F175D3DCCD1}">
-              <a14:hiddenFill xmlns="" xmlns:a14="http://schemas.microsoft.com/office/drawing/2010/main">
+              <a14:hiddenFill xmlns:a14="http://schemas.microsoft.com/office/drawing/2010/main" xmlns="">
                 <a:solidFill>
                   <a:srgbClr val="FFFFFF"/>
                 </a:solidFill>
               </a14:hiddenFill>
             </a:ext>
             <a:ext uri="{91240B29-F687-4f45-9708-019B960494DF}">
-              <a14:hiddenLine xmlns="" xmlns:a14="http://schemas.microsoft.com/office/drawing/2010/main" w="9525">
+              <a14:hiddenLine xmlns:a14="http://schemas.microsoft.com/office/drawing/2010/main" xmlns="" w="9525">
                 <a:solidFill>
                   <a:srgbClr val="000000"/>
                 </a:solidFill>
@@ -1049,7 +1050,7 @@
           </a:ln>
           <a:extLst>
             <a:ext uri="{909E8E84-426E-40dd-AFC4-6F175D3DCCD1}">
-              <a14:hiddenFill xmlns="" xmlns:a14="http://schemas.microsoft.com/office/drawing/2010/main">
+              <a14:hiddenFill xmlns:a14="http://schemas.microsoft.com/office/drawing/2010/main" xmlns="">
                 <a:solidFill>
                   <a:srgbClr val="FFFFFF"/>
                 </a:solidFill>
@@ -1072,14 +1073,14 @@
           <a:noFill/>
           <a:extLst>
             <a:ext uri="{909E8E84-426E-40dd-AFC4-6F175D3DCCD1}">
-              <a14:hiddenFill xmlns="" xmlns:a14="http://schemas.microsoft.com/office/drawing/2010/main">
+              <a14:hiddenFill xmlns:a14="http://schemas.microsoft.com/office/drawing/2010/main" xmlns="">
                 <a:solidFill>
                   <a:srgbClr val="FFFFFF"/>
                 </a:solidFill>
               </a14:hiddenFill>
             </a:ext>
             <a:ext uri="{91240B29-F687-4f45-9708-019B960494DF}">
-              <a14:hiddenLine xmlns="" xmlns:a14="http://schemas.microsoft.com/office/drawing/2010/main" w="9525">
+              <a14:hiddenLine xmlns:a14="http://schemas.microsoft.com/office/drawing/2010/main" xmlns="" w="9525">
                 <a:solidFill>
                   <a:srgbClr val="000000"/>
                 </a:solidFill>
@@ -1119,14 +1120,14 @@
           <a:noFill/>
           <a:extLst>
             <a:ext uri="{909E8E84-426E-40dd-AFC4-6F175D3DCCD1}">
-              <a14:hiddenFill xmlns="" xmlns:a14="http://schemas.microsoft.com/office/drawing/2010/main">
+              <a14:hiddenFill xmlns:a14="http://schemas.microsoft.com/office/drawing/2010/main" xmlns="">
                 <a:solidFill>
                   <a:srgbClr val="FFFFFF"/>
                 </a:solidFill>
               </a14:hiddenFill>
             </a:ext>
             <a:ext uri="{91240B29-F687-4f45-9708-019B960494DF}">
-              <a14:hiddenLine xmlns="" xmlns:a14="http://schemas.microsoft.com/office/drawing/2010/main" w="9525">
+              <a14:hiddenLine xmlns:a14="http://schemas.microsoft.com/office/drawing/2010/main" xmlns="" w="9525">
                 <a:solidFill>
                   <a:srgbClr val="000000"/>
                 </a:solidFill>
@@ -1359,7 +1360,7 @@
 </file>
 
 <file path=ppt/slideLayouts/slideLayout1.xml><?xml version="1.0" encoding="utf-8"?>
-<p:sldLayout xmlns:a="http://schemas.openxmlformats.org/drawingml/2006/main" xmlns:r="http://schemas.openxmlformats.org/officeDocument/2006/relationships" xmlns:p="http://schemas.openxmlformats.org/presentationml/2006/main" showMasterSp="0" type="title" preserve="1">
+<p:sldLayout xmlns:a="http://schemas.openxmlformats.org/drawingml/2006/main" xmlns:r="http://schemas.openxmlformats.org/officeDocument/2006/relationships" xmlns:p="http://schemas.openxmlformats.org/presentationml/2006/main" showMasterSp="0" preserve="1">
   <p:cSld name="Title Slide">
     <p:spTree>
       <p:nvGrpSpPr>
@@ -1377,47 +1378,6 @@
       </p:grpSpPr>
       <p:sp>
         <p:nvSpPr>
-          <p:cNvPr id="2" name="Title 1"/>
-          <p:cNvSpPr>
-            <a:spLocks noGrp="1"/>
-          </p:cNvSpPr>
-          <p:nvPr>
-            <p:ph type="ctrTitle"/>
-          </p:nvPr>
-        </p:nvSpPr>
-        <p:spPr>
-          <a:xfrm>
-            <a:off x="457200" y="228600"/>
-            <a:ext cx="7772400" cy="4571999"/>
-          </a:xfrm>
-        </p:spPr>
-        <p:txBody>
-          <a:bodyPr anchor="ctr">
-            <a:noAutofit/>
-          </a:bodyPr>
-          <a:lstStyle>
-            <a:lvl1pPr>
-              <a:lnSpc>
-                <a:spcPct val="100000"/>
-              </a:lnSpc>
-              <a:defRPr sz="8800" spc="-80" baseline="0">
-                <a:solidFill>
-                  <a:schemeClr val="tx1"/>
-                </a:solidFill>
-              </a:defRPr>
-            </a:lvl1pPr>
-          </a:lstStyle>
-          <a:p>
-            <a:r>
-              <a:rPr lang="en-US" dirty="0" smtClean="0"/>
-              <a:t>Click to edit Master title style</a:t>
-            </a:r>
-            <a:endParaRPr lang="en-US" dirty="0"/>
-          </a:p>
-        </p:txBody>
-      </p:sp>
-      <p:sp>
-        <p:nvSpPr>
           <p:cNvPr id="3" name="Subtitle 2"/>
           <p:cNvSpPr>
             <a:spLocks noGrp="1"/>
@@ -1428,16 +1388,16 @@
         </p:nvSpPr>
         <p:spPr>
           <a:xfrm>
-            <a:off x="457200" y="4800600"/>
+            <a:off x="1132517" y="3427224"/>
             <a:ext cx="6858000" cy="914400"/>
           </a:xfrm>
         </p:spPr>
         <p:txBody>
           <a:bodyPr/>
           <a:lstStyle>
-            <a:lvl1pPr marL="0" indent="0" algn="l">
+            <a:lvl1pPr marL="0" indent="0" algn="ctr">
               <a:buNone/>
-              <a:defRPr b="0" cap="all" spc="120" baseline="0">
+              <a:defRPr b="0" cap="none" spc="120" baseline="0">
                 <a:solidFill>
                   <a:schemeClr val="tx2"/>
                 </a:solidFill>
@@ -1549,9 +1509,9 @@
           <a:bodyPr/>
           <a:lstStyle/>
           <a:p>
-            <a:fld id="{DFEB761B-93B6-4F06-B1B1-18CE8B776B63}" type="datetime1">
+            <a:fld id="{29D668ED-6BCC-6948-B7C3-6D87A88F1303}" type="datetime1">
               <a:rPr lang="en-US" smtClean="0"/>
-              <a:t>11/14/15</a:t>
+              <a:t>7/4/16</a:t>
             </a:fld>
             <a:endParaRPr lang="en-US"/>
           </a:p>
@@ -1567,14 +1527,19 @@
             <p:ph type="ftr" sz="quarter" idx="11"/>
           </p:nvPr>
         </p:nvSpPr>
-        <p:spPr/>
+        <p:spPr>
+          <a:xfrm>
+            <a:off x="457200" y="6492875"/>
+            <a:ext cx="3945988" cy="282095"/>
+          </a:xfrm>
+        </p:spPr>
         <p:txBody>
           <a:bodyPr/>
           <a:lstStyle/>
           <a:p>
             <a:r>
-              <a:rPr lang="en-US" smtClean="0"/>
-              <a:t>© 2015 EV3Lessons.com (Last edit: 2/28/2015)</a:t>
+              <a:rPr lang="sk-SK" smtClean="0"/>
+              <a:t>© 2016 EV3Lessons.com (Last edit: 7/04/2016)</a:t>
             </a:r>
             <a:endParaRPr lang="en-US"/>
           </a:p>
@@ -1582,18 +1547,18 @@
       </p:sp>
       <p:sp>
         <p:nvSpPr>
-          <p:cNvPr id="11" name="Slide Number Placeholder 6"/>
+          <p:cNvPr id="6" name="Slide Number Placeholder 5"/>
           <p:cNvSpPr>
             <a:spLocks noGrp="1"/>
           </p:cNvSpPr>
           <p:nvPr>
-            <p:ph type="sldNum" sz="quarter" idx="4"/>
+            <p:ph type="sldNum" sz="quarter" idx="12"/>
           </p:nvPr>
         </p:nvSpPr>
         <p:spPr>
           <a:xfrm>
-            <a:off x="8477026" y="6358106"/>
-            <a:ext cx="666974" cy="365125"/>
+            <a:off x="8484242" y="6341733"/>
+            <a:ext cx="588319" cy="365125"/>
           </a:xfrm>
           <a:prstGeom prst="rect">
             <a:avLst/>
@@ -1601,7 +1566,15 @@
         </p:spPr>
         <p:txBody>
           <a:bodyPr/>
-          <a:lstStyle/>
+          <a:lstStyle>
+            <a:lvl1pPr>
+              <a:defRPr>
+                <a:solidFill>
+                  <a:schemeClr val="tx1"/>
+                </a:solidFill>
+              </a:defRPr>
+            </a:lvl1pPr>
+          </a:lstStyle>
           <a:p>
             <a:fld id="{4DBC7FC8-25FB-FC45-8177-2B991DA6778C}" type="slidenum">
               <a:rPr lang="en-US" smtClean="0"/>
@@ -1613,9 +1586,9 @@
       </p:sp>
       <p:sp>
         <p:nvSpPr>
-          <p:cNvPr id="12" name="Rectangle 11"/>
+          <p:cNvPr id="11" name="Rectangle 10"/>
           <p:cNvSpPr/>
-          <p:nvPr userDrawn="1"/>
+          <p:nvPr/>
         </p:nvSpPr>
         <p:spPr>
           <a:xfrm>
@@ -1651,9 +1624,9 @@
       </p:sp>
       <p:sp>
         <p:nvSpPr>
-          <p:cNvPr id="13" name="Rectangle 12"/>
+          <p:cNvPr id="12" name="Rectangle 11"/>
           <p:cNvSpPr/>
-          <p:nvPr userDrawn="1"/>
+          <p:nvPr/>
         </p:nvSpPr>
         <p:spPr>
           <a:xfrm>
@@ -1689,7 +1662,232 @@
       </p:sp>
       <p:sp>
         <p:nvSpPr>
-          <p:cNvPr id="14" name="Rectangle 13"/>
+          <p:cNvPr id="13" name="Rectangle 12"/>
+          <p:cNvSpPr/>
+          <p:nvPr/>
+        </p:nvSpPr>
+        <p:spPr>
+          <a:xfrm>
+            <a:off x="8904666" y="0"/>
+            <a:ext cx="91440" cy="6858000"/>
+          </a:xfrm>
+          <a:prstGeom prst="rect">
+            <a:avLst/>
+          </a:prstGeom>
+          <a:solidFill>
+            <a:srgbClr val="0070C0"/>
+          </a:solidFill>
+          <a:ln>
+            <a:noFill/>
+          </a:ln>
+        </p:spPr>
+        <p:style>
+          <a:lnRef idx="2">
+            <a:schemeClr val="accent1">
+              <a:shade val="50000"/>
+            </a:schemeClr>
+          </a:lnRef>
+          <a:fillRef idx="1">
+            <a:schemeClr val="accent1"/>
+          </a:fillRef>
+          <a:effectRef idx="0">
+            <a:schemeClr val="accent1"/>
+          </a:effectRef>
+          <a:fontRef idx="minor">
+            <a:schemeClr val="lt1"/>
+          </a:fontRef>
+        </p:style>
+      </p:sp>
+      <p:pic>
+        <p:nvPicPr>
+          <p:cNvPr id="10" name="Picture 2" descr="EV3Lessons.com"/>
+          <p:cNvPicPr>
+            <a:picLocks noChangeAspect="1" noChangeArrowheads="1"/>
+          </p:cNvPicPr>
+          <p:nvPr/>
+        </p:nvPicPr>
+        <p:blipFill>
+          <a:blip r:embed="rId2">
+            <a:extLst>
+              <a:ext uri="{28A0092B-C50C-407E-A947-70E740481C1C}">
+                <a14:useLocalDpi xmlns:a14="http://schemas.microsoft.com/office/drawing/2010/main" val="0"/>
+              </a:ext>
+            </a:extLst>
+          </a:blip>
+          <a:srcRect/>
+          <a:stretch>
+            <a:fillRect/>
+          </a:stretch>
+        </p:blipFill>
+        <p:spPr bwMode="auto">
+          <a:xfrm>
+            <a:off x="690896" y="400415"/>
+            <a:ext cx="7741243" cy="2875320"/>
+          </a:xfrm>
+          <a:prstGeom prst="rect">
+            <a:avLst/>
+          </a:prstGeom>
+          <a:noFill/>
+          <a:extLst>
+            <a:ext uri="{909E8E84-426E-40dd-AFC4-6F175D3DCCD1}">
+              <a14:hiddenFill xmlns:a14="http://schemas.microsoft.com/office/drawing/2010/main" xmlns="">
+                <a:solidFill>
+                  <a:srgbClr val="FFFFFF"/>
+                </a:solidFill>
+              </a14:hiddenFill>
+            </a:ext>
+          </a:extLst>
+        </p:spPr>
+      </p:pic>
+      <p:sp>
+        <p:nvSpPr>
+          <p:cNvPr id="14" name="Title 1"/>
+          <p:cNvSpPr>
+            <a:spLocks noGrp="1"/>
+          </p:cNvSpPr>
+          <p:nvPr>
+            <p:ph type="ctrTitle" hasCustomPrompt="1"/>
+          </p:nvPr>
+        </p:nvSpPr>
+        <p:spPr>
+          <a:xfrm>
+            <a:off x="502903" y="5741850"/>
+            <a:ext cx="8117227" cy="602769"/>
+          </a:xfrm>
+        </p:spPr>
+        <p:txBody>
+          <a:bodyPr>
+            <a:noAutofit/>
+          </a:bodyPr>
+          <a:lstStyle>
+            <a:lvl1pPr>
+              <a:defRPr sz="2800"/>
+            </a:lvl1pPr>
+          </a:lstStyle>
+          <a:p>
+            <a:pPr algn="ctr"/>
+            <a:r>
+              <a:rPr lang="en-US" sz="3200" dirty="0" smtClean="0"/>
+              <a:t>BEGINNER PROGRAMMING LESSON</a:t>
+            </a:r>
+            <a:endParaRPr lang="en-US" sz="3200" dirty="0"/>
+          </a:p>
+        </p:txBody>
+      </p:sp>
+      <p:sp>
+        <p:nvSpPr>
+          <p:cNvPr id="15" name="TextBox 14"/>
+          <p:cNvSpPr txBox="1"/>
+          <p:nvPr/>
+        </p:nvSpPr>
+        <p:spPr>
+          <a:xfrm>
+            <a:off x="2078568" y="4119917"/>
+            <a:ext cx="4965896" cy="369332"/>
+          </a:xfrm>
+          <a:prstGeom prst="rect">
+            <a:avLst/>
+          </a:prstGeom>
+          <a:noFill/>
+        </p:spPr>
+        <p:txBody>
+          <a:bodyPr wrap="square" rtlCol="0">
+            <a:spAutoFit/>
+          </a:bodyPr>
+          <a:lstStyle/>
+          <a:p>
+            <a:pPr algn="ctr"/>
+            <a:r>
+              <a:rPr lang="en-US" dirty="0" smtClean="0"/>
+              <a:t>By Sanjay and Arvind </a:t>
+            </a:r>
+            <a:r>
+              <a:rPr lang="en-US" dirty="0" err="1" smtClean="0"/>
+              <a:t>Seshan</a:t>
+            </a:r>
+            <a:endParaRPr lang="en-US" dirty="0"/>
+          </a:p>
+        </p:txBody>
+      </p:sp>
+      <p:sp>
+        <p:nvSpPr>
+          <p:cNvPr id="16" name="Rectangle 15"/>
+          <p:cNvSpPr/>
+          <p:nvPr userDrawn="1"/>
+        </p:nvSpPr>
+        <p:spPr>
+          <a:xfrm>
+            <a:off x="8996106" y="2895600"/>
+            <a:ext cx="147895" cy="3962400"/>
+          </a:xfrm>
+          <a:prstGeom prst="rect">
+            <a:avLst/>
+          </a:prstGeom>
+          <a:solidFill>
+            <a:srgbClr val="92D050"/>
+          </a:solidFill>
+          <a:ln>
+            <a:noFill/>
+          </a:ln>
+        </p:spPr>
+        <p:style>
+          <a:lnRef idx="2">
+            <a:schemeClr val="accent1">
+              <a:shade val="50000"/>
+            </a:schemeClr>
+          </a:lnRef>
+          <a:fillRef idx="1">
+            <a:schemeClr val="accent1"/>
+          </a:fillRef>
+          <a:effectRef idx="0">
+            <a:schemeClr val="accent1"/>
+          </a:effectRef>
+          <a:fontRef idx="minor">
+            <a:schemeClr val="lt1"/>
+          </a:fontRef>
+        </p:style>
+      </p:sp>
+      <p:sp>
+        <p:nvSpPr>
+          <p:cNvPr id="17" name="Rectangle 16"/>
+          <p:cNvSpPr/>
+          <p:nvPr userDrawn="1"/>
+        </p:nvSpPr>
+        <p:spPr>
+          <a:xfrm>
+            <a:off x="8959042" y="0"/>
+            <a:ext cx="184958" cy="2895600"/>
+          </a:xfrm>
+          <a:prstGeom prst="rect">
+            <a:avLst/>
+          </a:prstGeom>
+          <a:solidFill>
+            <a:srgbClr val="7030A0"/>
+          </a:solidFill>
+          <a:ln>
+            <a:noFill/>
+          </a:ln>
+        </p:spPr>
+        <p:style>
+          <a:lnRef idx="2">
+            <a:schemeClr val="accent1">
+              <a:shade val="50000"/>
+            </a:schemeClr>
+          </a:lnRef>
+          <a:fillRef idx="1">
+            <a:schemeClr val="accent1"/>
+          </a:fillRef>
+          <a:effectRef idx="0">
+            <a:schemeClr val="accent1"/>
+          </a:effectRef>
+          <a:fontRef idx="minor">
+            <a:schemeClr val="lt1"/>
+          </a:fontRef>
+        </p:style>
+      </p:sp>
+      <p:sp>
+        <p:nvSpPr>
+          <p:cNvPr id="18" name="Rectangle 17"/>
           <p:cNvSpPr/>
           <p:nvPr userDrawn="1"/>
         </p:nvSpPr>
@@ -1726,10 +1924,22 @@
         </p:style>
       </p:sp>
     </p:spTree>
+    <p:extLst>
+      <p:ext uri="{BB962C8B-B14F-4D97-AF65-F5344CB8AC3E}">
+        <p14:creationId xmlns:p14="http://schemas.microsoft.com/office/powerpoint/2010/main" val="940144709"/>
+      </p:ext>
+    </p:extLst>
   </p:cSld>
   <p:clrMapOvr>
     <a:masterClrMapping/>
   </p:clrMapOvr>
+  <p:timing>
+    <p:tnLst>
+      <p:par>
+        <p:cTn id="1" dur="indefinite" restart="never" nodeType="tmRoot"/>
+      </p:par>
+    </p:tnLst>
+  </p:timing>
 </p:sldLayout>
 </file>
 
@@ -1840,9 +2050,9 @@
           <a:bodyPr/>
           <a:lstStyle/>
           <a:p>
-            <a:fld id="{ED9FEDC6-6210-49BD-9CBD-95D1AAFCD29A}" type="datetime1">
+            <a:fld id="{4FD5699E-EFFE-ED42-84A4-FC5C156ADCE3}" type="datetime1">
               <a:rPr lang="en-US" smtClean="0"/>
-              <a:t>11/14/15</a:t>
+              <a:t>7/4/16</a:t>
             </a:fld>
             <a:endParaRPr lang="en-US"/>
           </a:p>
@@ -1864,8 +2074,8 @@
           <a:lstStyle/>
           <a:p>
             <a:r>
-              <a:rPr lang="en-US" smtClean="0"/>
-              <a:t>© 2015 EV3Lessons.com (Last edit: 2/28/2015)</a:t>
+              <a:rPr lang="sk-SK" smtClean="0"/>
+              <a:t>© 2016 EV3Lessons.com (Last edit: 7/04/2016)</a:t>
             </a:r>
             <a:endParaRPr lang="en-US"/>
           </a:p>
@@ -1873,18 +2083,18 @@
       </p:sp>
       <p:sp>
         <p:nvSpPr>
-          <p:cNvPr id="7" name="Slide Number Placeholder 6"/>
+          <p:cNvPr id="6" name="Slide Number Placeholder 5"/>
           <p:cNvSpPr>
             <a:spLocks noGrp="1"/>
           </p:cNvSpPr>
           <p:nvPr>
-            <p:ph type="sldNum" sz="quarter" idx="4"/>
+            <p:ph type="sldNum" sz="quarter" idx="12"/>
           </p:nvPr>
         </p:nvSpPr>
         <p:spPr>
-          <a:xfrm>
-            <a:off x="8477026" y="6358106"/>
-            <a:ext cx="666974" cy="365125"/>
+          <a:xfrm rot="16200000">
+            <a:off x="8227377" y="5885497"/>
+            <a:ext cx="1315721" cy="365125"/>
           </a:xfrm>
           <a:prstGeom prst="rect">
             <a:avLst/>
@@ -1903,6 +2113,11 @@
         </p:txBody>
       </p:sp>
     </p:spTree>
+    <p:extLst>
+      <p:ext uri="{BB962C8B-B14F-4D97-AF65-F5344CB8AC3E}">
+        <p14:creationId xmlns:p14="http://schemas.microsoft.com/office/powerpoint/2010/main" val="1696528520"/>
+      </p:ext>
+    </p:extLst>
   </p:cSld>
   <p:clrMapOvr>
     <a:masterClrMapping/>
@@ -2027,9 +2242,9 @@
           <a:bodyPr/>
           <a:lstStyle/>
           <a:p>
-            <a:fld id="{6971F44B-8CBC-44B6-AD55-CE65907D5BC2}" type="datetime1">
+            <a:fld id="{37D0DB7C-AD56-D547-9B28-69FD6EE94796}" type="datetime1">
               <a:rPr lang="en-US" smtClean="0"/>
-              <a:t>11/14/15</a:t>
+              <a:t>7/4/16</a:t>
             </a:fld>
             <a:endParaRPr lang="en-US"/>
           </a:p>
@@ -2051,8 +2266,8 @@
           <a:lstStyle/>
           <a:p>
             <a:r>
-              <a:rPr lang="en-US" smtClean="0"/>
-              <a:t>© 2015 EV3Lessons.com (Last edit: 2/28/2015)</a:t>
+              <a:rPr lang="sk-SK" smtClean="0"/>
+              <a:t>© 2016 EV3Lessons.com (Last edit: 7/04/2016)</a:t>
             </a:r>
             <a:endParaRPr lang="en-US"/>
           </a:p>
@@ -2060,18 +2275,18 @@
       </p:sp>
       <p:sp>
         <p:nvSpPr>
-          <p:cNvPr id="7" name="Slide Number Placeholder 6"/>
+          <p:cNvPr id="6" name="Slide Number Placeholder 5"/>
           <p:cNvSpPr>
             <a:spLocks noGrp="1"/>
           </p:cNvSpPr>
           <p:nvPr>
-            <p:ph type="sldNum" sz="quarter" idx="4"/>
+            <p:ph type="sldNum" sz="quarter" idx="12"/>
           </p:nvPr>
         </p:nvSpPr>
         <p:spPr>
-          <a:xfrm>
-            <a:off x="8477026" y="6358106"/>
-            <a:ext cx="666974" cy="365125"/>
+          <a:xfrm rot="16200000">
+            <a:off x="8227377" y="5885497"/>
+            <a:ext cx="1315721" cy="365125"/>
           </a:xfrm>
           <a:prstGeom prst="rect">
             <a:avLst/>
@@ -2090,6 +2305,1740 @@
         </p:txBody>
       </p:sp>
     </p:spTree>
+    <p:extLst>
+      <p:ext uri="{BB962C8B-B14F-4D97-AF65-F5344CB8AC3E}">
+        <p14:creationId xmlns:p14="http://schemas.microsoft.com/office/powerpoint/2010/main" val="1414454421"/>
+      </p:ext>
+    </p:extLst>
+  </p:cSld>
+  <p:clrMapOvr>
+    <a:masterClrMapping/>
+  </p:clrMapOvr>
+</p:sldLayout>
+</file>
+
+<file path=ppt/slideLayouts/slideLayout12.xml><?xml version="1.0" encoding="utf-8"?>
+<p:sldLayout xmlns:a="http://schemas.openxmlformats.org/drawingml/2006/main" xmlns:r="http://schemas.openxmlformats.org/officeDocument/2006/relationships" xmlns:p="http://schemas.openxmlformats.org/presentationml/2006/main" type="title" preserve="1">
+  <p:cSld name="Title Slide">
+    <p:spTree>
+      <p:nvGrpSpPr>
+        <p:cNvPr id="1" name=""/>
+        <p:cNvGrpSpPr/>
+        <p:nvPr/>
+      </p:nvGrpSpPr>
+      <p:grpSpPr>
+        <a:xfrm>
+          <a:off x="0" y="0"/>
+          <a:ext cx="0" cy="0"/>
+          <a:chOff x="0" y="0"/>
+          <a:chExt cx="0" cy="0"/>
+        </a:xfrm>
+      </p:grpSpPr>
+      <p:sp>
+        <p:nvSpPr>
+          <p:cNvPr id="2" name="Title 1"/>
+          <p:cNvSpPr>
+            <a:spLocks noGrp="1"/>
+          </p:cNvSpPr>
+          <p:nvPr>
+            <p:ph type="ctrTitle"/>
+          </p:nvPr>
+        </p:nvSpPr>
+        <p:spPr>
+          <a:xfrm>
+            <a:off x="1143000" y="1122363"/>
+            <a:ext cx="6858000" cy="2387600"/>
+          </a:xfrm>
+        </p:spPr>
+        <p:txBody>
+          <a:bodyPr anchor="b"/>
+          <a:lstStyle>
+            <a:lvl1pPr algn="ctr">
+              <a:defRPr sz="6000"/>
+            </a:lvl1pPr>
+          </a:lstStyle>
+          <a:p>
+            <a:r>
+              <a:rPr lang="en-US" smtClean="0"/>
+              <a:t>Click to edit Master title style</a:t>
+            </a:r>
+            <a:endParaRPr lang="en-US"/>
+          </a:p>
+        </p:txBody>
+      </p:sp>
+      <p:sp>
+        <p:nvSpPr>
+          <p:cNvPr id="3" name="Subtitle 2"/>
+          <p:cNvSpPr>
+            <a:spLocks noGrp="1"/>
+          </p:cNvSpPr>
+          <p:nvPr>
+            <p:ph type="subTitle" idx="1"/>
+          </p:nvPr>
+        </p:nvSpPr>
+        <p:spPr>
+          <a:xfrm>
+            <a:off x="1143000" y="3602038"/>
+            <a:ext cx="6858000" cy="1655762"/>
+          </a:xfrm>
+        </p:spPr>
+        <p:txBody>
+          <a:bodyPr/>
+          <a:lstStyle>
+            <a:lvl1pPr marL="0" indent="0" algn="ctr">
+              <a:buNone/>
+              <a:defRPr sz="2400"/>
+            </a:lvl1pPr>
+            <a:lvl2pPr marL="457200" indent="0" algn="ctr">
+              <a:buNone/>
+              <a:defRPr sz="2000"/>
+            </a:lvl2pPr>
+            <a:lvl3pPr marL="914400" indent="0" algn="ctr">
+              <a:buNone/>
+              <a:defRPr sz="1800"/>
+            </a:lvl3pPr>
+            <a:lvl4pPr marL="1371600" indent="0" algn="ctr">
+              <a:buNone/>
+              <a:defRPr sz="1600"/>
+            </a:lvl4pPr>
+            <a:lvl5pPr marL="1828800" indent="0" algn="ctr">
+              <a:buNone/>
+              <a:defRPr sz="1600"/>
+            </a:lvl5pPr>
+            <a:lvl6pPr marL="2286000" indent="0" algn="ctr">
+              <a:buNone/>
+              <a:defRPr sz="1600"/>
+            </a:lvl6pPr>
+            <a:lvl7pPr marL="2743200" indent="0" algn="ctr">
+              <a:buNone/>
+              <a:defRPr sz="1600"/>
+            </a:lvl7pPr>
+            <a:lvl8pPr marL="3200400" indent="0" algn="ctr">
+              <a:buNone/>
+              <a:defRPr sz="1600"/>
+            </a:lvl8pPr>
+            <a:lvl9pPr marL="3657600" indent="0" algn="ctr">
+              <a:buNone/>
+              <a:defRPr sz="1600"/>
+            </a:lvl9pPr>
+          </a:lstStyle>
+          <a:p>
+            <a:r>
+              <a:rPr lang="en-US" smtClean="0"/>
+              <a:t>Click to edit Master subtitle style</a:t>
+            </a:r>
+            <a:endParaRPr lang="en-US"/>
+          </a:p>
+        </p:txBody>
+      </p:sp>
+      <p:sp>
+        <p:nvSpPr>
+          <p:cNvPr id="4" name="Date Placeholder 3"/>
+          <p:cNvSpPr>
+            <a:spLocks noGrp="1"/>
+          </p:cNvSpPr>
+          <p:nvPr>
+            <p:ph type="dt" sz="half" idx="10"/>
+          </p:nvPr>
+        </p:nvSpPr>
+        <p:spPr/>
+        <p:txBody>
+          <a:bodyPr/>
+          <a:lstStyle/>
+          <a:p>
+            <a:fld id="{1E5D3E98-F18B-E842-B0CD-F591BA22E084}" type="datetime1">
+              <a:rPr lang="en-US" smtClean="0"/>
+              <a:t>7/4/16</a:t>
+            </a:fld>
+            <a:endParaRPr lang="en-US"/>
+          </a:p>
+        </p:txBody>
+      </p:sp>
+      <p:sp>
+        <p:nvSpPr>
+          <p:cNvPr id="5" name="Footer Placeholder 4"/>
+          <p:cNvSpPr>
+            <a:spLocks noGrp="1"/>
+          </p:cNvSpPr>
+          <p:nvPr>
+            <p:ph type="ftr" sz="quarter" idx="11"/>
+          </p:nvPr>
+        </p:nvSpPr>
+        <p:spPr/>
+        <p:txBody>
+          <a:bodyPr/>
+          <a:lstStyle/>
+          <a:p>
+            <a:r>
+              <a:rPr lang="sk-SK" smtClean="0"/>
+              <a:t>© 2016 EV3Lessons.com (Last edit: 7/04/2016)</a:t>
+            </a:r>
+            <a:endParaRPr lang="en-US"/>
+          </a:p>
+        </p:txBody>
+      </p:sp>
+      <p:sp>
+        <p:nvSpPr>
+          <p:cNvPr id="6" name="Slide Number Placeholder 5"/>
+          <p:cNvSpPr>
+            <a:spLocks noGrp="1"/>
+          </p:cNvSpPr>
+          <p:nvPr>
+            <p:ph type="sldNum" sz="quarter" idx="12"/>
+          </p:nvPr>
+        </p:nvSpPr>
+        <p:spPr/>
+        <p:txBody>
+          <a:bodyPr/>
+          <a:lstStyle/>
+          <a:p>
+            <a:fld id="{DE42E464-3EB8-43C8-8768-9E2AD4F497B7}" type="slidenum">
+              <a:rPr lang="en-US" smtClean="0"/>
+              <a:t>‹#›</a:t>
+            </a:fld>
+            <a:endParaRPr lang="en-US"/>
+          </a:p>
+        </p:txBody>
+      </p:sp>
+    </p:spTree>
+    <p:extLst>
+      <p:ext uri="{BB962C8B-B14F-4D97-AF65-F5344CB8AC3E}">
+        <p14:creationId xmlns:p14="http://schemas.microsoft.com/office/powerpoint/2010/main" val="2078040194"/>
+      </p:ext>
+    </p:extLst>
+  </p:cSld>
+  <p:clrMapOvr>
+    <a:masterClrMapping/>
+  </p:clrMapOvr>
+</p:sldLayout>
+</file>
+
+<file path=ppt/slideLayouts/slideLayout13.xml><?xml version="1.0" encoding="utf-8"?>
+<p:sldLayout xmlns:a="http://schemas.openxmlformats.org/drawingml/2006/main" xmlns:r="http://schemas.openxmlformats.org/officeDocument/2006/relationships" xmlns:p="http://schemas.openxmlformats.org/presentationml/2006/main" type="obj" preserve="1">
+  <p:cSld name="Title and Content">
+    <p:spTree>
+      <p:nvGrpSpPr>
+        <p:cNvPr id="1" name=""/>
+        <p:cNvGrpSpPr/>
+        <p:nvPr/>
+      </p:nvGrpSpPr>
+      <p:grpSpPr>
+        <a:xfrm>
+          <a:off x="0" y="0"/>
+          <a:ext cx="0" cy="0"/>
+          <a:chOff x="0" y="0"/>
+          <a:chExt cx="0" cy="0"/>
+        </a:xfrm>
+      </p:grpSpPr>
+      <p:sp>
+        <p:nvSpPr>
+          <p:cNvPr id="2" name="Title 1"/>
+          <p:cNvSpPr>
+            <a:spLocks noGrp="1"/>
+          </p:cNvSpPr>
+          <p:nvPr>
+            <p:ph type="title"/>
+          </p:nvPr>
+        </p:nvSpPr>
+        <p:spPr/>
+        <p:txBody>
+          <a:bodyPr/>
+          <a:lstStyle/>
+          <a:p>
+            <a:r>
+              <a:rPr lang="en-US" smtClean="0"/>
+              <a:t>Click to edit Master title style</a:t>
+            </a:r>
+            <a:endParaRPr lang="en-US"/>
+          </a:p>
+        </p:txBody>
+      </p:sp>
+      <p:sp>
+        <p:nvSpPr>
+          <p:cNvPr id="3" name="Content Placeholder 2"/>
+          <p:cNvSpPr>
+            <a:spLocks noGrp="1"/>
+          </p:cNvSpPr>
+          <p:nvPr>
+            <p:ph idx="1"/>
+          </p:nvPr>
+        </p:nvSpPr>
+        <p:spPr/>
+        <p:txBody>
+          <a:bodyPr/>
+          <a:lstStyle/>
+          <a:p>
+            <a:pPr lvl="0"/>
+            <a:r>
+              <a:rPr lang="en-US" smtClean="0"/>
+              <a:t>Click to edit Master text styles</a:t>
+            </a:r>
+          </a:p>
+          <a:p>
+            <a:pPr lvl="1"/>
+            <a:r>
+              <a:rPr lang="en-US" smtClean="0"/>
+              <a:t>Second level</a:t>
+            </a:r>
+          </a:p>
+          <a:p>
+            <a:pPr lvl="2"/>
+            <a:r>
+              <a:rPr lang="en-US" smtClean="0"/>
+              <a:t>Third level</a:t>
+            </a:r>
+          </a:p>
+          <a:p>
+            <a:pPr lvl="3"/>
+            <a:r>
+              <a:rPr lang="en-US" smtClean="0"/>
+              <a:t>Fourth level</a:t>
+            </a:r>
+          </a:p>
+          <a:p>
+            <a:pPr lvl="4"/>
+            <a:r>
+              <a:rPr lang="en-US" smtClean="0"/>
+              <a:t>Fifth level</a:t>
+            </a:r>
+            <a:endParaRPr lang="en-US"/>
+          </a:p>
+        </p:txBody>
+      </p:sp>
+      <p:sp>
+        <p:nvSpPr>
+          <p:cNvPr id="4" name="Date Placeholder 3"/>
+          <p:cNvSpPr>
+            <a:spLocks noGrp="1"/>
+          </p:cNvSpPr>
+          <p:nvPr>
+            <p:ph type="dt" sz="half" idx="10"/>
+          </p:nvPr>
+        </p:nvSpPr>
+        <p:spPr/>
+        <p:txBody>
+          <a:bodyPr/>
+          <a:lstStyle/>
+          <a:p>
+            <a:fld id="{9CB7C0F2-CFD7-E04D-9A8C-E2C03D5A60F4}" type="datetime1">
+              <a:rPr lang="en-US" smtClean="0"/>
+              <a:t>7/4/16</a:t>
+            </a:fld>
+            <a:endParaRPr lang="en-US"/>
+          </a:p>
+        </p:txBody>
+      </p:sp>
+      <p:sp>
+        <p:nvSpPr>
+          <p:cNvPr id="5" name="Footer Placeholder 4"/>
+          <p:cNvSpPr>
+            <a:spLocks noGrp="1"/>
+          </p:cNvSpPr>
+          <p:nvPr>
+            <p:ph type="ftr" sz="quarter" idx="11"/>
+          </p:nvPr>
+        </p:nvSpPr>
+        <p:spPr/>
+        <p:txBody>
+          <a:bodyPr/>
+          <a:lstStyle/>
+          <a:p>
+            <a:r>
+              <a:rPr lang="sk-SK" smtClean="0"/>
+              <a:t>© 2016 EV3Lessons.com (Last edit: 7/04/2016)</a:t>
+            </a:r>
+            <a:endParaRPr lang="en-US"/>
+          </a:p>
+        </p:txBody>
+      </p:sp>
+      <p:sp>
+        <p:nvSpPr>
+          <p:cNvPr id="6" name="Slide Number Placeholder 5"/>
+          <p:cNvSpPr>
+            <a:spLocks noGrp="1"/>
+          </p:cNvSpPr>
+          <p:nvPr>
+            <p:ph type="sldNum" sz="quarter" idx="12"/>
+          </p:nvPr>
+        </p:nvSpPr>
+        <p:spPr/>
+        <p:txBody>
+          <a:bodyPr/>
+          <a:lstStyle/>
+          <a:p>
+            <a:fld id="{DE42E464-3EB8-43C8-8768-9E2AD4F497B7}" type="slidenum">
+              <a:rPr lang="en-US" smtClean="0"/>
+              <a:t>‹#›</a:t>
+            </a:fld>
+            <a:endParaRPr lang="en-US"/>
+          </a:p>
+        </p:txBody>
+      </p:sp>
+    </p:spTree>
+    <p:extLst>
+      <p:ext uri="{BB962C8B-B14F-4D97-AF65-F5344CB8AC3E}">
+        <p14:creationId xmlns:p14="http://schemas.microsoft.com/office/powerpoint/2010/main" val="1094989397"/>
+      </p:ext>
+    </p:extLst>
+  </p:cSld>
+  <p:clrMapOvr>
+    <a:masterClrMapping/>
+  </p:clrMapOvr>
+</p:sldLayout>
+</file>
+
+<file path=ppt/slideLayouts/slideLayout14.xml><?xml version="1.0" encoding="utf-8"?>
+<p:sldLayout xmlns:a="http://schemas.openxmlformats.org/drawingml/2006/main" xmlns:r="http://schemas.openxmlformats.org/officeDocument/2006/relationships" xmlns:p="http://schemas.openxmlformats.org/presentationml/2006/main" type="secHead" preserve="1">
+  <p:cSld name="Section Header">
+    <p:spTree>
+      <p:nvGrpSpPr>
+        <p:cNvPr id="1" name=""/>
+        <p:cNvGrpSpPr/>
+        <p:nvPr/>
+      </p:nvGrpSpPr>
+      <p:grpSpPr>
+        <a:xfrm>
+          <a:off x="0" y="0"/>
+          <a:ext cx="0" cy="0"/>
+          <a:chOff x="0" y="0"/>
+          <a:chExt cx="0" cy="0"/>
+        </a:xfrm>
+      </p:grpSpPr>
+      <p:sp>
+        <p:nvSpPr>
+          <p:cNvPr id="2" name="Title 1"/>
+          <p:cNvSpPr>
+            <a:spLocks noGrp="1"/>
+          </p:cNvSpPr>
+          <p:nvPr>
+            <p:ph type="title"/>
+          </p:nvPr>
+        </p:nvSpPr>
+        <p:spPr>
+          <a:xfrm>
+            <a:off x="623888" y="1709738"/>
+            <a:ext cx="7886700" cy="2852737"/>
+          </a:xfrm>
+        </p:spPr>
+        <p:txBody>
+          <a:bodyPr anchor="b"/>
+          <a:lstStyle>
+            <a:lvl1pPr>
+              <a:defRPr sz="6000"/>
+            </a:lvl1pPr>
+          </a:lstStyle>
+          <a:p>
+            <a:r>
+              <a:rPr lang="en-US" smtClean="0"/>
+              <a:t>Click to edit Master title style</a:t>
+            </a:r>
+            <a:endParaRPr lang="en-US"/>
+          </a:p>
+        </p:txBody>
+      </p:sp>
+      <p:sp>
+        <p:nvSpPr>
+          <p:cNvPr id="3" name="Text Placeholder 2"/>
+          <p:cNvSpPr>
+            <a:spLocks noGrp="1"/>
+          </p:cNvSpPr>
+          <p:nvPr>
+            <p:ph type="body" idx="1"/>
+          </p:nvPr>
+        </p:nvSpPr>
+        <p:spPr>
+          <a:xfrm>
+            <a:off x="623888" y="4589463"/>
+            <a:ext cx="7886700" cy="1500187"/>
+          </a:xfrm>
+        </p:spPr>
+        <p:txBody>
+          <a:bodyPr/>
+          <a:lstStyle>
+            <a:lvl1pPr marL="0" indent="0">
+              <a:buNone/>
+              <a:defRPr sz="2400">
+                <a:solidFill>
+                  <a:schemeClr val="tx1">
+                    <a:tint val="75000"/>
+                  </a:schemeClr>
+                </a:solidFill>
+              </a:defRPr>
+            </a:lvl1pPr>
+            <a:lvl2pPr marL="457200" indent="0">
+              <a:buNone/>
+              <a:defRPr sz="2000">
+                <a:solidFill>
+                  <a:schemeClr val="tx1">
+                    <a:tint val="75000"/>
+                  </a:schemeClr>
+                </a:solidFill>
+              </a:defRPr>
+            </a:lvl2pPr>
+            <a:lvl3pPr marL="914400" indent="0">
+              <a:buNone/>
+              <a:defRPr sz="1800">
+                <a:solidFill>
+                  <a:schemeClr val="tx1">
+                    <a:tint val="75000"/>
+                  </a:schemeClr>
+                </a:solidFill>
+              </a:defRPr>
+            </a:lvl3pPr>
+            <a:lvl4pPr marL="1371600" indent="0">
+              <a:buNone/>
+              <a:defRPr sz="1600">
+                <a:solidFill>
+                  <a:schemeClr val="tx1">
+                    <a:tint val="75000"/>
+                  </a:schemeClr>
+                </a:solidFill>
+              </a:defRPr>
+            </a:lvl4pPr>
+            <a:lvl5pPr marL="1828800" indent="0">
+              <a:buNone/>
+              <a:defRPr sz="1600">
+                <a:solidFill>
+                  <a:schemeClr val="tx1">
+                    <a:tint val="75000"/>
+                  </a:schemeClr>
+                </a:solidFill>
+              </a:defRPr>
+            </a:lvl5pPr>
+            <a:lvl6pPr marL="2286000" indent="0">
+              <a:buNone/>
+              <a:defRPr sz="1600">
+                <a:solidFill>
+                  <a:schemeClr val="tx1">
+                    <a:tint val="75000"/>
+                  </a:schemeClr>
+                </a:solidFill>
+              </a:defRPr>
+            </a:lvl6pPr>
+            <a:lvl7pPr marL="2743200" indent="0">
+              <a:buNone/>
+              <a:defRPr sz="1600">
+                <a:solidFill>
+                  <a:schemeClr val="tx1">
+                    <a:tint val="75000"/>
+                  </a:schemeClr>
+                </a:solidFill>
+              </a:defRPr>
+            </a:lvl7pPr>
+            <a:lvl8pPr marL="3200400" indent="0">
+              <a:buNone/>
+              <a:defRPr sz="1600">
+                <a:solidFill>
+                  <a:schemeClr val="tx1">
+                    <a:tint val="75000"/>
+                  </a:schemeClr>
+                </a:solidFill>
+              </a:defRPr>
+            </a:lvl8pPr>
+            <a:lvl9pPr marL="3657600" indent="0">
+              <a:buNone/>
+              <a:defRPr sz="1600">
+                <a:solidFill>
+                  <a:schemeClr val="tx1">
+                    <a:tint val="75000"/>
+                  </a:schemeClr>
+                </a:solidFill>
+              </a:defRPr>
+            </a:lvl9pPr>
+          </a:lstStyle>
+          <a:p>
+            <a:pPr lvl="0"/>
+            <a:r>
+              <a:rPr lang="en-US" smtClean="0"/>
+              <a:t>Click to edit Master text styles</a:t>
+            </a:r>
+          </a:p>
+        </p:txBody>
+      </p:sp>
+      <p:sp>
+        <p:nvSpPr>
+          <p:cNvPr id="4" name="Date Placeholder 3"/>
+          <p:cNvSpPr>
+            <a:spLocks noGrp="1"/>
+          </p:cNvSpPr>
+          <p:nvPr>
+            <p:ph type="dt" sz="half" idx="10"/>
+          </p:nvPr>
+        </p:nvSpPr>
+        <p:spPr/>
+        <p:txBody>
+          <a:bodyPr/>
+          <a:lstStyle/>
+          <a:p>
+            <a:fld id="{78EBE5CB-9C73-AD4F-8CE6-AD079CF3363B}" type="datetime1">
+              <a:rPr lang="en-US" smtClean="0"/>
+              <a:t>7/4/16</a:t>
+            </a:fld>
+            <a:endParaRPr lang="en-US"/>
+          </a:p>
+        </p:txBody>
+      </p:sp>
+      <p:sp>
+        <p:nvSpPr>
+          <p:cNvPr id="5" name="Footer Placeholder 4"/>
+          <p:cNvSpPr>
+            <a:spLocks noGrp="1"/>
+          </p:cNvSpPr>
+          <p:nvPr>
+            <p:ph type="ftr" sz="quarter" idx="11"/>
+          </p:nvPr>
+        </p:nvSpPr>
+        <p:spPr/>
+        <p:txBody>
+          <a:bodyPr/>
+          <a:lstStyle/>
+          <a:p>
+            <a:r>
+              <a:rPr lang="sk-SK" smtClean="0"/>
+              <a:t>© 2016 EV3Lessons.com (Last edit: 7/04/2016)</a:t>
+            </a:r>
+            <a:endParaRPr lang="en-US"/>
+          </a:p>
+        </p:txBody>
+      </p:sp>
+      <p:sp>
+        <p:nvSpPr>
+          <p:cNvPr id="6" name="Slide Number Placeholder 5"/>
+          <p:cNvSpPr>
+            <a:spLocks noGrp="1"/>
+          </p:cNvSpPr>
+          <p:nvPr>
+            <p:ph type="sldNum" sz="quarter" idx="12"/>
+          </p:nvPr>
+        </p:nvSpPr>
+        <p:spPr/>
+        <p:txBody>
+          <a:bodyPr/>
+          <a:lstStyle/>
+          <a:p>
+            <a:fld id="{DE42E464-3EB8-43C8-8768-9E2AD4F497B7}" type="slidenum">
+              <a:rPr lang="en-US" smtClean="0"/>
+              <a:t>‹#›</a:t>
+            </a:fld>
+            <a:endParaRPr lang="en-US"/>
+          </a:p>
+        </p:txBody>
+      </p:sp>
+    </p:spTree>
+    <p:extLst>
+      <p:ext uri="{BB962C8B-B14F-4D97-AF65-F5344CB8AC3E}">
+        <p14:creationId xmlns:p14="http://schemas.microsoft.com/office/powerpoint/2010/main" val="1699424236"/>
+      </p:ext>
+    </p:extLst>
+  </p:cSld>
+  <p:clrMapOvr>
+    <a:masterClrMapping/>
+  </p:clrMapOvr>
+</p:sldLayout>
+</file>
+
+<file path=ppt/slideLayouts/slideLayout15.xml><?xml version="1.0" encoding="utf-8"?>
+<p:sldLayout xmlns:a="http://schemas.openxmlformats.org/drawingml/2006/main" xmlns:r="http://schemas.openxmlformats.org/officeDocument/2006/relationships" xmlns:p="http://schemas.openxmlformats.org/presentationml/2006/main" type="twoObj" preserve="1">
+  <p:cSld name="Two Content">
+    <p:spTree>
+      <p:nvGrpSpPr>
+        <p:cNvPr id="1" name=""/>
+        <p:cNvGrpSpPr/>
+        <p:nvPr/>
+      </p:nvGrpSpPr>
+      <p:grpSpPr>
+        <a:xfrm>
+          <a:off x="0" y="0"/>
+          <a:ext cx="0" cy="0"/>
+          <a:chOff x="0" y="0"/>
+          <a:chExt cx="0" cy="0"/>
+        </a:xfrm>
+      </p:grpSpPr>
+      <p:sp>
+        <p:nvSpPr>
+          <p:cNvPr id="2" name="Title 1"/>
+          <p:cNvSpPr>
+            <a:spLocks noGrp="1"/>
+          </p:cNvSpPr>
+          <p:nvPr>
+            <p:ph type="title"/>
+          </p:nvPr>
+        </p:nvSpPr>
+        <p:spPr/>
+        <p:txBody>
+          <a:bodyPr/>
+          <a:lstStyle/>
+          <a:p>
+            <a:r>
+              <a:rPr lang="en-US" smtClean="0"/>
+              <a:t>Click to edit Master title style</a:t>
+            </a:r>
+            <a:endParaRPr lang="en-US"/>
+          </a:p>
+        </p:txBody>
+      </p:sp>
+      <p:sp>
+        <p:nvSpPr>
+          <p:cNvPr id="3" name="Content Placeholder 2"/>
+          <p:cNvSpPr>
+            <a:spLocks noGrp="1"/>
+          </p:cNvSpPr>
+          <p:nvPr>
+            <p:ph sz="half" idx="1"/>
+          </p:nvPr>
+        </p:nvSpPr>
+        <p:spPr>
+          <a:xfrm>
+            <a:off x="628650" y="1825625"/>
+            <a:ext cx="3867150" cy="4351338"/>
+          </a:xfrm>
+        </p:spPr>
+        <p:txBody>
+          <a:bodyPr/>
+          <a:lstStyle/>
+          <a:p>
+            <a:pPr lvl="0"/>
+            <a:r>
+              <a:rPr lang="en-US" smtClean="0"/>
+              <a:t>Click to edit Master text styles</a:t>
+            </a:r>
+          </a:p>
+          <a:p>
+            <a:pPr lvl="1"/>
+            <a:r>
+              <a:rPr lang="en-US" smtClean="0"/>
+              <a:t>Second level</a:t>
+            </a:r>
+          </a:p>
+          <a:p>
+            <a:pPr lvl="2"/>
+            <a:r>
+              <a:rPr lang="en-US" smtClean="0"/>
+              <a:t>Third level</a:t>
+            </a:r>
+          </a:p>
+          <a:p>
+            <a:pPr lvl="3"/>
+            <a:r>
+              <a:rPr lang="en-US" smtClean="0"/>
+              <a:t>Fourth level</a:t>
+            </a:r>
+          </a:p>
+          <a:p>
+            <a:pPr lvl="4"/>
+            <a:r>
+              <a:rPr lang="en-US" smtClean="0"/>
+              <a:t>Fifth level</a:t>
+            </a:r>
+            <a:endParaRPr lang="en-US"/>
+          </a:p>
+        </p:txBody>
+      </p:sp>
+      <p:sp>
+        <p:nvSpPr>
+          <p:cNvPr id="4" name="Content Placeholder 3"/>
+          <p:cNvSpPr>
+            <a:spLocks noGrp="1"/>
+          </p:cNvSpPr>
+          <p:nvPr>
+            <p:ph sz="half" idx="2"/>
+          </p:nvPr>
+        </p:nvSpPr>
+        <p:spPr>
+          <a:xfrm>
+            <a:off x="4648200" y="1825625"/>
+            <a:ext cx="3867150" cy="4351338"/>
+          </a:xfrm>
+        </p:spPr>
+        <p:txBody>
+          <a:bodyPr/>
+          <a:lstStyle/>
+          <a:p>
+            <a:pPr lvl="0"/>
+            <a:r>
+              <a:rPr lang="en-US" smtClean="0"/>
+              <a:t>Click to edit Master text styles</a:t>
+            </a:r>
+          </a:p>
+          <a:p>
+            <a:pPr lvl="1"/>
+            <a:r>
+              <a:rPr lang="en-US" smtClean="0"/>
+              <a:t>Second level</a:t>
+            </a:r>
+          </a:p>
+          <a:p>
+            <a:pPr lvl="2"/>
+            <a:r>
+              <a:rPr lang="en-US" smtClean="0"/>
+              <a:t>Third level</a:t>
+            </a:r>
+          </a:p>
+          <a:p>
+            <a:pPr lvl="3"/>
+            <a:r>
+              <a:rPr lang="en-US" smtClean="0"/>
+              <a:t>Fourth level</a:t>
+            </a:r>
+          </a:p>
+          <a:p>
+            <a:pPr lvl="4"/>
+            <a:r>
+              <a:rPr lang="en-US" smtClean="0"/>
+              <a:t>Fifth level</a:t>
+            </a:r>
+            <a:endParaRPr lang="en-US"/>
+          </a:p>
+        </p:txBody>
+      </p:sp>
+      <p:sp>
+        <p:nvSpPr>
+          <p:cNvPr id="5" name="Date Placeholder 4"/>
+          <p:cNvSpPr>
+            <a:spLocks noGrp="1"/>
+          </p:cNvSpPr>
+          <p:nvPr>
+            <p:ph type="dt" sz="half" idx="10"/>
+          </p:nvPr>
+        </p:nvSpPr>
+        <p:spPr/>
+        <p:txBody>
+          <a:bodyPr/>
+          <a:lstStyle/>
+          <a:p>
+            <a:fld id="{B4A56E11-41CF-1F4F-90EF-A3EE95E44AAD}" type="datetime1">
+              <a:rPr lang="en-US" smtClean="0"/>
+              <a:t>7/4/16</a:t>
+            </a:fld>
+            <a:endParaRPr lang="en-US"/>
+          </a:p>
+        </p:txBody>
+      </p:sp>
+      <p:sp>
+        <p:nvSpPr>
+          <p:cNvPr id="6" name="Footer Placeholder 5"/>
+          <p:cNvSpPr>
+            <a:spLocks noGrp="1"/>
+          </p:cNvSpPr>
+          <p:nvPr>
+            <p:ph type="ftr" sz="quarter" idx="11"/>
+          </p:nvPr>
+        </p:nvSpPr>
+        <p:spPr/>
+        <p:txBody>
+          <a:bodyPr/>
+          <a:lstStyle/>
+          <a:p>
+            <a:r>
+              <a:rPr lang="sk-SK" smtClean="0"/>
+              <a:t>© 2016 EV3Lessons.com (Last edit: 7/04/2016)</a:t>
+            </a:r>
+            <a:endParaRPr lang="en-US"/>
+          </a:p>
+        </p:txBody>
+      </p:sp>
+      <p:sp>
+        <p:nvSpPr>
+          <p:cNvPr id="7" name="Slide Number Placeholder 6"/>
+          <p:cNvSpPr>
+            <a:spLocks noGrp="1"/>
+          </p:cNvSpPr>
+          <p:nvPr>
+            <p:ph type="sldNum" sz="quarter" idx="12"/>
+          </p:nvPr>
+        </p:nvSpPr>
+        <p:spPr/>
+        <p:txBody>
+          <a:bodyPr/>
+          <a:lstStyle/>
+          <a:p>
+            <a:fld id="{DE42E464-3EB8-43C8-8768-9E2AD4F497B7}" type="slidenum">
+              <a:rPr lang="en-US" smtClean="0"/>
+              <a:t>‹#›</a:t>
+            </a:fld>
+            <a:endParaRPr lang="en-US"/>
+          </a:p>
+        </p:txBody>
+      </p:sp>
+    </p:spTree>
+    <p:extLst>
+      <p:ext uri="{BB962C8B-B14F-4D97-AF65-F5344CB8AC3E}">
+        <p14:creationId xmlns:p14="http://schemas.microsoft.com/office/powerpoint/2010/main" val="690629352"/>
+      </p:ext>
+    </p:extLst>
+  </p:cSld>
+  <p:clrMapOvr>
+    <a:masterClrMapping/>
+  </p:clrMapOvr>
+</p:sldLayout>
+</file>
+
+<file path=ppt/slideLayouts/slideLayout16.xml><?xml version="1.0" encoding="utf-8"?>
+<p:sldLayout xmlns:a="http://schemas.openxmlformats.org/drawingml/2006/main" xmlns:r="http://schemas.openxmlformats.org/officeDocument/2006/relationships" xmlns:p="http://schemas.openxmlformats.org/presentationml/2006/main" type="twoTxTwoObj" preserve="1">
+  <p:cSld name="Comparison">
+    <p:spTree>
+      <p:nvGrpSpPr>
+        <p:cNvPr id="1" name=""/>
+        <p:cNvGrpSpPr/>
+        <p:nvPr/>
+      </p:nvGrpSpPr>
+      <p:grpSpPr>
+        <a:xfrm>
+          <a:off x="0" y="0"/>
+          <a:ext cx="0" cy="0"/>
+          <a:chOff x="0" y="0"/>
+          <a:chExt cx="0" cy="0"/>
+        </a:xfrm>
+      </p:grpSpPr>
+      <p:sp>
+        <p:nvSpPr>
+          <p:cNvPr id="2" name="Title 1"/>
+          <p:cNvSpPr>
+            <a:spLocks noGrp="1"/>
+          </p:cNvSpPr>
+          <p:nvPr>
+            <p:ph type="title"/>
+          </p:nvPr>
+        </p:nvSpPr>
+        <p:spPr>
+          <a:xfrm>
+            <a:off x="630238" y="365125"/>
+            <a:ext cx="7886700" cy="1325563"/>
+          </a:xfrm>
+        </p:spPr>
+        <p:txBody>
+          <a:bodyPr/>
+          <a:lstStyle/>
+          <a:p>
+            <a:r>
+              <a:rPr lang="en-US" smtClean="0"/>
+              <a:t>Click to edit Master title style</a:t>
+            </a:r>
+            <a:endParaRPr lang="en-US"/>
+          </a:p>
+        </p:txBody>
+      </p:sp>
+      <p:sp>
+        <p:nvSpPr>
+          <p:cNvPr id="3" name="Text Placeholder 2"/>
+          <p:cNvSpPr>
+            <a:spLocks noGrp="1"/>
+          </p:cNvSpPr>
+          <p:nvPr>
+            <p:ph type="body" idx="1"/>
+          </p:nvPr>
+        </p:nvSpPr>
+        <p:spPr>
+          <a:xfrm>
+            <a:off x="630238" y="1681163"/>
+            <a:ext cx="3868737" cy="823912"/>
+          </a:xfrm>
+        </p:spPr>
+        <p:txBody>
+          <a:bodyPr anchor="b"/>
+          <a:lstStyle>
+            <a:lvl1pPr marL="0" indent="0">
+              <a:buNone/>
+              <a:defRPr sz="2400" b="1"/>
+            </a:lvl1pPr>
+            <a:lvl2pPr marL="457200" indent="0">
+              <a:buNone/>
+              <a:defRPr sz="2000" b="1"/>
+            </a:lvl2pPr>
+            <a:lvl3pPr marL="914400" indent="0">
+              <a:buNone/>
+              <a:defRPr sz="1800" b="1"/>
+            </a:lvl3pPr>
+            <a:lvl4pPr marL="1371600" indent="0">
+              <a:buNone/>
+              <a:defRPr sz="1600" b="1"/>
+            </a:lvl4pPr>
+            <a:lvl5pPr marL="1828800" indent="0">
+              <a:buNone/>
+              <a:defRPr sz="1600" b="1"/>
+            </a:lvl5pPr>
+            <a:lvl6pPr marL="2286000" indent="0">
+              <a:buNone/>
+              <a:defRPr sz="1600" b="1"/>
+            </a:lvl6pPr>
+            <a:lvl7pPr marL="2743200" indent="0">
+              <a:buNone/>
+              <a:defRPr sz="1600" b="1"/>
+            </a:lvl7pPr>
+            <a:lvl8pPr marL="3200400" indent="0">
+              <a:buNone/>
+              <a:defRPr sz="1600" b="1"/>
+            </a:lvl8pPr>
+            <a:lvl9pPr marL="3657600" indent="0">
+              <a:buNone/>
+              <a:defRPr sz="1600" b="1"/>
+            </a:lvl9pPr>
+          </a:lstStyle>
+          <a:p>
+            <a:pPr lvl="0"/>
+            <a:r>
+              <a:rPr lang="en-US" smtClean="0"/>
+              <a:t>Click to edit Master text styles</a:t>
+            </a:r>
+          </a:p>
+        </p:txBody>
+      </p:sp>
+      <p:sp>
+        <p:nvSpPr>
+          <p:cNvPr id="4" name="Content Placeholder 3"/>
+          <p:cNvSpPr>
+            <a:spLocks noGrp="1"/>
+          </p:cNvSpPr>
+          <p:nvPr>
+            <p:ph sz="half" idx="2"/>
+          </p:nvPr>
+        </p:nvSpPr>
+        <p:spPr>
+          <a:xfrm>
+            <a:off x="630238" y="2505075"/>
+            <a:ext cx="3868737" cy="3684588"/>
+          </a:xfrm>
+        </p:spPr>
+        <p:txBody>
+          <a:bodyPr/>
+          <a:lstStyle/>
+          <a:p>
+            <a:pPr lvl="0"/>
+            <a:r>
+              <a:rPr lang="en-US" smtClean="0"/>
+              <a:t>Click to edit Master text styles</a:t>
+            </a:r>
+          </a:p>
+          <a:p>
+            <a:pPr lvl="1"/>
+            <a:r>
+              <a:rPr lang="en-US" smtClean="0"/>
+              <a:t>Second level</a:t>
+            </a:r>
+          </a:p>
+          <a:p>
+            <a:pPr lvl="2"/>
+            <a:r>
+              <a:rPr lang="en-US" smtClean="0"/>
+              <a:t>Third level</a:t>
+            </a:r>
+          </a:p>
+          <a:p>
+            <a:pPr lvl="3"/>
+            <a:r>
+              <a:rPr lang="en-US" smtClean="0"/>
+              <a:t>Fourth level</a:t>
+            </a:r>
+          </a:p>
+          <a:p>
+            <a:pPr lvl="4"/>
+            <a:r>
+              <a:rPr lang="en-US" smtClean="0"/>
+              <a:t>Fifth level</a:t>
+            </a:r>
+            <a:endParaRPr lang="en-US"/>
+          </a:p>
+        </p:txBody>
+      </p:sp>
+      <p:sp>
+        <p:nvSpPr>
+          <p:cNvPr id="5" name="Text Placeholder 4"/>
+          <p:cNvSpPr>
+            <a:spLocks noGrp="1"/>
+          </p:cNvSpPr>
+          <p:nvPr>
+            <p:ph type="body" sz="quarter" idx="3"/>
+          </p:nvPr>
+        </p:nvSpPr>
+        <p:spPr>
+          <a:xfrm>
+            <a:off x="4629150" y="1681163"/>
+            <a:ext cx="3887788" cy="823912"/>
+          </a:xfrm>
+        </p:spPr>
+        <p:txBody>
+          <a:bodyPr anchor="b"/>
+          <a:lstStyle>
+            <a:lvl1pPr marL="0" indent="0">
+              <a:buNone/>
+              <a:defRPr sz="2400" b="1"/>
+            </a:lvl1pPr>
+            <a:lvl2pPr marL="457200" indent="0">
+              <a:buNone/>
+              <a:defRPr sz="2000" b="1"/>
+            </a:lvl2pPr>
+            <a:lvl3pPr marL="914400" indent="0">
+              <a:buNone/>
+              <a:defRPr sz="1800" b="1"/>
+            </a:lvl3pPr>
+            <a:lvl4pPr marL="1371600" indent="0">
+              <a:buNone/>
+              <a:defRPr sz="1600" b="1"/>
+            </a:lvl4pPr>
+            <a:lvl5pPr marL="1828800" indent="0">
+              <a:buNone/>
+              <a:defRPr sz="1600" b="1"/>
+            </a:lvl5pPr>
+            <a:lvl6pPr marL="2286000" indent="0">
+              <a:buNone/>
+              <a:defRPr sz="1600" b="1"/>
+            </a:lvl6pPr>
+            <a:lvl7pPr marL="2743200" indent="0">
+              <a:buNone/>
+              <a:defRPr sz="1600" b="1"/>
+            </a:lvl7pPr>
+            <a:lvl8pPr marL="3200400" indent="0">
+              <a:buNone/>
+              <a:defRPr sz="1600" b="1"/>
+            </a:lvl8pPr>
+            <a:lvl9pPr marL="3657600" indent="0">
+              <a:buNone/>
+              <a:defRPr sz="1600" b="1"/>
+            </a:lvl9pPr>
+          </a:lstStyle>
+          <a:p>
+            <a:pPr lvl="0"/>
+            <a:r>
+              <a:rPr lang="en-US" smtClean="0"/>
+              <a:t>Click to edit Master text styles</a:t>
+            </a:r>
+          </a:p>
+        </p:txBody>
+      </p:sp>
+      <p:sp>
+        <p:nvSpPr>
+          <p:cNvPr id="6" name="Content Placeholder 5"/>
+          <p:cNvSpPr>
+            <a:spLocks noGrp="1"/>
+          </p:cNvSpPr>
+          <p:nvPr>
+            <p:ph sz="quarter" idx="4"/>
+          </p:nvPr>
+        </p:nvSpPr>
+        <p:spPr>
+          <a:xfrm>
+            <a:off x="4629150" y="2505075"/>
+            <a:ext cx="3887788" cy="3684588"/>
+          </a:xfrm>
+        </p:spPr>
+        <p:txBody>
+          <a:bodyPr/>
+          <a:lstStyle/>
+          <a:p>
+            <a:pPr lvl="0"/>
+            <a:r>
+              <a:rPr lang="en-US" smtClean="0"/>
+              <a:t>Click to edit Master text styles</a:t>
+            </a:r>
+          </a:p>
+          <a:p>
+            <a:pPr lvl="1"/>
+            <a:r>
+              <a:rPr lang="en-US" smtClean="0"/>
+              <a:t>Second level</a:t>
+            </a:r>
+          </a:p>
+          <a:p>
+            <a:pPr lvl="2"/>
+            <a:r>
+              <a:rPr lang="en-US" smtClean="0"/>
+              <a:t>Third level</a:t>
+            </a:r>
+          </a:p>
+          <a:p>
+            <a:pPr lvl="3"/>
+            <a:r>
+              <a:rPr lang="en-US" smtClean="0"/>
+              <a:t>Fourth level</a:t>
+            </a:r>
+          </a:p>
+          <a:p>
+            <a:pPr lvl="4"/>
+            <a:r>
+              <a:rPr lang="en-US" smtClean="0"/>
+              <a:t>Fifth level</a:t>
+            </a:r>
+            <a:endParaRPr lang="en-US"/>
+          </a:p>
+        </p:txBody>
+      </p:sp>
+      <p:sp>
+        <p:nvSpPr>
+          <p:cNvPr id="7" name="Date Placeholder 6"/>
+          <p:cNvSpPr>
+            <a:spLocks noGrp="1"/>
+          </p:cNvSpPr>
+          <p:nvPr>
+            <p:ph type="dt" sz="half" idx="10"/>
+          </p:nvPr>
+        </p:nvSpPr>
+        <p:spPr/>
+        <p:txBody>
+          <a:bodyPr/>
+          <a:lstStyle/>
+          <a:p>
+            <a:fld id="{1ACEC32F-8F87-C640-A07B-CB0BC1F52B41}" type="datetime1">
+              <a:rPr lang="en-US" smtClean="0"/>
+              <a:t>7/4/16</a:t>
+            </a:fld>
+            <a:endParaRPr lang="en-US"/>
+          </a:p>
+        </p:txBody>
+      </p:sp>
+      <p:sp>
+        <p:nvSpPr>
+          <p:cNvPr id="8" name="Footer Placeholder 7"/>
+          <p:cNvSpPr>
+            <a:spLocks noGrp="1"/>
+          </p:cNvSpPr>
+          <p:nvPr>
+            <p:ph type="ftr" sz="quarter" idx="11"/>
+          </p:nvPr>
+        </p:nvSpPr>
+        <p:spPr/>
+        <p:txBody>
+          <a:bodyPr/>
+          <a:lstStyle/>
+          <a:p>
+            <a:r>
+              <a:rPr lang="sk-SK" smtClean="0"/>
+              <a:t>© 2016 EV3Lessons.com (Last edit: 7/04/2016)</a:t>
+            </a:r>
+            <a:endParaRPr lang="en-US"/>
+          </a:p>
+        </p:txBody>
+      </p:sp>
+      <p:sp>
+        <p:nvSpPr>
+          <p:cNvPr id="9" name="Slide Number Placeholder 8"/>
+          <p:cNvSpPr>
+            <a:spLocks noGrp="1"/>
+          </p:cNvSpPr>
+          <p:nvPr>
+            <p:ph type="sldNum" sz="quarter" idx="12"/>
+          </p:nvPr>
+        </p:nvSpPr>
+        <p:spPr/>
+        <p:txBody>
+          <a:bodyPr/>
+          <a:lstStyle/>
+          <a:p>
+            <a:fld id="{DE42E464-3EB8-43C8-8768-9E2AD4F497B7}" type="slidenum">
+              <a:rPr lang="en-US" smtClean="0"/>
+              <a:t>‹#›</a:t>
+            </a:fld>
+            <a:endParaRPr lang="en-US"/>
+          </a:p>
+        </p:txBody>
+      </p:sp>
+    </p:spTree>
+    <p:extLst>
+      <p:ext uri="{BB962C8B-B14F-4D97-AF65-F5344CB8AC3E}">
+        <p14:creationId xmlns:p14="http://schemas.microsoft.com/office/powerpoint/2010/main" val="258407029"/>
+      </p:ext>
+    </p:extLst>
+  </p:cSld>
+  <p:clrMapOvr>
+    <a:masterClrMapping/>
+  </p:clrMapOvr>
+</p:sldLayout>
+</file>
+
+<file path=ppt/slideLayouts/slideLayout17.xml><?xml version="1.0" encoding="utf-8"?>
+<p:sldLayout xmlns:a="http://schemas.openxmlformats.org/drawingml/2006/main" xmlns:r="http://schemas.openxmlformats.org/officeDocument/2006/relationships" xmlns:p="http://schemas.openxmlformats.org/presentationml/2006/main" type="titleOnly" preserve="1">
+  <p:cSld name="Title Only">
+    <p:spTree>
+      <p:nvGrpSpPr>
+        <p:cNvPr id="1" name=""/>
+        <p:cNvGrpSpPr/>
+        <p:nvPr/>
+      </p:nvGrpSpPr>
+      <p:grpSpPr>
+        <a:xfrm>
+          <a:off x="0" y="0"/>
+          <a:ext cx="0" cy="0"/>
+          <a:chOff x="0" y="0"/>
+          <a:chExt cx="0" cy="0"/>
+        </a:xfrm>
+      </p:grpSpPr>
+      <p:sp>
+        <p:nvSpPr>
+          <p:cNvPr id="2" name="Title 1"/>
+          <p:cNvSpPr>
+            <a:spLocks noGrp="1"/>
+          </p:cNvSpPr>
+          <p:nvPr>
+            <p:ph type="title"/>
+          </p:nvPr>
+        </p:nvSpPr>
+        <p:spPr/>
+        <p:txBody>
+          <a:bodyPr/>
+          <a:lstStyle/>
+          <a:p>
+            <a:r>
+              <a:rPr lang="en-US" smtClean="0"/>
+              <a:t>Click to edit Master title style</a:t>
+            </a:r>
+            <a:endParaRPr lang="en-US"/>
+          </a:p>
+        </p:txBody>
+      </p:sp>
+      <p:sp>
+        <p:nvSpPr>
+          <p:cNvPr id="3" name="Date Placeholder 2"/>
+          <p:cNvSpPr>
+            <a:spLocks noGrp="1"/>
+          </p:cNvSpPr>
+          <p:nvPr>
+            <p:ph type="dt" sz="half" idx="10"/>
+          </p:nvPr>
+        </p:nvSpPr>
+        <p:spPr/>
+        <p:txBody>
+          <a:bodyPr/>
+          <a:lstStyle/>
+          <a:p>
+            <a:fld id="{983BABC8-62FE-4440-836B-EA80C357A52E}" type="datetime1">
+              <a:rPr lang="en-US" smtClean="0"/>
+              <a:t>7/4/16</a:t>
+            </a:fld>
+            <a:endParaRPr lang="en-US"/>
+          </a:p>
+        </p:txBody>
+      </p:sp>
+      <p:sp>
+        <p:nvSpPr>
+          <p:cNvPr id="4" name="Footer Placeholder 3"/>
+          <p:cNvSpPr>
+            <a:spLocks noGrp="1"/>
+          </p:cNvSpPr>
+          <p:nvPr>
+            <p:ph type="ftr" sz="quarter" idx="11"/>
+          </p:nvPr>
+        </p:nvSpPr>
+        <p:spPr/>
+        <p:txBody>
+          <a:bodyPr/>
+          <a:lstStyle/>
+          <a:p>
+            <a:r>
+              <a:rPr lang="sk-SK" smtClean="0"/>
+              <a:t>© 2016 EV3Lessons.com (Last edit: 7/04/2016)</a:t>
+            </a:r>
+            <a:endParaRPr lang="en-US"/>
+          </a:p>
+        </p:txBody>
+      </p:sp>
+      <p:sp>
+        <p:nvSpPr>
+          <p:cNvPr id="5" name="Slide Number Placeholder 4"/>
+          <p:cNvSpPr>
+            <a:spLocks noGrp="1"/>
+          </p:cNvSpPr>
+          <p:nvPr>
+            <p:ph type="sldNum" sz="quarter" idx="12"/>
+          </p:nvPr>
+        </p:nvSpPr>
+        <p:spPr/>
+        <p:txBody>
+          <a:bodyPr/>
+          <a:lstStyle/>
+          <a:p>
+            <a:fld id="{DE42E464-3EB8-43C8-8768-9E2AD4F497B7}" type="slidenum">
+              <a:rPr lang="en-US" smtClean="0"/>
+              <a:t>‹#›</a:t>
+            </a:fld>
+            <a:endParaRPr lang="en-US"/>
+          </a:p>
+        </p:txBody>
+      </p:sp>
+    </p:spTree>
+    <p:extLst>
+      <p:ext uri="{BB962C8B-B14F-4D97-AF65-F5344CB8AC3E}">
+        <p14:creationId xmlns:p14="http://schemas.microsoft.com/office/powerpoint/2010/main" val="835002169"/>
+      </p:ext>
+    </p:extLst>
+  </p:cSld>
+  <p:clrMapOvr>
+    <a:masterClrMapping/>
+  </p:clrMapOvr>
+</p:sldLayout>
+</file>
+
+<file path=ppt/slideLayouts/slideLayout18.xml><?xml version="1.0" encoding="utf-8"?>
+<p:sldLayout xmlns:a="http://schemas.openxmlformats.org/drawingml/2006/main" xmlns:r="http://schemas.openxmlformats.org/officeDocument/2006/relationships" xmlns:p="http://schemas.openxmlformats.org/presentationml/2006/main" type="blank" preserve="1">
+  <p:cSld name="Blank">
+    <p:spTree>
+      <p:nvGrpSpPr>
+        <p:cNvPr id="1" name=""/>
+        <p:cNvGrpSpPr/>
+        <p:nvPr/>
+      </p:nvGrpSpPr>
+      <p:grpSpPr>
+        <a:xfrm>
+          <a:off x="0" y="0"/>
+          <a:ext cx="0" cy="0"/>
+          <a:chOff x="0" y="0"/>
+          <a:chExt cx="0" cy="0"/>
+        </a:xfrm>
+      </p:grpSpPr>
+      <p:sp>
+        <p:nvSpPr>
+          <p:cNvPr id="2" name="Date Placeholder 1"/>
+          <p:cNvSpPr>
+            <a:spLocks noGrp="1"/>
+          </p:cNvSpPr>
+          <p:nvPr>
+            <p:ph type="dt" sz="half" idx="10"/>
+          </p:nvPr>
+        </p:nvSpPr>
+        <p:spPr/>
+        <p:txBody>
+          <a:bodyPr/>
+          <a:lstStyle/>
+          <a:p>
+            <a:fld id="{CDF3CD0F-3C94-6C4A-A5BC-0D5B3965852D}" type="datetime1">
+              <a:rPr lang="en-US" smtClean="0"/>
+              <a:t>7/4/16</a:t>
+            </a:fld>
+            <a:endParaRPr lang="en-US"/>
+          </a:p>
+        </p:txBody>
+      </p:sp>
+      <p:sp>
+        <p:nvSpPr>
+          <p:cNvPr id="3" name="Footer Placeholder 2"/>
+          <p:cNvSpPr>
+            <a:spLocks noGrp="1"/>
+          </p:cNvSpPr>
+          <p:nvPr>
+            <p:ph type="ftr" sz="quarter" idx="11"/>
+          </p:nvPr>
+        </p:nvSpPr>
+        <p:spPr/>
+        <p:txBody>
+          <a:bodyPr/>
+          <a:lstStyle/>
+          <a:p>
+            <a:r>
+              <a:rPr lang="sk-SK" smtClean="0"/>
+              <a:t>© 2016 EV3Lessons.com (Last edit: 7/04/2016)</a:t>
+            </a:r>
+            <a:endParaRPr lang="en-US"/>
+          </a:p>
+        </p:txBody>
+      </p:sp>
+      <p:sp>
+        <p:nvSpPr>
+          <p:cNvPr id="4" name="Slide Number Placeholder 3"/>
+          <p:cNvSpPr>
+            <a:spLocks noGrp="1"/>
+          </p:cNvSpPr>
+          <p:nvPr>
+            <p:ph type="sldNum" sz="quarter" idx="12"/>
+          </p:nvPr>
+        </p:nvSpPr>
+        <p:spPr/>
+        <p:txBody>
+          <a:bodyPr/>
+          <a:lstStyle/>
+          <a:p>
+            <a:fld id="{DE42E464-3EB8-43C8-8768-9E2AD4F497B7}" type="slidenum">
+              <a:rPr lang="en-US" smtClean="0"/>
+              <a:t>‹#›</a:t>
+            </a:fld>
+            <a:endParaRPr lang="en-US"/>
+          </a:p>
+        </p:txBody>
+      </p:sp>
+    </p:spTree>
+    <p:extLst>
+      <p:ext uri="{BB962C8B-B14F-4D97-AF65-F5344CB8AC3E}">
+        <p14:creationId xmlns:p14="http://schemas.microsoft.com/office/powerpoint/2010/main" val="75821238"/>
+      </p:ext>
+    </p:extLst>
+  </p:cSld>
+  <p:clrMapOvr>
+    <a:masterClrMapping/>
+  </p:clrMapOvr>
+</p:sldLayout>
+</file>
+
+<file path=ppt/slideLayouts/slideLayout19.xml><?xml version="1.0" encoding="utf-8"?>
+<p:sldLayout xmlns:a="http://schemas.openxmlformats.org/drawingml/2006/main" xmlns:r="http://schemas.openxmlformats.org/officeDocument/2006/relationships" xmlns:p="http://schemas.openxmlformats.org/presentationml/2006/main" type="objTx" preserve="1">
+  <p:cSld name="Content with Caption">
+    <p:spTree>
+      <p:nvGrpSpPr>
+        <p:cNvPr id="1" name=""/>
+        <p:cNvGrpSpPr/>
+        <p:nvPr/>
+      </p:nvGrpSpPr>
+      <p:grpSpPr>
+        <a:xfrm>
+          <a:off x="0" y="0"/>
+          <a:ext cx="0" cy="0"/>
+          <a:chOff x="0" y="0"/>
+          <a:chExt cx="0" cy="0"/>
+        </a:xfrm>
+      </p:grpSpPr>
+      <p:sp>
+        <p:nvSpPr>
+          <p:cNvPr id="2" name="Title 1"/>
+          <p:cNvSpPr>
+            <a:spLocks noGrp="1"/>
+          </p:cNvSpPr>
+          <p:nvPr>
+            <p:ph type="title"/>
+          </p:nvPr>
+        </p:nvSpPr>
+        <p:spPr>
+          <a:xfrm>
+            <a:off x="630238" y="457200"/>
+            <a:ext cx="2949575" cy="1600200"/>
+          </a:xfrm>
+        </p:spPr>
+        <p:txBody>
+          <a:bodyPr anchor="b"/>
+          <a:lstStyle>
+            <a:lvl1pPr>
+              <a:defRPr sz="3200"/>
+            </a:lvl1pPr>
+          </a:lstStyle>
+          <a:p>
+            <a:r>
+              <a:rPr lang="en-US" smtClean="0"/>
+              <a:t>Click to edit Master title style</a:t>
+            </a:r>
+            <a:endParaRPr lang="en-US"/>
+          </a:p>
+        </p:txBody>
+      </p:sp>
+      <p:sp>
+        <p:nvSpPr>
+          <p:cNvPr id="3" name="Content Placeholder 2"/>
+          <p:cNvSpPr>
+            <a:spLocks noGrp="1"/>
+          </p:cNvSpPr>
+          <p:nvPr>
+            <p:ph idx="1"/>
+          </p:nvPr>
+        </p:nvSpPr>
+        <p:spPr>
+          <a:xfrm>
+            <a:off x="3887788" y="987425"/>
+            <a:ext cx="4629150" cy="4873625"/>
+          </a:xfrm>
+        </p:spPr>
+        <p:txBody>
+          <a:bodyPr/>
+          <a:lstStyle>
+            <a:lvl1pPr>
+              <a:defRPr sz="3200"/>
+            </a:lvl1pPr>
+            <a:lvl2pPr>
+              <a:defRPr sz="2800"/>
+            </a:lvl2pPr>
+            <a:lvl3pPr>
+              <a:defRPr sz="2400"/>
+            </a:lvl3pPr>
+            <a:lvl4pPr>
+              <a:defRPr sz="2000"/>
+            </a:lvl4pPr>
+            <a:lvl5pPr>
+              <a:defRPr sz="2000"/>
+            </a:lvl5pPr>
+            <a:lvl6pPr>
+              <a:defRPr sz="2000"/>
+            </a:lvl6pPr>
+            <a:lvl7pPr>
+              <a:defRPr sz="2000"/>
+            </a:lvl7pPr>
+            <a:lvl8pPr>
+              <a:defRPr sz="2000"/>
+            </a:lvl8pPr>
+            <a:lvl9pPr>
+              <a:defRPr sz="2000"/>
+            </a:lvl9pPr>
+          </a:lstStyle>
+          <a:p>
+            <a:pPr lvl="0"/>
+            <a:r>
+              <a:rPr lang="en-US" smtClean="0"/>
+              <a:t>Click to edit Master text styles</a:t>
+            </a:r>
+          </a:p>
+          <a:p>
+            <a:pPr lvl="1"/>
+            <a:r>
+              <a:rPr lang="en-US" smtClean="0"/>
+              <a:t>Second level</a:t>
+            </a:r>
+          </a:p>
+          <a:p>
+            <a:pPr lvl="2"/>
+            <a:r>
+              <a:rPr lang="en-US" smtClean="0"/>
+              <a:t>Third level</a:t>
+            </a:r>
+          </a:p>
+          <a:p>
+            <a:pPr lvl="3"/>
+            <a:r>
+              <a:rPr lang="en-US" smtClean="0"/>
+              <a:t>Fourth level</a:t>
+            </a:r>
+          </a:p>
+          <a:p>
+            <a:pPr lvl="4"/>
+            <a:r>
+              <a:rPr lang="en-US" smtClean="0"/>
+              <a:t>Fifth level</a:t>
+            </a:r>
+            <a:endParaRPr lang="en-US"/>
+          </a:p>
+        </p:txBody>
+      </p:sp>
+      <p:sp>
+        <p:nvSpPr>
+          <p:cNvPr id="4" name="Text Placeholder 3"/>
+          <p:cNvSpPr>
+            <a:spLocks noGrp="1"/>
+          </p:cNvSpPr>
+          <p:nvPr>
+            <p:ph type="body" sz="half" idx="2"/>
+          </p:nvPr>
+        </p:nvSpPr>
+        <p:spPr>
+          <a:xfrm>
+            <a:off x="630238" y="2057400"/>
+            <a:ext cx="2949575" cy="3811588"/>
+          </a:xfrm>
+        </p:spPr>
+        <p:txBody>
+          <a:bodyPr/>
+          <a:lstStyle>
+            <a:lvl1pPr marL="0" indent="0">
+              <a:buNone/>
+              <a:defRPr sz="1600"/>
+            </a:lvl1pPr>
+            <a:lvl2pPr marL="457200" indent="0">
+              <a:buNone/>
+              <a:defRPr sz="1400"/>
+            </a:lvl2pPr>
+            <a:lvl3pPr marL="914400" indent="0">
+              <a:buNone/>
+              <a:defRPr sz="1200"/>
+            </a:lvl3pPr>
+            <a:lvl4pPr marL="1371600" indent="0">
+              <a:buNone/>
+              <a:defRPr sz="1000"/>
+            </a:lvl4pPr>
+            <a:lvl5pPr marL="1828800" indent="0">
+              <a:buNone/>
+              <a:defRPr sz="1000"/>
+            </a:lvl5pPr>
+            <a:lvl6pPr marL="2286000" indent="0">
+              <a:buNone/>
+              <a:defRPr sz="1000"/>
+            </a:lvl6pPr>
+            <a:lvl7pPr marL="2743200" indent="0">
+              <a:buNone/>
+              <a:defRPr sz="1000"/>
+            </a:lvl7pPr>
+            <a:lvl8pPr marL="3200400" indent="0">
+              <a:buNone/>
+              <a:defRPr sz="1000"/>
+            </a:lvl8pPr>
+            <a:lvl9pPr marL="3657600" indent="0">
+              <a:buNone/>
+              <a:defRPr sz="1000"/>
+            </a:lvl9pPr>
+          </a:lstStyle>
+          <a:p>
+            <a:pPr lvl="0"/>
+            <a:r>
+              <a:rPr lang="en-US" smtClean="0"/>
+              <a:t>Click to edit Master text styles</a:t>
+            </a:r>
+          </a:p>
+        </p:txBody>
+      </p:sp>
+      <p:sp>
+        <p:nvSpPr>
+          <p:cNvPr id="5" name="Date Placeholder 4"/>
+          <p:cNvSpPr>
+            <a:spLocks noGrp="1"/>
+          </p:cNvSpPr>
+          <p:nvPr>
+            <p:ph type="dt" sz="half" idx="10"/>
+          </p:nvPr>
+        </p:nvSpPr>
+        <p:spPr/>
+        <p:txBody>
+          <a:bodyPr/>
+          <a:lstStyle/>
+          <a:p>
+            <a:fld id="{BC5F0C37-929D-D942-898C-1844D4DA9B07}" type="datetime1">
+              <a:rPr lang="en-US" smtClean="0"/>
+              <a:t>7/4/16</a:t>
+            </a:fld>
+            <a:endParaRPr lang="en-US"/>
+          </a:p>
+        </p:txBody>
+      </p:sp>
+      <p:sp>
+        <p:nvSpPr>
+          <p:cNvPr id="6" name="Footer Placeholder 5"/>
+          <p:cNvSpPr>
+            <a:spLocks noGrp="1"/>
+          </p:cNvSpPr>
+          <p:nvPr>
+            <p:ph type="ftr" sz="quarter" idx="11"/>
+          </p:nvPr>
+        </p:nvSpPr>
+        <p:spPr/>
+        <p:txBody>
+          <a:bodyPr/>
+          <a:lstStyle/>
+          <a:p>
+            <a:r>
+              <a:rPr lang="sk-SK" smtClean="0"/>
+              <a:t>© 2016 EV3Lessons.com (Last edit: 7/04/2016)</a:t>
+            </a:r>
+            <a:endParaRPr lang="en-US"/>
+          </a:p>
+        </p:txBody>
+      </p:sp>
+      <p:sp>
+        <p:nvSpPr>
+          <p:cNvPr id="7" name="Slide Number Placeholder 6"/>
+          <p:cNvSpPr>
+            <a:spLocks noGrp="1"/>
+          </p:cNvSpPr>
+          <p:nvPr>
+            <p:ph type="sldNum" sz="quarter" idx="12"/>
+          </p:nvPr>
+        </p:nvSpPr>
+        <p:spPr/>
+        <p:txBody>
+          <a:bodyPr/>
+          <a:lstStyle/>
+          <a:p>
+            <a:fld id="{DE42E464-3EB8-43C8-8768-9E2AD4F497B7}" type="slidenum">
+              <a:rPr lang="en-US" smtClean="0"/>
+              <a:t>‹#›</a:t>
+            </a:fld>
+            <a:endParaRPr lang="en-US"/>
+          </a:p>
+        </p:txBody>
+      </p:sp>
+    </p:spTree>
+    <p:extLst>
+      <p:ext uri="{BB962C8B-B14F-4D97-AF65-F5344CB8AC3E}">
+        <p14:creationId xmlns:p14="http://schemas.microsoft.com/office/powerpoint/2010/main" val="869744395"/>
+      </p:ext>
+    </p:extLst>
   </p:cSld>
   <p:clrMapOvr>
     <a:masterClrMapping/>
@@ -2214,9 +4163,9 @@
           <a:bodyPr/>
           <a:lstStyle/>
           <a:p>
-            <a:fld id="{B744FD62-63FF-49C2-8E55-5CF77D7A0691}" type="datetime1">
+            <a:fld id="{A3957E1E-3116-4A4F-8EE4-2B3AEE33CD0B}" type="datetime1">
               <a:rPr lang="en-US" smtClean="0"/>
-              <a:t>11/14/15</a:t>
+              <a:t>7/4/16</a:t>
             </a:fld>
             <a:endParaRPr lang="en-US"/>
           </a:p>
@@ -2238,8 +4187,8 @@
           <a:lstStyle/>
           <a:p>
             <a:r>
-              <a:rPr lang="en-US" smtClean="0"/>
-              <a:t>© 2015 EV3Lessons.com (Last edit: 2/28/2015)</a:t>
+              <a:rPr lang="sk-SK" smtClean="0"/>
+              <a:t>© 2016 EV3Lessons.com (Last edit: 7/04/2016)</a:t>
             </a:r>
             <a:endParaRPr lang="en-US"/>
           </a:p>
@@ -2247,18 +4196,18 @@
       </p:sp>
       <p:sp>
         <p:nvSpPr>
-          <p:cNvPr id="7" name="Slide Number Placeholder 6"/>
+          <p:cNvPr id="6" name="Slide Number Placeholder 5"/>
           <p:cNvSpPr>
             <a:spLocks noGrp="1"/>
           </p:cNvSpPr>
           <p:nvPr>
-            <p:ph type="sldNum" sz="quarter" idx="4"/>
+            <p:ph type="sldNum" sz="quarter" idx="12"/>
           </p:nvPr>
         </p:nvSpPr>
         <p:spPr>
           <a:xfrm>
-            <a:off x="8477026" y="6358106"/>
-            <a:ext cx="666974" cy="365125"/>
+            <a:off x="8457383" y="6376457"/>
+            <a:ext cx="627256" cy="365125"/>
           </a:xfrm>
           <a:prstGeom prst="rect">
             <a:avLst/>
@@ -2277,6 +4226,637 @@
         </p:txBody>
       </p:sp>
     </p:spTree>
+    <p:extLst>
+      <p:ext uri="{BB962C8B-B14F-4D97-AF65-F5344CB8AC3E}">
+        <p14:creationId xmlns:p14="http://schemas.microsoft.com/office/powerpoint/2010/main" val="1974933184"/>
+      </p:ext>
+    </p:extLst>
+  </p:cSld>
+  <p:clrMapOvr>
+    <a:masterClrMapping/>
+  </p:clrMapOvr>
+  <p:timing>
+    <p:tnLst>
+      <p:par>
+        <p:cTn id="1" dur="indefinite" restart="never" nodeType="tmRoot"/>
+      </p:par>
+    </p:tnLst>
+  </p:timing>
+</p:sldLayout>
+</file>
+
+<file path=ppt/slideLayouts/slideLayout20.xml><?xml version="1.0" encoding="utf-8"?>
+<p:sldLayout xmlns:a="http://schemas.openxmlformats.org/drawingml/2006/main" xmlns:r="http://schemas.openxmlformats.org/officeDocument/2006/relationships" xmlns:p="http://schemas.openxmlformats.org/presentationml/2006/main" type="picTx" preserve="1">
+  <p:cSld name="Picture with Caption">
+    <p:spTree>
+      <p:nvGrpSpPr>
+        <p:cNvPr id="1" name=""/>
+        <p:cNvGrpSpPr/>
+        <p:nvPr/>
+      </p:nvGrpSpPr>
+      <p:grpSpPr>
+        <a:xfrm>
+          <a:off x="0" y="0"/>
+          <a:ext cx="0" cy="0"/>
+          <a:chOff x="0" y="0"/>
+          <a:chExt cx="0" cy="0"/>
+        </a:xfrm>
+      </p:grpSpPr>
+      <p:sp>
+        <p:nvSpPr>
+          <p:cNvPr id="2" name="Title 1"/>
+          <p:cNvSpPr>
+            <a:spLocks noGrp="1"/>
+          </p:cNvSpPr>
+          <p:nvPr>
+            <p:ph type="title"/>
+          </p:nvPr>
+        </p:nvSpPr>
+        <p:spPr>
+          <a:xfrm>
+            <a:off x="630238" y="457200"/>
+            <a:ext cx="2949575" cy="1600200"/>
+          </a:xfrm>
+        </p:spPr>
+        <p:txBody>
+          <a:bodyPr anchor="b"/>
+          <a:lstStyle>
+            <a:lvl1pPr>
+              <a:defRPr sz="3200"/>
+            </a:lvl1pPr>
+          </a:lstStyle>
+          <a:p>
+            <a:r>
+              <a:rPr lang="en-US" smtClean="0"/>
+              <a:t>Click to edit Master title style</a:t>
+            </a:r>
+            <a:endParaRPr lang="en-US"/>
+          </a:p>
+        </p:txBody>
+      </p:sp>
+      <p:sp>
+        <p:nvSpPr>
+          <p:cNvPr id="3" name="Picture Placeholder 2"/>
+          <p:cNvSpPr>
+            <a:spLocks noGrp="1"/>
+          </p:cNvSpPr>
+          <p:nvPr>
+            <p:ph type="pic" idx="1"/>
+          </p:nvPr>
+        </p:nvSpPr>
+        <p:spPr>
+          <a:xfrm>
+            <a:off x="3887788" y="987425"/>
+            <a:ext cx="4629150" cy="4873625"/>
+          </a:xfrm>
+        </p:spPr>
+        <p:txBody>
+          <a:bodyPr/>
+          <a:lstStyle>
+            <a:lvl1pPr marL="0" indent="0">
+              <a:buNone/>
+              <a:defRPr sz="3200"/>
+            </a:lvl1pPr>
+            <a:lvl2pPr marL="457200" indent="0">
+              <a:buNone/>
+              <a:defRPr sz="2800"/>
+            </a:lvl2pPr>
+            <a:lvl3pPr marL="914400" indent="0">
+              <a:buNone/>
+              <a:defRPr sz="2400"/>
+            </a:lvl3pPr>
+            <a:lvl4pPr marL="1371600" indent="0">
+              <a:buNone/>
+              <a:defRPr sz="2000"/>
+            </a:lvl4pPr>
+            <a:lvl5pPr marL="1828800" indent="0">
+              <a:buNone/>
+              <a:defRPr sz="2000"/>
+            </a:lvl5pPr>
+            <a:lvl6pPr marL="2286000" indent="0">
+              <a:buNone/>
+              <a:defRPr sz="2000"/>
+            </a:lvl6pPr>
+            <a:lvl7pPr marL="2743200" indent="0">
+              <a:buNone/>
+              <a:defRPr sz="2000"/>
+            </a:lvl7pPr>
+            <a:lvl8pPr marL="3200400" indent="0">
+              <a:buNone/>
+              <a:defRPr sz="2000"/>
+            </a:lvl8pPr>
+            <a:lvl9pPr marL="3657600" indent="0">
+              <a:buNone/>
+              <a:defRPr sz="2000"/>
+            </a:lvl9pPr>
+          </a:lstStyle>
+          <a:p>
+            <a:r>
+              <a:rPr lang="en-US" smtClean="0"/>
+              <a:t>Drag picture to placeholder or click icon to add</a:t>
+            </a:r>
+            <a:endParaRPr lang="en-US"/>
+          </a:p>
+        </p:txBody>
+      </p:sp>
+      <p:sp>
+        <p:nvSpPr>
+          <p:cNvPr id="4" name="Text Placeholder 3"/>
+          <p:cNvSpPr>
+            <a:spLocks noGrp="1"/>
+          </p:cNvSpPr>
+          <p:nvPr>
+            <p:ph type="body" sz="half" idx="2"/>
+          </p:nvPr>
+        </p:nvSpPr>
+        <p:spPr>
+          <a:xfrm>
+            <a:off x="630238" y="2057400"/>
+            <a:ext cx="2949575" cy="3811588"/>
+          </a:xfrm>
+        </p:spPr>
+        <p:txBody>
+          <a:bodyPr/>
+          <a:lstStyle>
+            <a:lvl1pPr marL="0" indent="0">
+              <a:buNone/>
+              <a:defRPr sz="1600"/>
+            </a:lvl1pPr>
+            <a:lvl2pPr marL="457200" indent="0">
+              <a:buNone/>
+              <a:defRPr sz="1400"/>
+            </a:lvl2pPr>
+            <a:lvl3pPr marL="914400" indent="0">
+              <a:buNone/>
+              <a:defRPr sz="1200"/>
+            </a:lvl3pPr>
+            <a:lvl4pPr marL="1371600" indent="0">
+              <a:buNone/>
+              <a:defRPr sz="1000"/>
+            </a:lvl4pPr>
+            <a:lvl5pPr marL="1828800" indent="0">
+              <a:buNone/>
+              <a:defRPr sz="1000"/>
+            </a:lvl5pPr>
+            <a:lvl6pPr marL="2286000" indent="0">
+              <a:buNone/>
+              <a:defRPr sz="1000"/>
+            </a:lvl6pPr>
+            <a:lvl7pPr marL="2743200" indent="0">
+              <a:buNone/>
+              <a:defRPr sz="1000"/>
+            </a:lvl7pPr>
+            <a:lvl8pPr marL="3200400" indent="0">
+              <a:buNone/>
+              <a:defRPr sz="1000"/>
+            </a:lvl8pPr>
+            <a:lvl9pPr marL="3657600" indent="0">
+              <a:buNone/>
+              <a:defRPr sz="1000"/>
+            </a:lvl9pPr>
+          </a:lstStyle>
+          <a:p>
+            <a:pPr lvl="0"/>
+            <a:r>
+              <a:rPr lang="en-US" smtClean="0"/>
+              <a:t>Click to edit Master text styles</a:t>
+            </a:r>
+          </a:p>
+        </p:txBody>
+      </p:sp>
+      <p:sp>
+        <p:nvSpPr>
+          <p:cNvPr id="5" name="Date Placeholder 4"/>
+          <p:cNvSpPr>
+            <a:spLocks noGrp="1"/>
+          </p:cNvSpPr>
+          <p:nvPr>
+            <p:ph type="dt" sz="half" idx="10"/>
+          </p:nvPr>
+        </p:nvSpPr>
+        <p:spPr/>
+        <p:txBody>
+          <a:bodyPr/>
+          <a:lstStyle/>
+          <a:p>
+            <a:fld id="{3D5347DF-5057-8D4D-B2CA-6D893F346F02}" type="datetime1">
+              <a:rPr lang="en-US" smtClean="0"/>
+              <a:t>7/4/16</a:t>
+            </a:fld>
+            <a:endParaRPr lang="en-US"/>
+          </a:p>
+        </p:txBody>
+      </p:sp>
+      <p:sp>
+        <p:nvSpPr>
+          <p:cNvPr id="6" name="Footer Placeholder 5"/>
+          <p:cNvSpPr>
+            <a:spLocks noGrp="1"/>
+          </p:cNvSpPr>
+          <p:nvPr>
+            <p:ph type="ftr" sz="quarter" idx="11"/>
+          </p:nvPr>
+        </p:nvSpPr>
+        <p:spPr/>
+        <p:txBody>
+          <a:bodyPr/>
+          <a:lstStyle/>
+          <a:p>
+            <a:r>
+              <a:rPr lang="sk-SK" smtClean="0"/>
+              <a:t>© 2016 EV3Lessons.com (Last edit: 7/04/2016)</a:t>
+            </a:r>
+            <a:endParaRPr lang="en-US"/>
+          </a:p>
+        </p:txBody>
+      </p:sp>
+      <p:sp>
+        <p:nvSpPr>
+          <p:cNvPr id="7" name="Slide Number Placeholder 6"/>
+          <p:cNvSpPr>
+            <a:spLocks noGrp="1"/>
+          </p:cNvSpPr>
+          <p:nvPr>
+            <p:ph type="sldNum" sz="quarter" idx="12"/>
+          </p:nvPr>
+        </p:nvSpPr>
+        <p:spPr/>
+        <p:txBody>
+          <a:bodyPr/>
+          <a:lstStyle/>
+          <a:p>
+            <a:fld id="{DE42E464-3EB8-43C8-8768-9E2AD4F497B7}" type="slidenum">
+              <a:rPr lang="en-US" smtClean="0"/>
+              <a:t>‹#›</a:t>
+            </a:fld>
+            <a:endParaRPr lang="en-US"/>
+          </a:p>
+        </p:txBody>
+      </p:sp>
+    </p:spTree>
+    <p:extLst>
+      <p:ext uri="{BB962C8B-B14F-4D97-AF65-F5344CB8AC3E}">
+        <p14:creationId xmlns:p14="http://schemas.microsoft.com/office/powerpoint/2010/main" val="2020345283"/>
+      </p:ext>
+    </p:extLst>
+  </p:cSld>
+  <p:clrMapOvr>
+    <a:masterClrMapping/>
+  </p:clrMapOvr>
+</p:sldLayout>
+</file>
+
+<file path=ppt/slideLayouts/slideLayout21.xml><?xml version="1.0" encoding="utf-8"?>
+<p:sldLayout xmlns:a="http://schemas.openxmlformats.org/drawingml/2006/main" xmlns:r="http://schemas.openxmlformats.org/officeDocument/2006/relationships" xmlns:p="http://schemas.openxmlformats.org/presentationml/2006/main" type="vertTx" preserve="1">
+  <p:cSld name="Title and Vertical Text">
+    <p:spTree>
+      <p:nvGrpSpPr>
+        <p:cNvPr id="1" name=""/>
+        <p:cNvGrpSpPr/>
+        <p:nvPr/>
+      </p:nvGrpSpPr>
+      <p:grpSpPr>
+        <a:xfrm>
+          <a:off x="0" y="0"/>
+          <a:ext cx="0" cy="0"/>
+          <a:chOff x="0" y="0"/>
+          <a:chExt cx="0" cy="0"/>
+        </a:xfrm>
+      </p:grpSpPr>
+      <p:sp>
+        <p:nvSpPr>
+          <p:cNvPr id="2" name="Title 1"/>
+          <p:cNvSpPr>
+            <a:spLocks noGrp="1"/>
+          </p:cNvSpPr>
+          <p:nvPr>
+            <p:ph type="title"/>
+          </p:nvPr>
+        </p:nvSpPr>
+        <p:spPr/>
+        <p:txBody>
+          <a:bodyPr/>
+          <a:lstStyle/>
+          <a:p>
+            <a:r>
+              <a:rPr lang="en-US" smtClean="0"/>
+              <a:t>Click to edit Master title style</a:t>
+            </a:r>
+            <a:endParaRPr lang="en-US"/>
+          </a:p>
+        </p:txBody>
+      </p:sp>
+      <p:sp>
+        <p:nvSpPr>
+          <p:cNvPr id="3" name="Vertical Text Placeholder 2"/>
+          <p:cNvSpPr>
+            <a:spLocks noGrp="1"/>
+          </p:cNvSpPr>
+          <p:nvPr>
+            <p:ph type="body" orient="vert" idx="1"/>
+          </p:nvPr>
+        </p:nvSpPr>
+        <p:spPr/>
+        <p:txBody>
+          <a:bodyPr vert="eaVert"/>
+          <a:lstStyle/>
+          <a:p>
+            <a:pPr lvl="0"/>
+            <a:r>
+              <a:rPr lang="en-US" smtClean="0"/>
+              <a:t>Click to edit Master text styles</a:t>
+            </a:r>
+          </a:p>
+          <a:p>
+            <a:pPr lvl="1"/>
+            <a:r>
+              <a:rPr lang="en-US" smtClean="0"/>
+              <a:t>Second level</a:t>
+            </a:r>
+          </a:p>
+          <a:p>
+            <a:pPr lvl="2"/>
+            <a:r>
+              <a:rPr lang="en-US" smtClean="0"/>
+              <a:t>Third level</a:t>
+            </a:r>
+          </a:p>
+          <a:p>
+            <a:pPr lvl="3"/>
+            <a:r>
+              <a:rPr lang="en-US" smtClean="0"/>
+              <a:t>Fourth level</a:t>
+            </a:r>
+          </a:p>
+          <a:p>
+            <a:pPr lvl="4"/>
+            <a:r>
+              <a:rPr lang="en-US" smtClean="0"/>
+              <a:t>Fifth level</a:t>
+            </a:r>
+            <a:endParaRPr lang="en-US"/>
+          </a:p>
+        </p:txBody>
+      </p:sp>
+      <p:sp>
+        <p:nvSpPr>
+          <p:cNvPr id="4" name="Date Placeholder 3"/>
+          <p:cNvSpPr>
+            <a:spLocks noGrp="1"/>
+          </p:cNvSpPr>
+          <p:nvPr>
+            <p:ph type="dt" sz="half" idx="10"/>
+          </p:nvPr>
+        </p:nvSpPr>
+        <p:spPr/>
+        <p:txBody>
+          <a:bodyPr/>
+          <a:lstStyle/>
+          <a:p>
+            <a:fld id="{D0EB795E-E309-314D-9ECF-8EE000527A20}" type="datetime1">
+              <a:rPr lang="en-US" smtClean="0"/>
+              <a:t>7/4/16</a:t>
+            </a:fld>
+            <a:endParaRPr lang="en-US"/>
+          </a:p>
+        </p:txBody>
+      </p:sp>
+      <p:sp>
+        <p:nvSpPr>
+          <p:cNvPr id="5" name="Footer Placeholder 4"/>
+          <p:cNvSpPr>
+            <a:spLocks noGrp="1"/>
+          </p:cNvSpPr>
+          <p:nvPr>
+            <p:ph type="ftr" sz="quarter" idx="11"/>
+          </p:nvPr>
+        </p:nvSpPr>
+        <p:spPr/>
+        <p:txBody>
+          <a:bodyPr/>
+          <a:lstStyle/>
+          <a:p>
+            <a:r>
+              <a:rPr lang="sk-SK" smtClean="0"/>
+              <a:t>© 2016 EV3Lessons.com (Last edit: 7/04/2016)</a:t>
+            </a:r>
+            <a:endParaRPr lang="en-US"/>
+          </a:p>
+        </p:txBody>
+      </p:sp>
+      <p:sp>
+        <p:nvSpPr>
+          <p:cNvPr id="6" name="Slide Number Placeholder 5"/>
+          <p:cNvSpPr>
+            <a:spLocks noGrp="1"/>
+          </p:cNvSpPr>
+          <p:nvPr>
+            <p:ph type="sldNum" sz="quarter" idx="12"/>
+          </p:nvPr>
+        </p:nvSpPr>
+        <p:spPr/>
+        <p:txBody>
+          <a:bodyPr/>
+          <a:lstStyle/>
+          <a:p>
+            <a:fld id="{DE42E464-3EB8-43C8-8768-9E2AD4F497B7}" type="slidenum">
+              <a:rPr lang="en-US" smtClean="0"/>
+              <a:t>‹#›</a:t>
+            </a:fld>
+            <a:endParaRPr lang="en-US"/>
+          </a:p>
+        </p:txBody>
+      </p:sp>
+    </p:spTree>
+    <p:extLst>
+      <p:ext uri="{BB962C8B-B14F-4D97-AF65-F5344CB8AC3E}">
+        <p14:creationId xmlns:p14="http://schemas.microsoft.com/office/powerpoint/2010/main" val="2079228664"/>
+      </p:ext>
+    </p:extLst>
+  </p:cSld>
+  <p:clrMapOvr>
+    <a:masterClrMapping/>
+  </p:clrMapOvr>
+</p:sldLayout>
+</file>
+
+<file path=ppt/slideLayouts/slideLayout22.xml><?xml version="1.0" encoding="utf-8"?>
+<p:sldLayout xmlns:a="http://schemas.openxmlformats.org/drawingml/2006/main" xmlns:r="http://schemas.openxmlformats.org/officeDocument/2006/relationships" xmlns:p="http://schemas.openxmlformats.org/presentationml/2006/main" type="vertTitleAndTx" preserve="1">
+  <p:cSld name="Vertical Title and Text">
+    <p:spTree>
+      <p:nvGrpSpPr>
+        <p:cNvPr id="1" name=""/>
+        <p:cNvGrpSpPr/>
+        <p:nvPr/>
+      </p:nvGrpSpPr>
+      <p:grpSpPr>
+        <a:xfrm>
+          <a:off x="0" y="0"/>
+          <a:ext cx="0" cy="0"/>
+          <a:chOff x="0" y="0"/>
+          <a:chExt cx="0" cy="0"/>
+        </a:xfrm>
+      </p:grpSpPr>
+      <p:sp>
+        <p:nvSpPr>
+          <p:cNvPr id="2" name="Vertical Title 1"/>
+          <p:cNvSpPr>
+            <a:spLocks noGrp="1"/>
+          </p:cNvSpPr>
+          <p:nvPr>
+            <p:ph type="title" orient="vert"/>
+          </p:nvPr>
+        </p:nvSpPr>
+        <p:spPr>
+          <a:xfrm>
+            <a:off x="6543675" y="365125"/>
+            <a:ext cx="1971675" cy="5811838"/>
+          </a:xfrm>
+        </p:spPr>
+        <p:txBody>
+          <a:bodyPr vert="eaVert"/>
+          <a:lstStyle/>
+          <a:p>
+            <a:r>
+              <a:rPr lang="en-US" smtClean="0"/>
+              <a:t>Click to edit Master title style</a:t>
+            </a:r>
+            <a:endParaRPr lang="en-US"/>
+          </a:p>
+        </p:txBody>
+      </p:sp>
+      <p:sp>
+        <p:nvSpPr>
+          <p:cNvPr id="3" name="Vertical Text Placeholder 2"/>
+          <p:cNvSpPr>
+            <a:spLocks noGrp="1"/>
+          </p:cNvSpPr>
+          <p:nvPr>
+            <p:ph type="body" orient="vert" idx="1"/>
+          </p:nvPr>
+        </p:nvSpPr>
+        <p:spPr>
+          <a:xfrm>
+            <a:off x="628650" y="365125"/>
+            <a:ext cx="5762625" cy="5811838"/>
+          </a:xfrm>
+        </p:spPr>
+        <p:txBody>
+          <a:bodyPr vert="eaVert"/>
+          <a:lstStyle/>
+          <a:p>
+            <a:pPr lvl="0"/>
+            <a:r>
+              <a:rPr lang="en-US" smtClean="0"/>
+              <a:t>Click to edit Master text styles</a:t>
+            </a:r>
+          </a:p>
+          <a:p>
+            <a:pPr lvl="1"/>
+            <a:r>
+              <a:rPr lang="en-US" smtClean="0"/>
+              <a:t>Second level</a:t>
+            </a:r>
+          </a:p>
+          <a:p>
+            <a:pPr lvl="2"/>
+            <a:r>
+              <a:rPr lang="en-US" smtClean="0"/>
+              <a:t>Third level</a:t>
+            </a:r>
+          </a:p>
+          <a:p>
+            <a:pPr lvl="3"/>
+            <a:r>
+              <a:rPr lang="en-US" smtClean="0"/>
+              <a:t>Fourth level</a:t>
+            </a:r>
+          </a:p>
+          <a:p>
+            <a:pPr lvl="4"/>
+            <a:r>
+              <a:rPr lang="en-US" smtClean="0"/>
+              <a:t>Fifth level</a:t>
+            </a:r>
+            <a:endParaRPr lang="en-US"/>
+          </a:p>
+        </p:txBody>
+      </p:sp>
+      <p:sp>
+        <p:nvSpPr>
+          <p:cNvPr id="4" name="Date Placeholder 3"/>
+          <p:cNvSpPr>
+            <a:spLocks noGrp="1"/>
+          </p:cNvSpPr>
+          <p:nvPr>
+            <p:ph type="dt" sz="half" idx="10"/>
+          </p:nvPr>
+        </p:nvSpPr>
+        <p:spPr/>
+        <p:txBody>
+          <a:bodyPr/>
+          <a:lstStyle/>
+          <a:p>
+            <a:fld id="{A5E4C075-F4CB-EA4D-A9EA-ED164EAD2093}" type="datetime1">
+              <a:rPr lang="en-US" smtClean="0"/>
+              <a:t>7/4/16</a:t>
+            </a:fld>
+            <a:endParaRPr lang="en-US"/>
+          </a:p>
+        </p:txBody>
+      </p:sp>
+      <p:sp>
+        <p:nvSpPr>
+          <p:cNvPr id="5" name="Footer Placeholder 4"/>
+          <p:cNvSpPr>
+            <a:spLocks noGrp="1"/>
+          </p:cNvSpPr>
+          <p:nvPr>
+            <p:ph type="ftr" sz="quarter" idx="11"/>
+          </p:nvPr>
+        </p:nvSpPr>
+        <p:spPr/>
+        <p:txBody>
+          <a:bodyPr/>
+          <a:lstStyle/>
+          <a:p>
+            <a:r>
+              <a:rPr lang="sk-SK" smtClean="0"/>
+              <a:t>© 2016 EV3Lessons.com (Last edit: 7/04/2016)</a:t>
+            </a:r>
+            <a:endParaRPr lang="en-US"/>
+          </a:p>
+        </p:txBody>
+      </p:sp>
+      <p:sp>
+        <p:nvSpPr>
+          <p:cNvPr id="6" name="Slide Number Placeholder 5"/>
+          <p:cNvSpPr>
+            <a:spLocks noGrp="1"/>
+          </p:cNvSpPr>
+          <p:nvPr>
+            <p:ph type="sldNum" sz="quarter" idx="12"/>
+          </p:nvPr>
+        </p:nvSpPr>
+        <p:spPr/>
+        <p:txBody>
+          <a:bodyPr/>
+          <a:lstStyle/>
+          <a:p>
+            <a:fld id="{DE42E464-3EB8-43C8-8768-9E2AD4F497B7}" type="slidenum">
+              <a:rPr lang="en-US" smtClean="0"/>
+              <a:t>‹#›</a:t>
+            </a:fld>
+            <a:endParaRPr lang="en-US"/>
+          </a:p>
+        </p:txBody>
+      </p:sp>
+    </p:spTree>
+    <p:extLst>
+      <p:ext uri="{BB962C8B-B14F-4D97-AF65-F5344CB8AC3E}">
+        <p14:creationId xmlns:p14="http://schemas.microsoft.com/office/powerpoint/2010/main" val="1742251864"/>
+      </p:ext>
+    </p:extLst>
   </p:cSld>
   <p:clrMapOvr>
     <a:masterClrMapping/>
@@ -2475,9 +5055,9 @@
           <a:bodyPr/>
           <a:lstStyle/>
           <a:p>
-            <a:fld id="{E0281C12-C1B2-4EB6-B00D-5EA047746BFE}" type="datetime1">
+            <a:fld id="{457F366D-F2C7-9D49-A4B7-D4B2C93F0777}" type="datetime1">
               <a:rPr lang="en-US" smtClean="0"/>
-              <a:t>11/14/15</a:t>
+              <a:t>7/4/16</a:t>
             </a:fld>
             <a:endParaRPr lang="en-US"/>
           </a:p>
@@ -2485,41 +5065,18 @@
       </p:sp>
       <p:sp>
         <p:nvSpPr>
-          <p:cNvPr id="9" name="Footer Placeholder 8"/>
+          <p:cNvPr id="8" name="Slide Number Placeholder 7"/>
           <p:cNvSpPr>
             <a:spLocks noGrp="1"/>
           </p:cNvSpPr>
           <p:nvPr>
-            <p:ph type="ftr" sz="quarter" idx="12"/>
-          </p:nvPr>
-        </p:nvSpPr>
-        <p:spPr/>
-        <p:txBody>
-          <a:bodyPr/>
-          <a:lstStyle/>
-          <a:p>
-            <a:r>
-              <a:rPr lang="en-US" smtClean="0"/>
-              <a:t>© 2015 EV3Lessons.com (Last edit: 2/28/2015)</a:t>
-            </a:r>
-            <a:endParaRPr lang="en-US"/>
-          </a:p>
-        </p:txBody>
-      </p:sp>
-      <p:sp>
-        <p:nvSpPr>
-          <p:cNvPr id="10" name="Slide Number Placeholder 6"/>
-          <p:cNvSpPr>
-            <a:spLocks noGrp="1"/>
-          </p:cNvSpPr>
-          <p:nvPr>
-            <p:ph type="sldNum" sz="quarter" idx="4"/>
+            <p:ph type="sldNum" sz="quarter" idx="11"/>
           </p:nvPr>
         </p:nvSpPr>
         <p:spPr>
-          <a:xfrm>
-            <a:off x="8477026" y="6358106"/>
-            <a:ext cx="666974" cy="365125"/>
+          <a:xfrm rot="16200000">
+            <a:off x="8227377" y="5885497"/>
+            <a:ext cx="1315721" cy="365125"/>
           </a:xfrm>
           <a:prstGeom prst="rect">
             <a:avLst/>
@@ -2537,7 +5094,35 @@
           </a:p>
         </p:txBody>
       </p:sp>
+      <p:sp>
+        <p:nvSpPr>
+          <p:cNvPr id="9" name="Footer Placeholder 8"/>
+          <p:cNvSpPr>
+            <a:spLocks noGrp="1"/>
+          </p:cNvSpPr>
+          <p:nvPr>
+            <p:ph type="ftr" sz="quarter" idx="12"/>
+          </p:nvPr>
+        </p:nvSpPr>
+        <p:spPr/>
+        <p:txBody>
+          <a:bodyPr/>
+          <a:lstStyle/>
+          <a:p>
+            <a:r>
+              <a:rPr lang="sk-SK" smtClean="0"/>
+              <a:t>© 2016 EV3Lessons.com (Last edit: 7/04/2016)</a:t>
+            </a:r>
+            <a:endParaRPr lang="en-US"/>
+          </a:p>
+        </p:txBody>
+      </p:sp>
     </p:spTree>
+    <p:extLst>
+      <p:ext uri="{BB962C8B-B14F-4D97-AF65-F5344CB8AC3E}">
+        <p14:creationId xmlns:p14="http://schemas.microsoft.com/office/powerpoint/2010/main" val="1194775456"/>
+      </p:ext>
+    </p:extLst>
   </p:cSld>
   <p:clrMapOvr>
     <a:masterClrMapping/>
@@ -2725,35 +5310,35 @@
           <a:p>
             <a:pPr lvl="0"/>
             <a:r>
-              <a:rPr lang="en-US" dirty="0" smtClean="0"/>
+              <a:rPr lang="en-US" smtClean="0"/>
               <a:t>Click to edit Master text styles</a:t>
             </a:r>
           </a:p>
           <a:p>
             <a:pPr lvl="1"/>
             <a:r>
-              <a:rPr lang="en-US" dirty="0" smtClean="0"/>
+              <a:rPr lang="en-US" smtClean="0"/>
               <a:t>Second level</a:t>
             </a:r>
           </a:p>
           <a:p>
             <a:pPr lvl="2"/>
             <a:r>
-              <a:rPr lang="en-US" dirty="0" smtClean="0"/>
+              <a:rPr lang="en-US" smtClean="0"/>
               <a:t>Third level</a:t>
             </a:r>
           </a:p>
           <a:p>
             <a:pPr lvl="3"/>
             <a:r>
-              <a:rPr lang="en-US" dirty="0" smtClean="0"/>
+              <a:rPr lang="en-US" smtClean="0"/>
               <a:t>Fourth level</a:t>
             </a:r>
           </a:p>
           <a:p>
             <a:pPr lvl="4"/>
             <a:r>
-              <a:rPr lang="en-US" dirty="0" smtClean="0"/>
+              <a:rPr lang="en-US" smtClean="0"/>
               <a:t>Fifth level</a:t>
             </a:r>
             <a:endParaRPr lang="en-US" dirty="0"/>
@@ -2775,9 +5360,9 @@
           <a:bodyPr/>
           <a:lstStyle/>
           <a:p>
-            <a:fld id="{F7E73DC5-FABD-4CD0-9B35-897035875FB2}" type="datetime1">
+            <a:fld id="{4228AB31-3008-9747-895E-0F20D764CA06}" type="datetime1">
               <a:rPr lang="en-US" smtClean="0"/>
-              <a:t>11/14/15</a:t>
+              <a:t>7/4/16</a:t>
             </a:fld>
             <a:endParaRPr lang="en-US"/>
           </a:p>
@@ -2799,8 +5384,8 @@
           <a:lstStyle/>
           <a:p>
             <a:r>
-              <a:rPr lang="en-US" smtClean="0"/>
-              <a:t>© 2015 EV3Lessons.com (Last edit: 2/28/2015)</a:t>
+              <a:rPr lang="sk-SK" smtClean="0"/>
+              <a:t>© 2016 EV3Lessons.com (Last edit: 7/04/2016)</a:t>
             </a:r>
             <a:endParaRPr lang="en-US"/>
           </a:p>
@@ -2808,12 +5393,12 @@
       </p:sp>
       <p:sp>
         <p:nvSpPr>
-          <p:cNvPr id="8" name="Slide Number Placeholder 6"/>
+          <p:cNvPr id="7" name="Slide Number Placeholder 6"/>
           <p:cNvSpPr>
             <a:spLocks noGrp="1"/>
           </p:cNvSpPr>
           <p:nvPr>
-            <p:ph type="sldNum" sz="quarter" idx="4"/>
+            <p:ph type="sldNum" sz="quarter" idx="12"/>
           </p:nvPr>
         </p:nvSpPr>
         <p:spPr>
@@ -2838,10 +5423,22 @@
         </p:txBody>
       </p:sp>
     </p:spTree>
+    <p:extLst>
+      <p:ext uri="{BB962C8B-B14F-4D97-AF65-F5344CB8AC3E}">
+        <p14:creationId xmlns:p14="http://schemas.microsoft.com/office/powerpoint/2010/main" val="1618989542"/>
+      </p:ext>
+    </p:extLst>
   </p:cSld>
   <p:clrMapOvr>
     <a:masterClrMapping/>
   </p:clrMapOvr>
+  <p:timing>
+    <p:tnLst>
+      <p:par>
+        <p:cTn id="1" dur="indefinite" restart="never" nodeType="tmRoot"/>
+      </p:par>
+    </p:tnLst>
+  </p:timing>
 </p:sldLayout>
 </file>
 
@@ -3226,9 +5823,9 @@
           <a:bodyPr/>
           <a:lstStyle/>
           <a:p>
-            <a:fld id="{6291E551-81A0-4A41-B672-39D202B67A67}" type="datetime1">
+            <a:fld id="{1D5434EF-F4C5-244D-BF60-AC7EA87AEF8A}" type="datetime1">
               <a:rPr lang="en-US" smtClean="0"/>
-              <a:t>11/14/15</a:t>
+              <a:t>7/4/16</a:t>
             </a:fld>
             <a:endParaRPr lang="en-US"/>
           </a:p>
@@ -3250,8 +5847,8 @@
           <a:lstStyle/>
           <a:p>
             <a:r>
-              <a:rPr lang="en-US" smtClean="0"/>
-              <a:t>© 2015 EV3Lessons.com (Last edit: 2/28/2015)</a:t>
+              <a:rPr lang="sk-SK" smtClean="0"/>
+              <a:t>© 2016 EV3Lessons.com (Last edit: 7/04/2016)</a:t>
             </a:r>
             <a:endParaRPr lang="en-US"/>
           </a:p>
@@ -3289,10 +5886,22 @@
         </p:txBody>
       </p:sp>
     </p:spTree>
+    <p:extLst>
+      <p:ext uri="{BB962C8B-B14F-4D97-AF65-F5344CB8AC3E}">
+        <p14:creationId xmlns:p14="http://schemas.microsoft.com/office/powerpoint/2010/main" val="1739424904"/>
+      </p:ext>
+    </p:extLst>
   </p:cSld>
   <p:clrMapOvr>
     <a:masterClrMapping/>
   </p:clrMapOvr>
+  <p:timing>
+    <p:tnLst>
+      <p:par>
+        <p:cTn id="1" dur="indefinite" restart="never" nodeType="tmRoot"/>
+      </p:par>
+    </p:tnLst>
+  </p:timing>
 </p:sldLayout>
 </file>
 
@@ -3351,9 +5960,9 @@
           <a:bodyPr/>
           <a:lstStyle/>
           <a:p>
-            <a:fld id="{D25C93B4-6620-4F3A-9A8C-6A619592FB07}" type="datetime1">
+            <a:fld id="{70521841-2C34-8244-9230-9FA49FC7A11C}" type="datetime1">
               <a:rPr lang="en-US" smtClean="0"/>
-              <a:t>11/14/15</a:t>
+              <a:t>7/4/16</a:t>
             </a:fld>
             <a:endParaRPr lang="en-US"/>
           </a:p>
@@ -3375,8 +5984,8 @@
           <a:lstStyle/>
           <a:p>
             <a:r>
-              <a:rPr lang="en-US" smtClean="0"/>
-              <a:t>© 2015 EV3Lessons.com (Last edit: 2/28/2015)</a:t>
+              <a:rPr lang="sk-SK" smtClean="0"/>
+              <a:t>© 2016 EV3Lessons.com (Last edit: 7/04/2016)</a:t>
             </a:r>
             <a:endParaRPr lang="en-US"/>
           </a:p>
@@ -3389,7 +5998,7 @@
             <a:spLocks noGrp="1"/>
           </p:cNvSpPr>
           <p:nvPr>
-            <p:ph type="sldNum" sz="quarter" idx="4"/>
+            <p:ph type="sldNum" sz="quarter" idx="12"/>
           </p:nvPr>
         </p:nvSpPr>
         <p:spPr>
@@ -3414,10 +6023,22 @@
         </p:txBody>
       </p:sp>
     </p:spTree>
+    <p:extLst>
+      <p:ext uri="{BB962C8B-B14F-4D97-AF65-F5344CB8AC3E}">
+        <p14:creationId xmlns:p14="http://schemas.microsoft.com/office/powerpoint/2010/main" val="819474917"/>
+      </p:ext>
+    </p:extLst>
   </p:cSld>
   <p:clrMapOvr>
     <a:masterClrMapping/>
   </p:clrMapOvr>
+  <p:timing>
+    <p:tnLst>
+      <p:par>
+        <p:cTn id="1" dur="indefinite" restart="never" nodeType="tmRoot"/>
+      </p:par>
+    </p:tnLst>
+  </p:timing>
 </p:sldLayout>
 </file>
 
@@ -3453,9 +6074,9 @@
           <a:bodyPr/>
           <a:lstStyle/>
           <a:p>
-            <a:fld id="{E73D6DDA-3CA6-4617-8B7E-B5E120C5BC04}" type="datetime1">
+            <a:fld id="{3CECDBCF-2037-2A42-8B68-4B17AB1BF391}" type="datetime1">
               <a:rPr lang="en-US" smtClean="0"/>
-              <a:t>11/14/15</a:t>
+              <a:t>7/4/16</a:t>
             </a:fld>
             <a:endParaRPr lang="en-US"/>
           </a:p>
@@ -3477,8 +6098,8 @@
           <a:lstStyle/>
           <a:p>
             <a:r>
-              <a:rPr lang="en-US" smtClean="0"/>
-              <a:t>© 2015 EV3Lessons.com (Last edit: 2/28/2015)</a:t>
+              <a:rPr lang="sk-SK" smtClean="0"/>
+              <a:t>© 2016 EV3Lessons.com (Last edit: 7/04/2016)</a:t>
             </a:r>
             <a:endParaRPr lang="en-US"/>
           </a:p>
@@ -3486,18 +6107,18 @@
       </p:sp>
       <p:sp>
         <p:nvSpPr>
-          <p:cNvPr id="5" name="Slide Number Placeholder 6"/>
+          <p:cNvPr id="4" name="Slide Number Placeholder 3"/>
           <p:cNvSpPr>
             <a:spLocks noGrp="1"/>
           </p:cNvSpPr>
           <p:nvPr>
-            <p:ph type="sldNum" sz="quarter" idx="4"/>
+            <p:ph type="sldNum" sz="quarter" idx="12"/>
           </p:nvPr>
         </p:nvSpPr>
         <p:spPr>
-          <a:xfrm>
-            <a:off x="8477026" y="6358106"/>
-            <a:ext cx="666974" cy="365125"/>
+          <a:xfrm rot="16200000">
+            <a:off x="8227377" y="5885497"/>
+            <a:ext cx="1315721" cy="365125"/>
           </a:xfrm>
           <a:prstGeom prst="rect">
             <a:avLst/>
@@ -3516,6 +6137,11 @@
         </p:txBody>
       </p:sp>
     </p:spTree>
+    <p:extLst>
+      <p:ext uri="{BB962C8B-B14F-4D97-AF65-F5344CB8AC3E}">
+        <p14:creationId xmlns:p14="http://schemas.microsoft.com/office/powerpoint/2010/main" val="1102301808"/>
+      </p:ext>
+    </p:extLst>
   </p:cSld>
   <p:clrMapOvr>
     <a:masterClrMapping/>
@@ -3707,9 +6333,9 @@
           <a:bodyPr/>
           <a:lstStyle/>
           <a:p>
-            <a:fld id="{19A0D056-0074-4E40-B1A7-1409BEB26454}" type="datetime1">
+            <a:fld id="{73632E2A-4CFD-554C-B013-A8424A5CD323}" type="datetime1">
               <a:rPr lang="en-US" smtClean="0"/>
-              <a:t>11/14/15</a:t>
+              <a:t>7/4/16</a:t>
             </a:fld>
             <a:endParaRPr lang="en-US"/>
           </a:p>
@@ -3731,8 +6357,8 @@
           <a:lstStyle/>
           <a:p>
             <a:r>
-              <a:rPr lang="en-US" smtClean="0"/>
-              <a:t>© 2015 EV3Lessons.com (Last edit: 2/28/2015)</a:t>
+              <a:rPr lang="sk-SK" smtClean="0"/>
+              <a:t>© 2016 EV3Lessons.com (Last edit: 7/04/2016)</a:t>
             </a:r>
             <a:endParaRPr lang="en-US"/>
           </a:p>
@@ -3740,41 +6366,18 @@
       </p:sp>
       <p:sp>
         <p:nvSpPr>
-          <p:cNvPr id="8" name="Title 7"/>
+          <p:cNvPr id="7" name="Slide Number Placeholder 6"/>
           <p:cNvSpPr>
             <a:spLocks noGrp="1"/>
           </p:cNvSpPr>
           <p:nvPr>
-            <p:ph type="title"/>
-          </p:nvPr>
-        </p:nvSpPr>
-        <p:spPr/>
-        <p:txBody>
-          <a:bodyPr/>
-          <a:lstStyle/>
-          <a:p>
-            <a:r>
-              <a:rPr lang="en-US" smtClean="0"/>
-              <a:t>Click to edit Master title style</a:t>
-            </a:r>
-            <a:endParaRPr lang="en-US"/>
-          </a:p>
-        </p:txBody>
-      </p:sp>
-      <p:sp>
-        <p:nvSpPr>
-          <p:cNvPr id="9" name="Slide Number Placeholder 6"/>
-          <p:cNvSpPr>
-            <a:spLocks noGrp="1"/>
-          </p:cNvSpPr>
-          <p:nvPr>
-            <p:ph type="sldNum" sz="quarter" idx="4"/>
+            <p:ph type="sldNum" sz="quarter" idx="12"/>
           </p:nvPr>
         </p:nvSpPr>
         <p:spPr>
-          <a:xfrm>
-            <a:off x="8477026" y="6358106"/>
-            <a:ext cx="666974" cy="365125"/>
+          <a:xfrm rot="16200000">
+            <a:off x="8227377" y="5885497"/>
+            <a:ext cx="1315721" cy="365125"/>
           </a:xfrm>
           <a:prstGeom prst="rect">
             <a:avLst/>
@@ -3792,7 +6395,35 @@
           </a:p>
         </p:txBody>
       </p:sp>
+      <p:sp>
+        <p:nvSpPr>
+          <p:cNvPr id="8" name="Title 7"/>
+          <p:cNvSpPr>
+            <a:spLocks noGrp="1"/>
+          </p:cNvSpPr>
+          <p:nvPr>
+            <p:ph type="title"/>
+          </p:nvPr>
+        </p:nvSpPr>
+        <p:spPr/>
+        <p:txBody>
+          <a:bodyPr/>
+          <a:lstStyle/>
+          <a:p>
+            <a:r>
+              <a:rPr lang="en-US" smtClean="0"/>
+              <a:t>Click to edit Master title style</a:t>
+            </a:r>
+            <a:endParaRPr lang="en-US"/>
+          </a:p>
+        </p:txBody>
+      </p:sp>
     </p:spTree>
+    <p:extLst>
+      <p:ext uri="{BB962C8B-B14F-4D97-AF65-F5344CB8AC3E}">
+        <p14:creationId xmlns:p14="http://schemas.microsoft.com/office/powerpoint/2010/main" val="45064387"/>
+      </p:ext>
+    </p:extLst>
   </p:cSld>
   <p:clrMapOvr>
     <a:masterClrMapping/>
@@ -4013,9 +6644,9 @@
           <a:bodyPr/>
           <a:lstStyle/>
           <a:p>
-            <a:fld id="{EEAB3C24-83FF-47B3-BCFC-45BFD7130B03}" type="datetime1">
+            <a:fld id="{1DE3ABBF-DCD6-6B44-823C-537872FEE131}" type="datetime1">
               <a:rPr lang="en-US" smtClean="0"/>
-              <a:t>11/14/15</a:t>
+              <a:t>7/4/16</a:t>
             </a:fld>
             <a:endParaRPr lang="en-US"/>
           </a:p>
@@ -4037,9 +6668,48 @@
           <a:lstStyle/>
           <a:p>
             <a:r>
+              <a:rPr lang="sk-SK" smtClean="0"/>
+              <a:t>© 2016 EV3Lessons.com (Last edit: 7/04/2016)</a:t>
+            </a:r>
+            <a:endParaRPr lang="en-US"/>
+          </a:p>
+        </p:txBody>
+      </p:sp>
+      <p:sp>
+        <p:nvSpPr>
+          <p:cNvPr id="7" name="Slide Number Placeholder 6"/>
+          <p:cNvSpPr>
+            <a:spLocks noGrp="1"/>
+          </p:cNvSpPr>
+          <p:nvPr>
+            <p:ph type="sldNum" sz="quarter" idx="12"/>
+          </p:nvPr>
+        </p:nvSpPr>
+        <p:spPr>
+          <a:xfrm rot="16200000">
+            <a:off x="8227377" y="5885497"/>
+            <a:ext cx="1315721" cy="365125"/>
+          </a:xfrm>
+          <a:prstGeom prst="rect">
+            <a:avLst/>
+          </a:prstGeom>
+        </p:spPr>
+        <p:txBody>
+          <a:bodyPr/>
+          <a:lstStyle>
+            <a:lvl1pPr>
+              <a:defRPr>
+                <a:solidFill>
+                  <a:schemeClr val="tx1"/>
+                </a:solidFill>
+              </a:defRPr>
+            </a:lvl1pPr>
+          </a:lstStyle>
+          <a:p>
+            <a:fld id="{4DBC7FC8-25FB-FC45-8177-2B991DA6778C}" type="slidenum">
               <a:rPr lang="en-US" smtClean="0"/>
-              <a:t>© 2015 EV3Lessons.com (Last edit: 2/28/2015)</a:t>
-            </a:r>
+              <a:t>‹#›</a:t>
+            </a:fld>
             <a:endParaRPr lang="en-US"/>
           </a:p>
         </p:txBody>
@@ -4124,38 +6794,12 @@
           </a:p>
         </p:txBody>
       </p:sp>
-      <p:sp>
-        <p:nvSpPr>
-          <p:cNvPr id="11" name="Slide Number Placeholder 6"/>
-          <p:cNvSpPr>
-            <a:spLocks noGrp="1"/>
-          </p:cNvSpPr>
-          <p:nvPr>
-            <p:ph type="sldNum" sz="quarter" idx="4"/>
-          </p:nvPr>
-        </p:nvSpPr>
-        <p:spPr>
-          <a:xfrm>
-            <a:off x="8477026" y="6358106"/>
-            <a:ext cx="666974" cy="365125"/>
-          </a:xfrm>
-          <a:prstGeom prst="rect">
-            <a:avLst/>
-          </a:prstGeom>
-        </p:spPr>
-        <p:txBody>
-          <a:bodyPr/>
-          <a:lstStyle/>
-          <a:p>
-            <a:fld id="{4DBC7FC8-25FB-FC45-8177-2B991DA6778C}" type="slidenum">
-              <a:rPr lang="en-US" smtClean="0"/>
-              <a:t>‹#›</a:t>
-            </a:fld>
-            <a:endParaRPr lang="en-US"/>
-          </a:p>
-        </p:txBody>
-      </p:sp>
     </p:spTree>
+    <p:extLst>
+      <p:ext uri="{BB962C8B-B14F-4D97-AF65-F5344CB8AC3E}">
+        <p14:creationId xmlns:p14="http://schemas.microsoft.com/office/powerpoint/2010/main" val="1482908565"/>
+      </p:ext>
+    </p:extLst>
   </p:cSld>
   <p:clrMapOvr>
     <a:masterClrMapping/>
@@ -4164,7 +6808,7 @@
 </file>
 
 <file path=ppt/slideMasters/slideMaster1.xml><?xml version="1.0" encoding="utf-8"?>
-<p:sldMaster xmlns:a="http://schemas.openxmlformats.org/drawingml/2006/main" xmlns:r="http://schemas.openxmlformats.org/officeDocument/2006/relationships" xmlns:p="http://schemas.openxmlformats.org/presentationml/2006/main">
+<p:sldMaster xmlns:a="http://schemas.openxmlformats.org/drawingml/2006/main" xmlns:r="http://schemas.openxmlformats.org/officeDocument/2006/relationships" xmlns:p="http://schemas.openxmlformats.org/presentationml/2006/main" preserve="1">
   <p:cSld>
     <p:bg>
       <p:bgRef idx="1001">
@@ -4211,7 +6855,7 @@
           <a:lstStyle/>
           <a:p>
             <a:r>
-              <a:rPr lang="en-US" dirty="0" smtClean="0"/>
+              <a:rPr lang="en-US" smtClean="0"/>
               <a:t>Click to edit Master title style</a:t>
             </a:r>
             <a:endParaRPr lang="en-US" dirty="0"/>
@@ -4311,9 +6955,9 @@
             </a:lvl1pPr>
           </a:lstStyle>
           <a:p>
-            <a:fld id="{9643CE61-8FA2-40C7-B457-2C5467A12179}" type="datetime1">
+            <a:fld id="{73CE7C84-186E-9042-BA1C-9EEBB2CCE57B}" type="datetime1">
               <a:rPr lang="en-US" smtClean="0"/>
-              <a:t>11/14/15</a:t>
+              <a:t>7/4/16</a:t>
             </a:fld>
             <a:endParaRPr lang="en-US"/>
           </a:p>
@@ -4351,8 +6995,8 @@
           </a:lstStyle>
           <a:p>
             <a:r>
-              <a:rPr lang="en-US" smtClean="0"/>
-              <a:t>© 2015 EV3Lessons.com (Last edit: 2/28/2015)</a:t>
+              <a:rPr lang="sk-SK" smtClean="0"/>
+              <a:t>© 2016 EV3Lessons.com (Last edit: 7/04/2016)</a:t>
             </a:r>
             <a:endParaRPr lang="en-US"/>
           </a:p>
@@ -4393,7 +7037,7 @@
         <p:nvSpPr>
           <p:cNvPr id="10" name="Rectangle 9"/>
           <p:cNvSpPr/>
-          <p:nvPr userDrawn="1"/>
+          <p:nvPr/>
         </p:nvSpPr>
         <p:spPr>
           <a:xfrm>
@@ -4431,7 +7075,7 @@
         <p:nvSpPr>
           <p:cNvPr id="11" name="Rectangle 10"/>
           <p:cNvSpPr/>
-          <p:nvPr userDrawn="1"/>
+          <p:nvPr/>
         </p:nvSpPr>
         <p:spPr>
           <a:xfrm>
@@ -4469,6 +7113,120 @@
         <p:nvSpPr>
           <p:cNvPr id="12" name="Rectangle 11"/>
           <p:cNvSpPr/>
+          <p:nvPr/>
+        </p:nvSpPr>
+        <p:spPr>
+          <a:xfrm>
+            <a:off x="8904666" y="0"/>
+            <a:ext cx="91440" cy="6858000"/>
+          </a:xfrm>
+          <a:prstGeom prst="rect">
+            <a:avLst/>
+          </a:prstGeom>
+          <a:solidFill>
+            <a:srgbClr val="0070C0"/>
+          </a:solidFill>
+          <a:ln>
+            <a:noFill/>
+          </a:ln>
+        </p:spPr>
+        <p:style>
+          <a:lnRef idx="2">
+            <a:schemeClr val="accent1">
+              <a:shade val="50000"/>
+            </a:schemeClr>
+          </a:lnRef>
+          <a:fillRef idx="1">
+            <a:schemeClr val="accent1"/>
+          </a:fillRef>
+          <a:effectRef idx="0">
+            <a:schemeClr val="accent1"/>
+          </a:effectRef>
+          <a:fontRef idx="minor">
+            <a:schemeClr val="lt1"/>
+          </a:fontRef>
+        </p:style>
+      </p:sp>
+      <p:sp>
+        <p:nvSpPr>
+          <p:cNvPr id="13" name="Rectangle 12"/>
+          <p:cNvSpPr/>
+          <p:nvPr userDrawn="1"/>
+        </p:nvSpPr>
+        <p:spPr>
+          <a:xfrm>
+            <a:off x="8996106" y="2895600"/>
+            <a:ext cx="147895" cy="3962400"/>
+          </a:xfrm>
+          <a:prstGeom prst="rect">
+            <a:avLst/>
+          </a:prstGeom>
+          <a:solidFill>
+            <a:srgbClr val="92D050"/>
+          </a:solidFill>
+          <a:ln>
+            <a:noFill/>
+          </a:ln>
+        </p:spPr>
+        <p:style>
+          <a:lnRef idx="2">
+            <a:schemeClr val="accent1">
+              <a:shade val="50000"/>
+            </a:schemeClr>
+          </a:lnRef>
+          <a:fillRef idx="1">
+            <a:schemeClr val="accent1"/>
+          </a:fillRef>
+          <a:effectRef idx="0">
+            <a:schemeClr val="accent1"/>
+          </a:effectRef>
+          <a:fontRef idx="minor">
+            <a:schemeClr val="lt1"/>
+          </a:fontRef>
+        </p:style>
+      </p:sp>
+      <p:sp>
+        <p:nvSpPr>
+          <p:cNvPr id="14" name="Rectangle 13"/>
+          <p:cNvSpPr/>
+          <p:nvPr userDrawn="1"/>
+        </p:nvSpPr>
+        <p:spPr>
+          <a:xfrm>
+            <a:off x="8959042" y="0"/>
+            <a:ext cx="184958" cy="2895600"/>
+          </a:xfrm>
+          <a:prstGeom prst="rect">
+            <a:avLst/>
+          </a:prstGeom>
+          <a:solidFill>
+            <a:srgbClr val="7030A0"/>
+          </a:solidFill>
+          <a:ln>
+            <a:noFill/>
+          </a:ln>
+        </p:spPr>
+        <p:style>
+          <a:lnRef idx="2">
+            <a:schemeClr val="accent1">
+              <a:shade val="50000"/>
+            </a:schemeClr>
+          </a:lnRef>
+          <a:fillRef idx="1">
+            <a:schemeClr val="accent1"/>
+          </a:fillRef>
+          <a:effectRef idx="0">
+            <a:schemeClr val="accent1"/>
+          </a:effectRef>
+          <a:fontRef idx="minor">
+            <a:schemeClr val="lt1"/>
+          </a:fontRef>
+        </p:style>
+      </p:sp>
+      <p:sp>
+        <p:nvSpPr>
+          <p:cNvPr id="15" name="Rectangle 14"/>
+          <p:cNvSpPr/>
           <p:nvPr userDrawn="1"/>
         </p:nvSpPr>
         <p:spPr>
@@ -4504,21 +7262,33 @@
         </p:style>
       </p:sp>
     </p:spTree>
+    <p:extLst>
+      <p:ext uri="{BB962C8B-B14F-4D97-AF65-F5344CB8AC3E}">
+        <p14:creationId xmlns:p14="http://schemas.microsoft.com/office/powerpoint/2010/main" val="70714500"/>
+      </p:ext>
+    </p:extLst>
   </p:cSld>
   <p:clrMap bg1="lt1" tx1="dk1" bg2="lt2" tx2="dk2" accent1="accent1" accent2="accent2" accent3="accent3" accent4="accent4" accent5="accent5" accent6="accent6" hlink="hlink" folHlink="folHlink"/>
   <p:sldLayoutIdLst>
-    <p:sldLayoutId id="2147483715" r:id="rId1"/>
-    <p:sldLayoutId id="2147483716" r:id="rId2"/>
-    <p:sldLayoutId id="2147483717" r:id="rId3"/>
-    <p:sldLayoutId id="2147483718" r:id="rId4"/>
-    <p:sldLayoutId id="2147483719" r:id="rId5"/>
-    <p:sldLayoutId id="2147483720" r:id="rId6"/>
-    <p:sldLayoutId id="2147483721" r:id="rId7"/>
-    <p:sldLayoutId id="2147483722" r:id="rId8"/>
-    <p:sldLayoutId id="2147483723" r:id="rId9"/>
-    <p:sldLayoutId id="2147483724" r:id="rId10"/>
-    <p:sldLayoutId id="2147483725" r:id="rId11"/>
+    <p:sldLayoutId id="2147483727" r:id="rId1"/>
+    <p:sldLayoutId id="2147483728" r:id="rId2"/>
+    <p:sldLayoutId id="2147483729" r:id="rId3"/>
+    <p:sldLayoutId id="2147483730" r:id="rId4"/>
+    <p:sldLayoutId id="2147483731" r:id="rId5"/>
+    <p:sldLayoutId id="2147483732" r:id="rId6"/>
+    <p:sldLayoutId id="2147483733" r:id="rId7"/>
+    <p:sldLayoutId id="2147483734" r:id="rId8"/>
+    <p:sldLayoutId id="2147483735" r:id="rId9"/>
+    <p:sldLayoutId id="2147483736" r:id="rId10"/>
+    <p:sldLayoutId id="2147483737" r:id="rId11"/>
   </p:sldLayoutIdLst>
+  <p:timing>
+    <p:tnLst>
+      <p:par>
+        <p:cTn id="1" dur="indefinite" restart="never" nodeType="tmRoot"/>
+      </p:par>
+    </p:tnLst>
+  </p:timing>
   <p:hf hdr="0" dt="0"/>
   <p:txStyles>
     <p:titleStyle>
@@ -4800,6 +7570,551 @@
 </p:sldMaster>
 </file>
 
+<file path=ppt/slideMasters/slideMaster2.xml><?xml version="1.0" encoding="utf-8"?>
+<p:sldMaster xmlns:a="http://schemas.openxmlformats.org/drawingml/2006/main" xmlns:r="http://schemas.openxmlformats.org/officeDocument/2006/relationships" xmlns:p="http://schemas.openxmlformats.org/presentationml/2006/main" preserve="1">
+  <p:cSld>
+    <p:bg>
+      <p:bgRef idx="1001">
+        <a:schemeClr val="bg1"/>
+      </p:bgRef>
+    </p:bg>
+    <p:spTree>
+      <p:nvGrpSpPr>
+        <p:cNvPr id="1" name=""/>
+        <p:cNvGrpSpPr/>
+        <p:nvPr/>
+      </p:nvGrpSpPr>
+      <p:grpSpPr>
+        <a:xfrm>
+          <a:off x="0" y="0"/>
+          <a:ext cx="0" cy="0"/>
+          <a:chOff x="0" y="0"/>
+          <a:chExt cx="0" cy="0"/>
+        </a:xfrm>
+      </p:grpSpPr>
+      <p:sp>
+        <p:nvSpPr>
+          <p:cNvPr id="2" name="Title Placeholder 1"/>
+          <p:cNvSpPr>
+            <a:spLocks noGrp="1"/>
+          </p:cNvSpPr>
+          <p:nvPr>
+            <p:ph type="title"/>
+          </p:nvPr>
+        </p:nvSpPr>
+        <p:spPr>
+          <a:xfrm>
+            <a:off x="628650" y="365125"/>
+            <a:ext cx="7886700" cy="1325563"/>
+          </a:xfrm>
+          <a:prstGeom prst="rect">
+            <a:avLst/>
+          </a:prstGeom>
+        </p:spPr>
+        <p:txBody>
+          <a:bodyPr vert="horz" lIns="91440" tIns="45720" rIns="91440" bIns="45720" rtlCol="0" anchor="ctr">
+            <a:normAutofit/>
+          </a:bodyPr>
+          <a:lstStyle/>
+          <a:p>
+            <a:r>
+              <a:rPr lang="en-US" smtClean="0"/>
+              <a:t>Click to edit Master title style</a:t>
+            </a:r>
+            <a:endParaRPr lang="en-US"/>
+          </a:p>
+        </p:txBody>
+      </p:sp>
+      <p:sp>
+        <p:nvSpPr>
+          <p:cNvPr id="3" name="Text Placeholder 2"/>
+          <p:cNvSpPr>
+            <a:spLocks noGrp="1"/>
+          </p:cNvSpPr>
+          <p:nvPr>
+            <p:ph type="body" idx="1"/>
+          </p:nvPr>
+        </p:nvSpPr>
+        <p:spPr>
+          <a:xfrm>
+            <a:off x="628650" y="1825625"/>
+            <a:ext cx="7886700" cy="4351338"/>
+          </a:xfrm>
+          <a:prstGeom prst="rect">
+            <a:avLst/>
+          </a:prstGeom>
+        </p:spPr>
+        <p:txBody>
+          <a:bodyPr vert="horz" lIns="91440" tIns="45720" rIns="91440" bIns="45720" rtlCol="0">
+            <a:normAutofit/>
+          </a:bodyPr>
+          <a:lstStyle/>
+          <a:p>
+            <a:pPr lvl="0"/>
+            <a:r>
+              <a:rPr lang="en-US" smtClean="0"/>
+              <a:t>Click to edit Master text styles</a:t>
+            </a:r>
+          </a:p>
+          <a:p>
+            <a:pPr lvl="1"/>
+            <a:r>
+              <a:rPr lang="en-US" smtClean="0"/>
+              <a:t>Second level</a:t>
+            </a:r>
+          </a:p>
+          <a:p>
+            <a:pPr lvl="2"/>
+            <a:r>
+              <a:rPr lang="en-US" smtClean="0"/>
+              <a:t>Third level</a:t>
+            </a:r>
+          </a:p>
+          <a:p>
+            <a:pPr lvl="3"/>
+            <a:r>
+              <a:rPr lang="en-US" smtClean="0"/>
+              <a:t>Fourth level</a:t>
+            </a:r>
+          </a:p>
+          <a:p>
+            <a:pPr lvl="4"/>
+            <a:r>
+              <a:rPr lang="en-US" smtClean="0"/>
+              <a:t>Fifth level</a:t>
+            </a:r>
+            <a:endParaRPr lang="en-US"/>
+          </a:p>
+        </p:txBody>
+      </p:sp>
+      <p:sp>
+        <p:nvSpPr>
+          <p:cNvPr id="4" name="Date Placeholder 3"/>
+          <p:cNvSpPr>
+            <a:spLocks noGrp="1"/>
+          </p:cNvSpPr>
+          <p:nvPr>
+            <p:ph type="dt" sz="half" idx="2"/>
+          </p:nvPr>
+        </p:nvSpPr>
+        <p:spPr>
+          <a:xfrm>
+            <a:off x="628650" y="6356350"/>
+            <a:ext cx="2057400" cy="365125"/>
+          </a:xfrm>
+          <a:prstGeom prst="rect">
+            <a:avLst/>
+          </a:prstGeom>
+        </p:spPr>
+        <p:txBody>
+          <a:bodyPr vert="horz" lIns="91440" tIns="45720" rIns="91440" bIns="45720" rtlCol="0" anchor="ctr"/>
+          <a:lstStyle>
+            <a:lvl1pPr algn="l">
+              <a:defRPr sz="1200">
+                <a:solidFill>
+                  <a:schemeClr val="tx1">
+                    <a:tint val="75000"/>
+                  </a:schemeClr>
+                </a:solidFill>
+              </a:defRPr>
+            </a:lvl1pPr>
+          </a:lstStyle>
+          <a:p>
+            <a:fld id="{F6646063-AA35-9748-A665-46A0504A1B5C}" type="datetime1">
+              <a:rPr lang="en-US" smtClean="0"/>
+              <a:t>7/4/16</a:t>
+            </a:fld>
+            <a:endParaRPr lang="en-US"/>
+          </a:p>
+        </p:txBody>
+      </p:sp>
+      <p:sp>
+        <p:nvSpPr>
+          <p:cNvPr id="5" name="Footer Placeholder 4"/>
+          <p:cNvSpPr>
+            <a:spLocks noGrp="1"/>
+          </p:cNvSpPr>
+          <p:nvPr>
+            <p:ph type="ftr" sz="quarter" idx="3"/>
+          </p:nvPr>
+        </p:nvSpPr>
+        <p:spPr>
+          <a:xfrm>
+            <a:off x="3028950" y="6356350"/>
+            <a:ext cx="3086100" cy="365125"/>
+          </a:xfrm>
+          <a:prstGeom prst="rect">
+            <a:avLst/>
+          </a:prstGeom>
+        </p:spPr>
+        <p:txBody>
+          <a:bodyPr vert="horz" lIns="91440" tIns="45720" rIns="91440" bIns="45720" rtlCol="0" anchor="ctr"/>
+          <a:lstStyle>
+            <a:lvl1pPr algn="ctr">
+              <a:defRPr sz="1200">
+                <a:solidFill>
+                  <a:schemeClr val="tx1">
+                    <a:tint val="75000"/>
+                  </a:schemeClr>
+                </a:solidFill>
+              </a:defRPr>
+            </a:lvl1pPr>
+          </a:lstStyle>
+          <a:p>
+            <a:r>
+              <a:rPr lang="sk-SK" smtClean="0"/>
+              <a:t>© 2016 EV3Lessons.com (Last edit: 7/04/2016)</a:t>
+            </a:r>
+            <a:endParaRPr lang="en-US"/>
+          </a:p>
+        </p:txBody>
+      </p:sp>
+      <p:sp>
+        <p:nvSpPr>
+          <p:cNvPr id="6" name="Slide Number Placeholder 5"/>
+          <p:cNvSpPr>
+            <a:spLocks noGrp="1"/>
+          </p:cNvSpPr>
+          <p:nvPr>
+            <p:ph type="sldNum" sz="quarter" idx="4"/>
+          </p:nvPr>
+        </p:nvSpPr>
+        <p:spPr>
+          <a:xfrm>
+            <a:off x="6457950" y="6356350"/>
+            <a:ext cx="2057400" cy="365125"/>
+          </a:xfrm>
+          <a:prstGeom prst="rect">
+            <a:avLst/>
+          </a:prstGeom>
+        </p:spPr>
+        <p:txBody>
+          <a:bodyPr vert="horz" lIns="91440" tIns="45720" rIns="91440" bIns="45720" rtlCol="0" anchor="ctr"/>
+          <a:lstStyle>
+            <a:lvl1pPr algn="r">
+              <a:defRPr sz="1200">
+                <a:solidFill>
+                  <a:schemeClr val="tx1">
+                    <a:tint val="75000"/>
+                  </a:schemeClr>
+                </a:solidFill>
+              </a:defRPr>
+            </a:lvl1pPr>
+          </a:lstStyle>
+          <a:p>
+            <a:fld id="{DE42E464-3EB8-43C8-8768-9E2AD4F497B7}" type="slidenum">
+              <a:rPr lang="en-US" smtClean="0"/>
+              <a:t>‹#›</a:t>
+            </a:fld>
+            <a:endParaRPr lang="en-US"/>
+          </a:p>
+        </p:txBody>
+      </p:sp>
+    </p:spTree>
+    <p:extLst>
+      <p:ext uri="{BB962C8B-B14F-4D97-AF65-F5344CB8AC3E}">
+        <p14:creationId xmlns:p14="http://schemas.microsoft.com/office/powerpoint/2010/main" val="91481457"/>
+      </p:ext>
+    </p:extLst>
+  </p:cSld>
+  <p:clrMap bg1="lt1" tx1="dk1" bg2="lt2" tx2="dk2" accent1="accent1" accent2="accent2" accent3="accent3" accent4="accent4" accent5="accent5" accent6="accent6" hlink="hlink" folHlink="folHlink"/>
+  <p:sldLayoutIdLst>
+    <p:sldLayoutId id="2147483739" r:id="rId1"/>
+    <p:sldLayoutId id="2147483740" r:id="rId2"/>
+    <p:sldLayoutId id="2147483741" r:id="rId3"/>
+    <p:sldLayoutId id="2147483742" r:id="rId4"/>
+    <p:sldLayoutId id="2147483743" r:id="rId5"/>
+    <p:sldLayoutId id="2147483744" r:id="rId6"/>
+    <p:sldLayoutId id="2147483745" r:id="rId7"/>
+    <p:sldLayoutId id="2147483746" r:id="rId8"/>
+    <p:sldLayoutId id="2147483747" r:id="rId9"/>
+    <p:sldLayoutId id="2147483748" r:id="rId10"/>
+    <p:sldLayoutId id="2147483749" r:id="rId11"/>
+  </p:sldLayoutIdLst>
+  <p:hf hdr="0" dt="0"/>
+  <p:txStyles>
+    <p:titleStyle>
+      <a:lvl1pPr algn="l" defTabSz="914400" rtl="0" eaLnBrk="1" latinLnBrk="0" hangingPunct="1">
+        <a:lnSpc>
+          <a:spcPct val="90000"/>
+        </a:lnSpc>
+        <a:spcBef>
+          <a:spcPct val="0"/>
+        </a:spcBef>
+        <a:buNone/>
+        <a:defRPr sz="4400" kern="1200">
+          <a:solidFill>
+            <a:schemeClr val="tx1"/>
+          </a:solidFill>
+          <a:latin typeface="+mj-lt"/>
+          <a:ea typeface="+mj-ea"/>
+          <a:cs typeface="+mj-cs"/>
+        </a:defRPr>
+      </a:lvl1pPr>
+    </p:titleStyle>
+    <p:bodyStyle>
+      <a:lvl1pPr marL="228600" indent="-228600" algn="l" defTabSz="914400" rtl="0" eaLnBrk="1" latinLnBrk="0" hangingPunct="1">
+        <a:lnSpc>
+          <a:spcPct val="90000"/>
+        </a:lnSpc>
+        <a:spcBef>
+          <a:spcPts val="1000"/>
+        </a:spcBef>
+        <a:buFont typeface="Arial" panose="020B0604020202020204" pitchFamily="34" charset="0"/>
+        <a:buChar char="•"/>
+        <a:defRPr sz="2800" kern="1200">
+          <a:solidFill>
+            <a:schemeClr val="tx1"/>
+          </a:solidFill>
+          <a:latin typeface="+mn-lt"/>
+          <a:ea typeface="+mn-ea"/>
+          <a:cs typeface="+mn-cs"/>
+        </a:defRPr>
+      </a:lvl1pPr>
+      <a:lvl2pPr marL="685800" indent="-228600" algn="l" defTabSz="914400" rtl="0" eaLnBrk="1" latinLnBrk="0" hangingPunct="1">
+        <a:lnSpc>
+          <a:spcPct val="90000"/>
+        </a:lnSpc>
+        <a:spcBef>
+          <a:spcPts val="500"/>
+        </a:spcBef>
+        <a:buFont typeface="Arial" panose="020B0604020202020204" pitchFamily="34" charset="0"/>
+        <a:buChar char="•"/>
+        <a:defRPr sz="2400" kern="1200">
+          <a:solidFill>
+            <a:schemeClr val="tx1"/>
+          </a:solidFill>
+          <a:latin typeface="+mn-lt"/>
+          <a:ea typeface="+mn-ea"/>
+          <a:cs typeface="+mn-cs"/>
+        </a:defRPr>
+      </a:lvl2pPr>
+      <a:lvl3pPr marL="1143000" indent="-228600" algn="l" defTabSz="914400" rtl="0" eaLnBrk="1" latinLnBrk="0" hangingPunct="1">
+        <a:lnSpc>
+          <a:spcPct val="90000"/>
+        </a:lnSpc>
+        <a:spcBef>
+          <a:spcPts val="500"/>
+        </a:spcBef>
+        <a:buFont typeface="Arial" panose="020B0604020202020204" pitchFamily="34" charset="0"/>
+        <a:buChar char="•"/>
+        <a:defRPr sz="2000" kern="1200">
+          <a:solidFill>
+            <a:schemeClr val="tx1"/>
+          </a:solidFill>
+          <a:latin typeface="+mn-lt"/>
+          <a:ea typeface="+mn-ea"/>
+          <a:cs typeface="+mn-cs"/>
+        </a:defRPr>
+      </a:lvl3pPr>
+      <a:lvl4pPr marL="1600200" indent="-228600" algn="l" defTabSz="914400" rtl="0" eaLnBrk="1" latinLnBrk="0" hangingPunct="1">
+        <a:lnSpc>
+          <a:spcPct val="90000"/>
+        </a:lnSpc>
+        <a:spcBef>
+          <a:spcPts val="500"/>
+        </a:spcBef>
+        <a:buFont typeface="Arial" panose="020B0604020202020204" pitchFamily="34" charset="0"/>
+        <a:buChar char="•"/>
+        <a:defRPr sz="1800" kern="1200">
+          <a:solidFill>
+            <a:schemeClr val="tx1"/>
+          </a:solidFill>
+          <a:latin typeface="+mn-lt"/>
+          <a:ea typeface="+mn-ea"/>
+          <a:cs typeface="+mn-cs"/>
+        </a:defRPr>
+      </a:lvl4pPr>
+      <a:lvl5pPr marL="2057400" indent="-228600" algn="l" defTabSz="914400" rtl="0" eaLnBrk="1" latinLnBrk="0" hangingPunct="1">
+        <a:lnSpc>
+          <a:spcPct val="90000"/>
+        </a:lnSpc>
+        <a:spcBef>
+          <a:spcPts val="500"/>
+        </a:spcBef>
+        <a:buFont typeface="Arial" panose="020B0604020202020204" pitchFamily="34" charset="0"/>
+        <a:buChar char="•"/>
+        <a:defRPr sz="1800" kern="1200">
+          <a:solidFill>
+            <a:schemeClr val="tx1"/>
+          </a:solidFill>
+          <a:latin typeface="+mn-lt"/>
+          <a:ea typeface="+mn-ea"/>
+          <a:cs typeface="+mn-cs"/>
+        </a:defRPr>
+      </a:lvl5pPr>
+      <a:lvl6pPr marL="2514600" indent="-228600" algn="l" defTabSz="914400" rtl="0" eaLnBrk="1" latinLnBrk="0" hangingPunct="1">
+        <a:lnSpc>
+          <a:spcPct val="90000"/>
+        </a:lnSpc>
+        <a:spcBef>
+          <a:spcPts val="500"/>
+        </a:spcBef>
+        <a:buFont typeface="Arial" panose="020B0604020202020204" pitchFamily="34" charset="0"/>
+        <a:buChar char="•"/>
+        <a:defRPr sz="1800" kern="1200">
+          <a:solidFill>
+            <a:schemeClr val="tx1"/>
+          </a:solidFill>
+          <a:latin typeface="+mn-lt"/>
+          <a:ea typeface="+mn-ea"/>
+          <a:cs typeface="+mn-cs"/>
+        </a:defRPr>
+      </a:lvl6pPr>
+      <a:lvl7pPr marL="2971800" indent="-228600" algn="l" defTabSz="914400" rtl="0" eaLnBrk="1" latinLnBrk="0" hangingPunct="1">
+        <a:lnSpc>
+          <a:spcPct val="90000"/>
+        </a:lnSpc>
+        <a:spcBef>
+          <a:spcPts val="500"/>
+        </a:spcBef>
+        <a:buFont typeface="Arial" panose="020B0604020202020204" pitchFamily="34" charset="0"/>
+        <a:buChar char="•"/>
+        <a:defRPr sz="1800" kern="1200">
+          <a:solidFill>
+            <a:schemeClr val="tx1"/>
+          </a:solidFill>
+          <a:latin typeface="+mn-lt"/>
+          <a:ea typeface="+mn-ea"/>
+          <a:cs typeface="+mn-cs"/>
+        </a:defRPr>
+      </a:lvl7pPr>
+      <a:lvl8pPr marL="3429000" indent="-228600" algn="l" defTabSz="914400" rtl="0" eaLnBrk="1" latinLnBrk="0" hangingPunct="1">
+        <a:lnSpc>
+          <a:spcPct val="90000"/>
+        </a:lnSpc>
+        <a:spcBef>
+          <a:spcPts val="500"/>
+        </a:spcBef>
+        <a:buFont typeface="Arial" panose="020B0604020202020204" pitchFamily="34" charset="0"/>
+        <a:buChar char="•"/>
+        <a:defRPr sz="1800" kern="1200">
+          <a:solidFill>
+            <a:schemeClr val="tx1"/>
+          </a:solidFill>
+          <a:latin typeface="+mn-lt"/>
+          <a:ea typeface="+mn-ea"/>
+          <a:cs typeface="+mn-cs"/>
+        </a:defRPr>
+      </a:lvl8pPr>
+      <a:lvl9pPr marL="3886200" indent="-228600" algn="l" defTabSz="914400" rtl="0" eaLnBrk="1" latinLnBrk="0" hangingPunct="1">
+        <a:lnSpc>
+          <a:spcPct val="90000"/>
+        </a:lnSpc>
+        <a:spcBef>
+          <a:spcPts val="500"/>
+        </a:spcBef>
+        <a:buFont typeface="Arial" panose="020B0604020202020204" pitchFamily="34" charset="0"/>
+        <a:buChar char="•"/>
+        <a:defRPr sz="1800" kern="1200">
+          <a:solidFill>
+            <a:schemeClr val="tx1"/>
+          </a:solidFill>
+          <a:latin typeface="+mn-lt"/>
+          <a:ea typeface="+mn-ea"/>
+          <a:cs typeface="+mn-cs"/>
+        </a:defRPr>
+      </a:lvl9pPr>
+    </p:bodyStyle>
+    <p:otherStyle>
+      <a:defPPr>
+        <a:defRPr lang="en-US"/>
+      </a:defPPr>
+      <a:lvl1pPr marL="0" algn="l" defTabSz="914400" rtl="0" eaLnBrk="1" latinLnBrk="0" hangingPunct="1">
+        <a:defRPr sz="1800" kern="1200">
+          <a:solidFill>
+            <a:schemeClr val="tx1"/>
+          </a:solidFill>
+          <a:latin typeface="+mn-lt"/>
+          <a:ea typeface="+mn-ea"/>
+          <a:cs typeface="+mn-cs"/>
+        </a:defRPr>
+      </a:lvl1pPr>
+      <a:lvl2pPr marL="457200" algn="l" defTabSz="914400" rtl="0" eaLnBrk="1" latinLnBrk="0" hangingPunct="1">
+        <a:defRPr sz="1800" kern="1200">
+          <a:solidFill>
+            <a:schemeClr val="tx1"/>
+          </a:solidFill>
+          <a:latin typeface="+mn-lt"/>
+          <a:ea typeface="+mn-ea"/>
+          <a:cs typeface="+mn-cs"/>
+        </a:defRPr>
+      </a:lvl2pPr>
+      <a:lvl3pPr marL="914400" algn="l" defTabSz="914400" rtl="0" eaLnBrk="1" latinLnBrk="0" hangingPunct="1">
+        <a:defRPr sz="1800" kern="1200">
+          <a:solidFill>
+            <a:schemeClr val="tx1"/>
+          </a:solidFill>
+          <a:latin typeface="+mn-lt"/>
+          <a:ea typeface="+mn-ea"/>
+          <a:cs typeface="+mn-cs"/>
+        </a:defRPr>
+      </a:lvl3pPr>
+      <a:lvl4pPr marL="1371600" algn="l" defTabSz="914400" rtl="0" eaLnBrk="1" latinLnBrk="0" hangingPunct="1">
+        <a:defRPr sz="1800" kern="1200">
+          <a:solidFill>
+            <a:schemeClr val="tx1"/>
+          </a:solidFill>
+          <a:latin typeface="+mn-lt"/>
+          <a:ea typeface="+mn-ea"/>
+          <a:cs typeface="+mn-cs"/>
+        </a:defRPr>
+      </a:lvl4pPr>
+      <a:lvl5pPr marL="1828800" algn="l" defTabSz="914400" rtl="0" eaLnBrk="1" latinLnBrk="0" hangingPunct="1">
+        <a:defRPr sz="1800" kern="1200">
+          <a:solidFill>
+            <a:schemeClr val="tx1"/>
+          </a:solidFill>
+          <a:latin typeface="+mn-lt"/>
+          <a:ea typeface="+mn-ea"/>
+          <a:cs typeface="+mn-cs"/>
+        </a:defRPr>
+      </a:lvl5pPr>
+      <a:lvl6pPr marL="2286000" algn="l" defTabSz="914400" rtl="0" eaLnBrk="1" latinLnBrk="0" hangingPunct="1">
+        <a:defRPr sz="1800" kern="1200">
+          <a:solidFill>
+            <a:schemeClr val="tx1"/>
+          </a:solidFill>
+          <a:latin typeface="+mn-lt"/>
+          <a:ea typeface="+mn-ea"/>
+          <a:cs typeface="+mn-cs"/>
+        </a:defRPr>
+      </a:lvl6pPr>
+      <a:lvl7pPr marL="2743200" algn="l" defTabSz="914400" rtl="0" eaLnBrk="1" latinLnBrk="0" hangingPunct="1">
+        <a:defRPr sz="1800" kern="1200">
+          <a:solidFill>
+            <a:schemeClr val="tx1"/>
+          </a:solidFill>
+          <a:latin typeface="+mn-lt"/>
+          <a:ea typeface="+mn-ea"/>
+          <a:cs typeface="+mn-cs"/>
+        </a:defRPr>
+      </a:lvl7pPr>
+      <a:lvl8pPr marL="3200400" algn="l" defTabSz="914400" rtl="0" eaLnBrk="1" latinLnBrk="0" hangingPunct="1">
+        <a:defRPr sz="1800" kern="1200">
+          <a:solidFill>
+            <a:schemeClr val="tx1"/>
+          </a:solidFill>
+          <a:latin typeface="+mn-lt"/>
+          <a:ea typeface="+mn-ea"/>
+          <a:cs typeface="+mn-cs"/>
+        </a:defRPr>
+      </a:lvl8pPr>
+      <a:lvl9pPr marL="3657600" algn="l" defTabSz="914400" rtl="0" eaLnBrk="1" latinLnBrk="0" hangingPunct="1">
+        <a:defRPr sz="1800" kern="1200">
+          <a:solidFill>
+            <a:schemeClr val="tx1"/>
+          </a:solidFill>
+          <a:latin typeface="+mn-lt"/>
+          <a:ea typeface="+mn-ea"/>
+          <a:cs typeface="+mn-cs"/>
+        </a:defRPr>
+      </a:lvl9pPr>
+    </p:otherStyle>
+  </p:txStyles>
+</p:sldMaster>
+</file>
+
 <file path=ppt/slides/slide1.xml><?xml version="1.0" encoding="utf-8"?>
 <p:sld xmlns:a="http://schemas.openxmlformats.org/drawingml/2006/main" xmlns:r="http://schemas.openxmlformats.org/officeDocument/2006/relationships" xmlns:p="http://schemas.openxmlformats.org/presentationml/2006/main">
   <p:cSld>
@@ -4819,205 +8134,61 @@
       </p:grpSpPr>
       <p:sp>
         <p:nvSpPr>
-          <p:cNvPr id="2" name="Title 1"/>
+          <p:cNvPr id="2" name="Subtitle 1"/>
           <p:cNvSpPr>
             <a:spLocks noGrp="1"/>
           </p:cNvSpPr>
           <p:nvPr>
-            <p:ph type="ctrTitle"/>
-          </p:nvPr>
-        </p:nvSpPr>
-        <p:spPr>
-          <a:xfrm>
-            <a:off x="402305" y="311631"/>
-            <a:ext cx="4182799" cy="1923569"/>
-          </a:xfrm>
-        </p:spPr>
+            <p:ph type="subTitle" idx="1"/>
+          </p:nvPr>
+        </p:nvSpPr>
+        <p:spPr/>
         <p:txBody>
           <a:bodyPr/>
           <a:lstStyle/>
           <a:p>
+            <a:r>
+              <a:rPr lang="en-US" dirty="0" smtClean="0"/>
+              <a:t>Basic Line Follower</a:t>
+            </a:r>
+            <a:endParaRPr lang="en-US" dirty="0"/>
+          </a:p>
+        </p:txBody>
+      </p:sp>
+      <p:sp>
+        <p:nvSpPr>
+          <p:cNvPr id="3" name="Title 2"/>
+          <p:cNvSpPr>
+            <a:spLocks noGrp="1"/>
+          </p:cNvSpPr>
+          <p:nvPr>
+            <p:ph type="ctrTitle"/>
+          </p:nvPr>
+        </p:nvSpPr>
+        <p:spPr/>
+        <p:txBody>
+          <a:bodyPr/>
+          <a:lstStyle/>
+          <a:p>
             <a:pPr algn="ctr"/>
             <a:r>
-              <a:rPr lang="en-US" sz="3200" dirty="0" smtClean="0"/>
-              <a:t>BEGINNER PROGRAMMING</a:t>
-            </a:r>
-            <a:r>
-              <a:rPr lang="en-US" sz="4000" dirty="0" smtClean="0"/>
-              <a:t/>
-            </a:r>
-            <a:br>
-              <a:rPr lang="en-US" sz="4000" dirty="0" smtClean="0"/>
-            </a:br>
-            <a:r>
-              <a:rPr lang="en-US" sz="3200" dirty="0" smtClean="0"/>
-              <a:t>Lesson</a:t>
-            </a:r>
-            <a:endParaRPr lang="en-US" sz="3200" dirty="0"/>
-          </a:p>
-        </p:txBody>
-      </p:sp>
-      <p:sp>
-        <p:nvSpPr>
-          <p:cNvPr id="7" name="TextBox 6"/>
-          <p:cNvSpPr txBox="1"/>
-          <p:nvPr/>
-        </p:nvSpPr>
-        <p:spPr>
-          <a:xfrm>
-            <a:off x="1487501" y="5949643"/>
-            <a:ext cx="4750545" cy="523220"/>
-          </a:xfrm>
-          <a:prstGeom prst="rect">
-            <a:avLst/>
-          </a:prstGeom>
-          <a:noFill/>
-        </p:spPr>
-        <p:txBody>
-          <a:bodyPr wrap="square" rtlCol="0">
-            <a:spAutoFit/>
-          </a:bodyPr>
-          <a:lstStyle/>
-          <a:p>
-            <a:r>
-              <a:rPr lang="en-US" sz="2800" dirty="0" smtClean="0"/>
-              <a:t>By: Droids Robotics</a:t>
-            </a:r>
-          </a:p>
-        </p:txBody>
-      </p:sp>
-      <p:sp>
-        <p:nvSpPr>
-          <p:cNvPr id="4" name="TextBox 3"/>
-          <p:cNvSpPr txBox="1"/>
-          <p:nvPr/>
-        </p:nvSpPr>
-        <p:spPr>
-          <a:xfrm>
-            <a:off x="550088" y="2713113"/>
-            <a:ext cx="8187512" cy="954107"/>
-          </a:xfrm>
-          <a:prstGeom prst="rect">
-            <a:avLst/>
-          </a:prstGeom>
-          <a:noFill/>
-        </p:spPr>
-        <p:txBody>
-          <a:bodyPr wrap="square" rtlCol="0">
-            <a:spAutoFit/>
-          </a:bodyPr>
-          <a:lstStyle/>
-          <a:p>
-            <a:r>
-              <a:rPr lang="en-US" sz="2800" dirty="0" smtClean="0">
-                <a:solidFill>
-                  <a:srgbClr val="FF0000"/>
-                </a:solidFill>
-              </a:rPr>
-              <a:t>Basic Line </a:t>
-            </a:r>
-            <a:r>
-              <a:rPr lang="en-US" sz="2800" dirty="0">
-                <a:solidFill>
-                  <a:srgbClr val="FF0000"/>
-                </a:solidFill>
-              </a:rPr>
-              <a:t>Follower</a:t>
-            </a:r>
-          </a:p>
-          <a:p>
-            <a:endParaRPr lang="en-US" sz="2800" dirty="0"/>
-          </a:p>
-        </p:txBody>
-      </p:sp>
-      <p:pic>
-        <p:nvPicPr>
-          <p:cNvPr id="1026" name="Picture 2" descr="EV3Lessons.com"/>
-          <p:cNvPicPr>
-            <a:picLocks noChangeAspect="1" noChangeArrowheads="1"/>
-          </p:cNvPicPr>
-          <p:nvPr/>
-        </p:nvPicPr>
-        <p:blipFill>
-          <a:blip r:embed="rId3">
-            <a:extLst>
-              <a:ext uri="{28A0092B-C50C-407E-A947-70E740481C1C}">
-                <a14:useLocalDpi xmlns:a14="http://schemas.microsoft.com/office/drawing/2010/main" val="0"/>
-              </a:ext>
-            </a:extLst>
-          </a:blip>
-          <a:srcRect/>
-          <a:stretch>
-            <a:fillRect/>
-          </a:stretch>
-        </p:blipFill>
-        <p:spPr bwMode="auto">
-          <a:xfrm>
-            <a:off x="4585105" y="436041"/>
-            <a:ext cx="4231698" cy="1571774"/>
-          </a:xfrm>
-          <a:prstGeom prst="rect">
-            <a:avLst/>
-          </a:prstGeom>
-          <a:noFill/>
-          <a:extLst>
-            <a:ext uri="{909E8E84-426E-40dd-AFC4-6F175D3DCCD1}">
-              <a14:hiddenFill xmlns="" xmlns:a14="http://schemas.microsoft.com/office/drawing/2010/main">
-                <a:solidFill>
-                  <a:srgbClr val="FFFFFF"/>
-                </a:solidFill>
-              </a14:hiddenFill>
-            </a:ext>
-          </a:extLst>
-        </p:spPr>
-      </p:pic>
-      <p:pic>
-        <p:nvPicPr>
-          <p:cNvPr id="5" name="Picture 4"/>
-          <p:cNvPicPr>
-            <a:picLocks noChangeAspect="1"/>
-          </p:cNvPicPr>
-          <p:nvPr/>
-        </p:nvPicPr>
-        <p:blipFill>
-          <a:blip r:embed="rId4">
-            <a:extLst>
-              <a:ext uri="{28A0092B-C50C-407E-A947-70E740481C1C}">
-                <a14:useLocalDpi xmlns:a14="http://schemas.microsoft.com/office/drawing/2010/main" val="0"/>
-              </a:ext>
-            </a:extLst>
-          </a:blip>
-          <a:stretch>
-            <a:fillRect/>
-          </a:stretch>
-        </p:blipFill>
-        <p:spPr>
-          <a:xfrm>
-            <a:off x="231228" y="5244661"/>
-            <a:ext cx="1283834" cy="1228201"/>
-          </a:xfrm>
-          <a:prstGeom prst="rect">
-            <a:avLst/>
-          </a:prstGeom>
-        </p:spPr>
-      </p:pic>
+              <a:rPr lang="en-US" dirty="0" smtClean="0"/>
+              <a:t>Beginner Programming Lesson</a:t>
+            </a:r>
+            <a:endParaRPr lang="en-US" dirty="0"/>
+          </a:p>
+        </p:txBody>
+      </p:sp>
     </p:spTree>
     <p:extLst>
       <p:ext uri="{BB962C8B-B14F-4D97-AF65-F5344CB8AC3E}">
-        <p14:creationId xmlns:p14="http://schemas.microsoft.com/office/powerpoint/2010/main" val="321107081"/>
+        <p14:creationId xmlns:p14="http://schemas.microsoft.com/office/powerpoint/2010/main" val="414400893"/>
       </p:ext>
     </p:extLst>
   </p:cSld>
   <p:clrMapOvr>
     <a:masterClrMapping/>
   </p:clrMapOvr>
-  <p:timing>
-    <p:tnLst>
-      <p:par>
-        <p:cTn id="1" dur="indefinite" restart="never" nodeType="tmRoot"/>
-      </p:par>
-    </p:tnLst>
-  </p:timing>
 </p:sld>
 </file>
 
@@ -5184,8 +8355,8 @@
           <a:lstStyle/>
           <a:p>
             <a:r>
-              <a:rPr lang="en-US" smtClean="0"/>
-              <a:t>© 2015 EV3Lessons.com (Last edit: 2/28/2015)</a:t>
+              <a:rPr lang="sk-SK" smtClean="0"/>
+              <a:t>© 2016 EV3Lessons.com (Last edit: 7/04/2016)</a:t>
             </a:r>
             <a:endParaRPr lang="en-US"/>
           </a:p>
@@ -5198,7 +8369,7 @@
             <a:spLocks noGrp="1"/>
           </p:cNvSpPr>
           <p:nvPr>
-            <p:ph type="sldNum" sz="quarter" idx="4"/>
+            <p:ph type="sldNum" sz="quarter" idx="12"/>
           </p:nvPr>
         </p:nvSpPr>
         <p:spPr/>
@@ -6152,8 +9323,8 @@
           <a:lstStyle/>
           <a:p>
             <a:r>
-              <a:rPr lang="en-US" smtClean="0"/>
-              <a:t>© 2015 EV3Lessons.com (Last edit: 2/28/2015)</a:t>
+              <a:rPr lang="sk-SK" smtClean="0"/>
+              <a:t>© 2016 EV3Lessons.com (Last edit: 7/04/2016)</a:t>
             </a:r>
             <a:endParaRPr lang="en-US"/>
           </a:p>
@@ -6166,7 +9337,7 @@
             <a:spLocks noGrp="1"/>
           </p:cNvSpPr>
           <p:nvPr>
-            <p:ph type="sldNum" sz="quarter" idx="4"/>
+            <p:ph type="sldNum" sz="quarter" idx="12"/>
           </p:nvPr>
         </p:nvSpPr>
         <p:spPr/>
@@ -6209,14 +9380,14 @@
           </a:ln>
           <a:extLst>
             <a:ext uri="{909E8E84-426E-40dd-AFC4-6F175D3DCCD1}">
-              <a14:hiddenFill xmlns="" xmlns:a14="http://schemas.microsoft.com/office/drawing/2010/main">
+              <a14:hiddenFill xmlns:a14="http://schemas.microsoft.com/office/drawing/2010/main" xmlns="">
                 <a:solidFill>
                   <a:srgbClr val="FFFFFF"/>
                 </a:solidFill>
               </a14:hiddenFill>
             </a:ext>
             <a:ext uri="{91240B29-F687-4f45-9708-019B960494DF}">
-              <a14:hiddenLine xmlns="" xmlns:a14="http://schemas.microsoft.com/office/drawing/2010/main" w="9525">
+              <a14:hiddenLine xmlns:a14="http://schemas.microsoft.com/office/drawing/2010/main" xmlns="" w="9525">
                 <a:solidFill>
                   <a:srgbClr val="000000"/>
                 </a:solidFill>
@@ -6662,8 +9833,8 @@
           <a:lstStyle/>
           <a:p>
             <a:r>
-              <a:rPr lang="en-US" smtClean="0"/>
-              <a:t>© 2015 EV3Lessons.com (Last edit: 2/28/2015)</a:t>
+              <a:rPr lang="sk-SK" smtClean="0"/>
+              <a:t>© 2016 EV3Lessons.com (Last edit: 7/04/2016)</a:t>
             </a:r>
             <a:endParaRPr lang="en-US"/>
           </a:p>
@@ -6676,7 +9847,7 @@
             <a:spLocks noGrp="1"/>
           </p:cNvSpPr>
           <p:nvPr>
-            <p:ph type="sldNum" sz="quarter" idx="4"/>
+            <p:ph type="sldNum" sz="quarter" idx="12"/>
           </p:nvPr>
         </p:nvSpPr>
         <p:spPr/>
@@ -6719,14 +9890,14 @@
           </a:ln>
           <a:extLst>
             <a:ext uri="{909E8E84-426E-40dd-AFC4-6F175D3DCCD1}">
-              <a14:hiddenFill xmlns="" xmlns:a14="http://schemas.microsoft.com/office/drawing/2010/main">
+              <a14:hiddenFill xmlns:a14="http://schemas.microsoft.com/office/drawing/2010/main" xmlns="">
                 <a:solidFill>
                   <a:srgbClr val="FFFFFF"/>
                 </a:solidFill>
               </a14:hiddenFill>
             </a:ext>
             <a:ext uri="{91240B29-F687-4f45-9708-019B960494DF}">
-              <a14:hiddenLine xmlns="" xmlns:a14="http://schemas.microsoft.com/office/drawing/2010/main" w="9525">
+              <a14:hiddenLine xmlns:a14="http://schemas.microsoft.com/office/drawing/2010/main" xmlns="" w="9525">
                 <a:solidFill>
                   <a:srgbClr val="000000"/>
                 </a:solidFill>
@@ -7170,8 +10341,8 @@
           <a:lstStyle/>
           <a:p>
             <a:r>
-              <a:rPr lang="en-US" smtClean="0"/>
-              <a:t>© 2015 EV3Lessons.com (Last edit: 2/28/2015)</a:t>
+              <a:rPr lang="sk-SK" smtClean="0"/>
+              <a:t>© 2016 EV3Lessons.com (Last edit: 7/04/2016)</a:t>
             </a:r>
             <a:endParaRPr lang="en-US"/>
           </a:p>
@@ -7184,7 +10355,7 @@
             <a:spLocks noGrp="1"/>
           </p:cNvSpPr>
           <p:nvPr>
-            <p:ph type="sldNum" sz="quarter" idx="4"/>
+            <p:ph type="sldNum" sz="quarter" idx="12"/>
           </p:nvPr>
         </p:nvSpPr>
         <p:spPr/>
@@ -7321,8 +10492,8 @@
           <a:lstStyle/>
           <a:p>
             <a:r>
-              <a:rPr lang="en-US" smtClean="0"/>
-              <a:t>© 2015 EV3Lessons.com (Last edit: 2/28/2015)</a:t>
+              <a:rPr lang="sk-SK" smtClean="0"/>
+              <a:t>© 2016 EV3Lessons.com (Last edit: 7/04/2016)</a:t>
             </a:r>
             <a:endParaRPr lang="en-US"/>
           </a:p>
@@ -7335,7 +10506,7 @@
             <a:spLocks noGrp="1"/>
           </p:cNvSpPr>
           <p:nvPr>
-            <p:ph type="sldNum" sz="quarter" idx="4"/>
+            <p:ph type="sldNum" sz="quarter" idx="12"/>
           </p:nvPr>
         </p:nvSpPr>
         <p:spPr/>
@@ -7569,8 +10740,8 @@
           <a:lstStyle/>
           <a:p>
             <a:r>
-              <a:rPr lang="en-US" smtClean="0"/>
-              <a:t>© 2015 EV3Lessons.com (Last edit: 2/28/2015)</a:t>
+              <a:rPr lang="sk-SK" smtClean="0"/>
+              <a:t>© 2016 EV3Lessons.com (Last edit: 7/04/2016)</a:t>
             </a:r>
             <a:endParaRPr lang="en-US"/>
           </a:p>
@@ -7583,7 +10754,7 @@
             <a:spLocks noGrp="1"/>
           </p:cNvSpPr>
           <p:nvPr>
-            <p:ph type="sldNum" sz="quarter" idx="4"/>
+            <p:ph type="sldNum" sz="quarter" idx="12"/>
           </p:nvPr>
         </p:nvSpPr>
         <p:spPr/>
@@ -7921,8 +11092,8 @@
           <a:lstStyle/>
           <a:p>
             <a:r>
-              <a:rPr lang="en-US" smtClean="0"/>
-              <a:t>© 2015 EV3Lessons.com (Last edit: 2/28/2015)</a:t>
+              <a:rPr lang="sk-SK" smtClean="0"/>
+              <a:t>© 2016 EV3Lessons.com (Last edit: 7/04/2016)</a:t>
             </a:r>
             <a:endParaRPr lang="en-US"/>
           </a:p>
@@ -7935,7 +11106,7 @@
             <a:spLocks noGrp="1"/>
           </p:cNvSpPr>
           <p:nvPr>
-            <p:ph type="sldNum" sz="quarter" idx="4"/>
+            <p:ph type="sldNum" sz="quarter" idx="12"/>
           </p:nvPr>
         </p:nvSpPr>
         <p:spPr/>
@@ -8241,39 +11412,65 @@
             <p:ph idx="1"/>
           </p:nvPr>
         </p:nvSpPr>
-        <p:spPr/>
+        <p:spPr>
+          <a:xfrm>
+            <a:off x="457200" y="1415144"/>
+            <a:ext cx="8245474" cy="4711020"/>
+          </a:xfrm>
+        </p:spPr>
         <p:txBody>
           <a:bodyPr/>
           <a:lstStyle/>
           <a:p>
-            <a:r>
-              <a:rPr lang="en-US" smtClean="0"/>
-              <a:t>This tutorial was created by Sanjay Seshan and Arvind Seshan from Droids Robotics.</a:t>
-            </a:r>
-          </a:p>
-          <a:p>
-            <a:r>
-              <a:rPr lang="en-US" smtClean="0"/>
-              <a:t>More lessons are available at www.ev3lessons.com</a:t>
-            </a:r>
-          </a:p>
-          <a:p>
-            <a:r>
-              <a:rPr lang="en-US" smtClean="0"/>
-              <a:t>Author’s Email: </a:t>
-            </a:r>
-            <a:r>
-              <a:rPr lang="en-US" smtClean="0">
-                <a:hlinkClick r:id="rId3"/>
-              </a:rPr>
-              <a:t>team@droidsrobotics.org</a:t>
-            </a:r>
-            <a:r>
-              <a:rPr lang="en-US" smtClean="0"/>
+            <a:pPr marL="342900" indent="-342900">
+              <a:buFont typeface="Arial" charset="0"/>
+              <a:buChar char="•"/>
+            </a:pPr>
+            <a:r>
+              <a:rPr lang="en-US" dirty="0" smtClean="0"/>
+              <a:t>This tutorial was created by Sanjay </a:t>
+            </a:r>
+            <a:r>
+              <a:rPr lang="en-US" dirty="0" err="1" smtClean="0"/>
+              <a:t>Seshan</a:t>
+            </a:r>
+            <a:r>
+              <a:rPr lang="en-US" dirty="0" smtClean="0"/>
+              <a:t> and Arvind </a:t>
+            </a:r>
+            <a:r>
+              <a:rPr lang="en-US" dirty="0" err="1" smtClean="0"/>
+              <a:t>Seshan</a:t>
+            </a:r>
+            <a:r>
+              <a:rPr lang="en-US" dirty="0" smtClean="0"/>
+              <a:t> </a:t>
+            </a:r>
+            <a:endParaRPr lang="en-US" dirty="0" smtClean="0"/>
+          </a:p>
+          <a:p>
+            <a:pPr marL="342900" indent="-342900">
+              <a:buFont typeface="Arial" charset="0"/>
+              <a:buChar char="•"/>
+            </a:pPr>
+            <a:r>
+              <a:rPr lang="en-US" dirty="0" smtClean="0"/>
+              <a:t>More </a:t>
+            </a:r>
+            <a:r>
+              <a:rPr lang="en-US" dirty="0" smtClean="0"/>
+              <a:t>lessons are available at </a:t>
+            </a:r>
+            <a:r>
+              <a:rPr lang="en-US" dirty="0" smtClean="0"/>
+              <a:t>www.ev3lessons.com</a:t>
+            </a:r>
+            <a:r>
+              <a:rPr lang="en-US" dirty="0" smtClean="0"/>
               <a:t/>
             </a:r>
             <a:br>
-              <a:rPr lang="en-US" smtClean="0"/>
+              <a:rPr lang="en-US" dirty="0" smtClean="0"/>
             </a:br>
             <a:endParaRPr lang="en-US" dirty="0" smtClean="0"/>
           </a:p>
@@ -8295,8 +11492,8 @@
           <a:lstStyle/>
           <a:p>
             <a:r>
-              <a:rPr lang="en-US" smtClean="0"/>
-              <a:t>© 2015 EV3Lessons.com (Last edit: 2/28/2015)</a:t>
+              <a:rPr lang="sk-SK" smtClean="0"/>
+              <a:t>© 2016 EV3Lessons.com (Last edit: 7/04/2016)</a:t>
             </a:r>
             <a:endParaRPr lang="en-US" dirty="0"/>
           </a:p>
@@ -8309,7 +11506,7 @@
             <a:spLocks noGrp="1"/>
           </p:cNvSpPr>
           <p:nvPr>
-            <p:ph type="sldNum" sz="quarter" idx="4"/>
+            <p:ph type="sldNum" sz="quarter" idx="12"/>
           </p:nvPr>
         </p:nvSpPr>
         <p:spPr/>
@@ -8351,7 +11548,7 @@
           <a:effectLst/>
           <a:extLst>
             <a:ext uri="{91240B29-F687-4f45-9708-019B960494DF}">
-              <a14:hiddenLine xmlns="" xmlns:a14="http://schemas.microsoft.com/office/drawing/2010/main" w="9525">
+              <a14:hiddenLine xmlns:a14="http://schemas.microsoft.com/office/drawing/2010/main" xmlns="" w="9525">
                 <a:solidFill>
                   <a:schemeClr val="tx1"/>
                 </a:solidFill>
@@ -8361,7 +11558,7 @@
               </a14:hiddenLine>
             </a:ext>
             <a:ext uri="{AF507438-7753-43e0-B8FC-AC1667EBCBE1}">
-              <a14:hiddenEffects xmlns="" xmlns:a14="http://schemas.microsoft.com/office/drawing/2010/main">
+              <a14:hiddenEffects xmlns:a14="http://schemas.microsoft.com/office/drawing/2010/main" xmlns="">
                 <a:effectLst>
                   <a:outerShdw dist="35921" dir="2700000" algn="ctr" rotWithShape="0">
                     <a:schemeClr val="bg2"/>
@@ -8582,7 +11779,7 @@
                 </a:solidFill>
                 <a:effectLst/>
                 <a:latin typeface="Helvetica Neue"/>
-                <a:hlinkClick r:id="rId4"/>
+                <a:hlinkClick r:id="rId3"/>
               </a:rPr>
               <a:t>Creative Commons Attribution-</a:t>
             </a:r>
@@ -8596,7 +11793,7 @@
                 </a:solidFill>
                 <a:effectLst/>
                 <a:latin typeface="Helvetica Neue"/>
-                <a:hlinkClick r:id="rId4"/>
+                <a:hlinkClick r:id="rId3"/>
               </a:rPr>
               <a:t>NonCommercial</a:t>
             </a:r>
@@ -8610,7 +11807,7 @@
                 </a:solidFill>
                 <a:effectLst/>
                 <a:latin typeface="Helvetica Neue"/>
-                <a:hlinkClick r:id="rId4"/>
+                <a:hlinkClick r:id="rId3"/>
               </a:rPr>
               <a:t>-</a:t>
             </a:r>
@@ -8624,7 +11821,7 @@
                 </a:solidFill>
                 <a:effectLst/>
                 <a:latin typeface="Helvetica Neue"/>
-                <a:hlinkClick r:id="rId4"/>
+                <a:hlinkClick r:id="rId3"/>
               </a:rPr>
               <a:t>ShareAlike</a:t>
             </a:r>
@@ -8638,7 +11835,7 @@
                 </a:solidFill>
                 <a:effectLst/>
                 <a:latin typeface="Helvetica Neue"/>
-                <a:hlinkClick r:id="rId4"/>
+                <a:hlinkClick r:id="rId3"/>
               </a:rPr>
               <a:t> 4.0 International License</a:t>
             </a:r>
@@ -8683,7 +11880,7 @@
       <p:pic>
         <p:nvPicPr>
           <p:cNvPr id="2050" name="Picture 2" descr="Creative Commons License">
-            <a:hlinkClick r:id="rId4"/>
+            <a:hlinkClick r:id="rId3"/>
           </p:cNvPr>
           <p:cNvPicPr>
             <a:picLocks noChangeAspect="1" noChangeArrowheads="1"/>
@@ -8691,7 +11888,7 @@
           <p:nvPr/>
         </p:nvPicPr>
         <p:blipFill>
-          <a:blip r:embed="rId5">
+          <a:blip r:embed="rId4">
             <a:extLst>
               <a:ext uri="{28A0092B-C50C-407E-A947-70E740481C1C}">
                 <a14:useLocalDpi xmlns:a14="http://schemas.microsoft.com/office/drawing/2010/main" val="0"/>
@@ -8714,7 +11911,7 @@
           <a:noFill/>
           <a:extLst>
             <a:ext uri="{909E8E84-426E-40dd-AFC4-6F175D3DCCD1}">
-              <a14:hiddenFill xmlns="" xmlns:a14="http://schemas.microsoft.com/office/drawing/2010/main">
+              <a14:hiddenFill xmlns:a14="http://schemas.microsoft.com/office/drawing/2010/main" xmlns="">
                 <a:solidFill>
                   <a:srgbClr val="FFFFFF"/>
                 </a:solidFill>
@@ -8875,8 +12072,8 @@
           <a:lstStyle/>
           <a:p>
             <a:r>
-              <a:rPr lang="en-US" smtClean="0"/>
-              <a:t>© 2015 EV3Lessons.com (Last edit: 2/28/2015)</a:t>
+              <a:rPr lang="sk-SK" smtClean="0"/>
+              <a:t>© 2016 EV3Lessons.com (Last edit: 7/04/2016)</a:t>
             </a:r>
             <a:endParaRPr lang="en-US"/>
           </a:p>
@@ -8889,7 +12086,7 @@
             <a:spLocks noGrp="1"/>
           </p:cNvSpPr>
           <p:nvPr>
-            <p:ph type="sldNum" sz="quarter" idx="4"/>
+            <p:ph type="sldNum" sz="quarter" idx="12"/>
           </p:nvPr>
         </p:nvSpPr>
         <p:spPr/>
@@ -9051,8 +12248,8 @@
           <a:lstStyle/>
           <a:p>
             <a:r>
-              <a:rPr lang="en-US" smtClean="0"/>
-              <a:t>© 2015 EV3Lessons.com (Last edit: 2/28/2015)</a:t>
+              <a:rPr lang="sk-SK" smtClean="0"/>
+              <a:t>© 2016 EV3Lessons.com (Last edit: 7/04/2016)</a:t>
             </a:r>
             <a:endParaRPr lang="en-US"/>
           </a:p>
@@ -9065,7 +12262,7 @@
             <a:spLocks noGrp="1"/>
           </p:cNvSpPr>
           <p:nvPr>
-            <p:ph type="sldNum" sz="quarter" idx="4"/>
+            <p:ph type="sldNum" sz="quarter" idx="12"/>
           </p:nvPr>
         </p:nvSpPr>
         <p:spPr/>
@@ -9204,8 +12401,8 @@
           <a:lstStyle/>
           <a:p>
             <a:r>
-              <a:rPr lang="en-US" smtClean="0"/>
-              <a:t>© 2015 EV3Lessons.com (Last edit: 2/28/2015)</a:t>
+              <a:rPr lang="sk-SK" smtClean="0"/>
+              <a:t>© 2016 EV3Lessons.com (Last edit: 7/04/2016)</a:t>
             </a:r>
             <a:endParaRPr lang="en-US"/>
           </a:p>
@@ -9218,7 +12415,7 @@
             <a:spLocks noGrp="1"/>
           </p:cNvSpPr>
           <p:nvPr>
-            <p:ph type="sldNum" sz="quarter" idx="4"/>
+            <p:ph type="sldNum" sz="quarter" idx="12"/>
           </p:nvPr>
         </p:nvSpPr>
         <p:spPr/>
@@ -10739,8 +13936,8 @@
           <a:lstStyle/>
           <a:p>
             <a:r>
-              <a:rPr lang="en-US" smtClean="0"/>
-              <a:t>© 2015 EV3Lessons.com (Last edit: 2/28/2015)</a:t>
+              <a:rPr lang="sk-SK" smtClean="0"/>
+              <a:t>© 2016 EV3Lessons.com (Last edit: 7/04/2016)</a:t>
             </a:r>
             <a:endParaRPr lang="en-US"/>
           </a:p>
@@ -10753,7 +13950,7 @@
             <a:spLocks noGrp="1"/>
           </p:cNvSpPr>
           <p:nvPr>
-            <p:ph type="sldNum" sz="quarter" idx="4"/>
+            <p:ph type="sldNum" sz="quarter" idx="12"/>
           </p:nvPr>
         </p:nvSpPr>
         <p:spPr/>
@@ -12452,8 +15649,8 @@
           <a:lstStyle/>
           <a:p>
             <a:r>
-              <a:rPr lang="en-US" smtClean="0"/>
-              <a:t>© 2015 EV3Lessons.com (Last edit: 2/28/2015)</a:t>
+              <a:rPr lang="sk-SK" smtClean="0"/>
+              <a:t>© 2016 EV3Lessons.com (Last edit: 7/04/2016)</a:t>
             </a:r>
             <a:endParaRPr lang="en-US"/>
           </a:p>
@@ -12466,7 +15663,7 @@
             <a:spLocks noGrp="1"/>
           </p:cNvSpPr>
           <p:nvPr>
-            <p:ph type="sldNum" sz="quarter" idx="4"/>
+            <p:ph type="sldNum" sz="quarter" idx="12"/>
           </p:nvPr>
         </p:nvSpPr>
         <p:spPr/>
@@ -13252,8 +16449,8 @@
           <a:lstStyle/>
           <a:p>
             <a:r>
-              <a:rPr lang="en-US" smtClean="0"/>
-              <a:t>© 2015 EV3Lessons.com (Last edit: 2/28/2015)</a:t>
+              <a:rPr lang="sk-SK" smtClean="0"/>
+              <a:t>© 2016 EV3Lessons.com (Last edit: 7/04/2016)</a:t>
             </a:r>
             <a:endParaRPr lang="en-US"/>
           </a:p>
@@ -13266,7 +16463,7 @@
             <a:spLocks noGrp="1"/>
           </p:cNvSpPr>
           <p:nvPr>
-            <p:ph type="sldNum" sz="quarter" idx="4"/>
+            <p:ph type="sldNum" sz="quarter" idx="12"/>
           </p:nvPr>
         </p:nvSpPr>
         <p:spPr/>
@@ -13707,8 +16904,8 @@
           <a:lstStyle/>
           <a:p>
             <a:r>
-              <a:rPr lang="en-US" smtClean="0"/>
-              <a:t>© 2015 EV3Lessons.com (Last edit: 2/28/2015)</a:t>
+              <a:rPr lang="sk-SK" smtClean="0"/>
+              <a:t>© 2016 EV3Lessons.com (Last edit: 7/04/2016)</a:t>
             </a:r>
             <a:endParaRPr lang="en-US"/>
           </a:p>
@@ -13721,7 +16918,7 @@
             <a:spLocks noGrp="1"/>
           </p:cNvSpPr>
           <p:nvPr>
-            <p:ph type="sldNum" sz="quarter" idx="4"/>
+            <p:ph type="sldNum" sz="quarter" idx="12"/>
           </p:nvPr>
         </p:nvSpPr>
         <p:spPr/>
@@ -13845,7 +17042,7 @@
               </a:ln>
               <a:extLst>
                 <a:ext uri="{909E8E84-426E-40dd-AFC4-6F175D3DCCD1}">
-                  <a14:hiddenFill xmlns="" xmlns:a14="http://schemas.microsoft.com/office/drawing/2010/main">
+                  <a14:hiddenFill xmlns:a14="http://schemas.microsoft.com/office/drawing/2010/main" xmlns="">
                     <a:noFill/>
                   </a14:hiddenFill>
                 </a:ext>
@@ -13890,7 +17087,7 @@
               </a:ln>
               <a:extLst>
                 <a:ext uri="{909E8E84-426E-40dd-AFC4-6F175D3DCCD1}">
-                  <a14:hiddenFill xmlns="" xmlns:a14="http://schemas.microsoft.com/office/drawing/2010/main">
+                  <a14:hiddenFill xmlns:a14="http://schemas.microsoft.com/office/drawing/2010/main" xmlns="">
                     <a:noFill/>
                   </a14:hiddenFill>
                 </a:ext>
@@ -13952,7 +17149,7 @@
               </a:ln>
               <a:extLst>
                 <a:ext uri="{909E8E84-426E-40dd-AFC4-6F175D3DCCD1}">
-                  <a14:hiddenFill xmlns="" xmlns:a14="http://schemas.microsoft.com/office/drawing/2010/main">
+                  <a14:hiddenFill xmlns:a14="http://schemas.microsoft.com/office/drawing/2010/main" xmlns="">
                     <a:noFill/>
                   </a14:hiddenFill>
                 </a:ext>
@@ -13997,7 +17194,7 @@
               </a:ln>
               <a:extLst>
                 <a:ext uri="{909E8E84-426E-40dd-AFC4-6F175D3DCCD1}">
-                  <a14:hiddenFill xmlns="" xmlns:a14="http://schemas.microsoft.com/office/drawing/2010/main">
+                  <a14:hiddenFill xmlns:a14="http://schemas.microsoft.com/office/drawing/2010/main" xmlns="">
                     <a:noFill/>
                   </a14:hiddenFill>
                 </a:ext>
@@ -14990,8 +18187,8 @@
           <a:lstStyle/>
           <a:p>
             <a:r>
-              <a:rPr lang="en-US" smtClean="0"/>
-              <a:t>© 2015 EV3Lessons.com (Last edit: 2/28/2015)</a:t>
+              <a:rPr lang="sk-SK" smtClean="0"/>
+              <a:t>© 2016 EV3Lessons.com (Last edit: 7/04/2016)</a:t>
             </a:r>
             <a:endParaRPr lang="en-US"/>
           </a:p>
@@ -15004,7 +18201,7 @@
             <a:spLocks noGrp="1"/>
           </p:cNvSpPr>
           <p:nvPr>
-            <p:ph type="sldNum" sz="quarter" idx="4"/>
+            <p:ph type="sldNum" sz="quarter" idx="12"/>
           </p:nvPr>
         </p:nvSpPr>
         <p:spPr/>
@@ -16684,7 +19881,7 @@
 </file>
 
 <file path=ppt/theme/theme1.xml><?xml version="1.0" encoding="utf-8"?>
-<a:theme xmlns:a="http://schemas.openxmlformats.org/drawingml/2006/main" name="Essential">
+<a:theme xmlns:a="http://schemas.openxmlformats.org/drawingml/2006/main" name="beginner">
   <a:themeElements>
     <a:clrScheme name="Essential">
       <a:dk1>
@@ -16933,11 +20130,16 @@
   </a:themeElements>
   <a:objectDefaults/>
   <a:extraClrSchemeLst/>
+  <a:extLst>
+    <a:ext uri="{05A4C25C-085E-4340-85A3-A5531E510DB2}">
+      <thm15:themeFamily xmlns:thm15="http://schemas.microsoft.com/office/thememl/2012/main" name="beginner" id="{AEF29D72-34CC-C448-A679-08550D2D21D1}" vid="{04B54D62-7BE5-DF47-9F85-5B9FEF4E3E09}"/>
+    </a:ext>
+  </a:extLst>
 </a:theme>
 </file>
 
 <file path=ppt/theme/theme2.xml><?xml version="1.0" encoding="utf-8"?>
-<a:theme xmlns:a="http://schemas.openxmlformats.org/drawingml/2006/main" name="Office Theme">
+<a:theme xmlns:a="http://schemas.openxmlformats.org/drawingml/2006/main" name="Custom Design">
   <a:themeElements>
     <a:clrScheme name="Office">
       <a:dk1>
@@ -16947,39 +20149,39 @@
         <a:sysClr val="window" lastClr="FFFFFF"/>
       </a:lt1>
       <a:dk2>
-        <a:srgbClr val="1F497D"/>
+        <a:srgbClr val="44546A"/>
       </a:dk2>
       <a:lt2>
-        <a:srgbClr val="EEECE1"/>
+        <a:srgbClr val="E7E6E6"/>
       </a:lt2>
       <a:accent1>
-        <a:srgbClr val="4F81BD"/>
+        <a:srgbClr val="5B9BD5"/>
       </a:accent1>
       <a:accent2>
-        <a:srgbClr val="C0504D"/>
+        <a:srgbClr val="ED7D31"/>
       </a:accent2>
       <a:accent3>
-        <a:srgbClr val="9BBB59"/>
+        <a:srgbClr val="A5A5A5"/>
       </a:accent3>
       <a:accent4>
-        <a:srgbClr val="8064A2"/>
+        <a:srgbClr val="FFC000"/>
       </a:accent4>
       <a:accent5>
-        <a:srgbClr val="4BACC6"/>
+        <a:srgbClr val="4472C4"/>
       </a:accent5>
       <a:accent6>
-        <a:srgbClr val="F79646"/>
+        <a:srgbClr val="70AD47"/>
       </a:accent6>
       <a:hlink>
-        <a:srgbClr val="0000FF"/>
+        <a:srgbClr val="0563C1"/>
       </a:hlink>
       <a:folHlink>
-        <a:srgbClr val="800080"/>
+        <a:srgbClr val="954F72"/>
       </a:folHlink>
     </a:clrScheme>
     <a:fontScheme name="Office">
       <a:majorFont>
-        <a:latin typeface="Calibri"/>
+        <a:latin typeface="Calibri Light"/>
         <a:ea typeface=""/>
         <a:cs typeface=""/>
         <a:font script="Jpan" typeface="ＭＳ Ｐゴシック"/>
@@ -17058,201 +20260,142 @@
           <a:gsLst>
             <a:gs pos="0">
               <a:schemeClr val="phClr">
-                <a:tint val="50000"/>
-                <a:satMod val="300000"/>
+                <a:lumMod val="110000"/>
+                <a:satMod val="105000"/>
+                <a:tint val="67000"/>
               </a:schemeClr>
             </a:gs>
-            <a:gs pos="35000">
+            <a:gs pos="50000">
               <a:schemeClr val="phClr">
-                <a:tint val="37000"/>
-                <a:satMod val="300000"/>
+                <a:lumMod val="105000"/>
+                <a:satMod val="103000"/>
+                <a:tint val="73000"/>
               </a:schemeClr>
             </a:gs>
             <a:gs pos="100000">
               <a:schemeClr val="phClr">
-                <a:tint val="15000"/>
-                <a:satMod val="350000"/>
+                <a:lumMod val="105000"/>
+                <a:satMod val="109000"/>
+                <a:tint val="81000"/>
               </a:schemeClr>
             </a:gs>
           </a:gsLst>
-          <a:lin ang="16200000" scaled="1"/>
+          <a:lin ang="5400000" scaled="0"/>
         </a:gradFill>
         <a:gradFill rotWithShape="1">
           <a:gsLst>
             <a:gs pos="0">
               <a:schemeClr val="phClr">
-                <a:tint val="100000"/>
+                <a:satMod val="103000"/>
+                <a:lumMod val="102000"/>
+                <a:tint val="94000"/>
+              </a:schemeClr>
+            </a:gs>
+            <a:gs pos="50000">
+              <a:schemeClr val="phClr">
+                <a:satMod val="110000"/>
+                <a:lumMod val="100000"/>
                 <a:shade val="100000"/>
-                <a:satMod val="130000"/>
               </a:schemeClr>
             </a:gs>
             <a:gs pos="100000">
               <a:schemeClr val="phClr">
-                <a:tint val="50000"/>
-                <a:shade val="100000"/>
-                <a:satMod val="350000"/>
+                <a:lumMod val="99000"/>
+                <a:satMod val="120000"/>
+                <a:shade val="78000"/>
               </a:schemeClr>
             </a:gs>
           </a:gsLst>
-          <a:lin ang="16200000" scaled="0"/>
+          <a:lin ang="5400000" scaled="0"/>
         </a:gradFill>
       </a:fillStyleLst>
       <a:lnStyleLst>
-        <a:ln w="9525" cap="flat" cmpd="sng" algn="ctr">
-          <a:solidFill>
-            <a:schemeClr val="phClr">
-              <a:shade val="95000"/>
-              <a:satMod val="105000"/>
-            </a:schemeClr>
-          </a:solidFill>
-          <a:prstDash val="solid"/>
-        </a:ln>
-        <a:ln w="25400" cap="flat" cmpd="sng" algn="ctr">
+        <a:ln w="6350" cap="flat" cmpd="sng" algn="ctr">
           <a:solidFill>
             <a:schemeClr val="phClr"/>
           </a:solidFill>
           <a:prstDash val="solid"/>
+          <a:miter lim="800000"/>
         </a:ln>
-        <a:ln w="38100" cap="flat" cmpd="sng" algn="ctr">
+        <a:ln w="12700" cap="flat" cmpd="sng" algn="ctr">
           <a:solidFill>
             <a:schemeClr val="phClr"/>
           </a:solidFill>
           <a:prstDash val="solid"/>
+          <a:miter lim="800000"/>
+        </a:ln>
+        <a:ln w="19050" cap="flat" cmpd="sng" algn="ctr">
+          <a:solidFill>
+            <a:schemeClr val="phClr"/>
+          </a:solidFill>
+          <a:prstDash val="solid"/>
+          <a:miter lim="800000"/>
         </a:ln>
       </a:lnStyleLst>
       <a:effectStyleLst>
         <a:effectStyle>
+          <a:effectLst/>
+        </a:effectStyle>
+        <a:effectStyle>
+          <a:effectLst/>
+        </a:effectStyle>
+        <a:effectStyle>
           <a:effectLst>
-            <a:outerShdw blurRad="40000" dist="20000" dir="5400000" rotWithShape="0">
+            <a:outerShdw blurRad="57150" dist="19050" dir="5400000" algn="ctr" rotWithShape="0">
               <a:srgbClr val="000000">
-                <a:alpha val="38000"/>
+                <a:alpha val="63000"/>
               </a:srgbClr>
             </a:outerShdw>
           </a:effectLst>
-        </a:effectStyle>
-        <a:effectStyle>
-          <a:effectLst>
-            <a:outerShdw blurRad="40000" dist="23000" dir="5400000" rotWithShape="0">
-              <a:srgbClr val="000000">
-                <a:alpha val="35000"/>
-              </a:srgbClr>
-            </a:outerShdw>
-          </a:effectLst>
-        </a:effectStyle>
-        <a:effectStyle>
-          <a:effectLst>
-            <a:outerShdw blurRad="40000" dist="23000" dir="5400000" rotWithShape="0">
-              <a:srgbClr val="000000">
-                <a:alpha val="35000"/>
-              </a:srgbClr>
-            </a:outerShdw>
-          </a:effectLst>
-          <a:scene3d>
-            <a:camera prst="orthographicFront">
-              <a:rot lat="0" lon="0" rev="0"/>
-            </a:camera>
-            <a:lightRig rig="threePt" dir="t">
-              <a:rot lat="0" lon="0" rev="1200000"/>
-            </a:lightRig>
-          </a:scene3d>
-          <a:sp3d>
-            <a:bevelT w="63500" h="25400"/>
-          </a:sp3d>
         </a:effectStyle>
       </a:effectStyleLst>
       <a:bgFillStyleLst>
         <a:solidFill>
           <a:schemeClr val="phClr"/>
         </a:solidFill>
+        <a:solidFill>
+          <a:schemeClr val="phClr">
+            <a:tint val="95000"/>
+            <a:satMod val="170000"/>
+          </a:schemeClr>
+        </a:solidFill>
         <a:gradFill rotWithShape="1">
           <a:gsLst>
             <a:gs pos="0">
               <a:schemeClr val="phClr">
-                <a:tint val="40000"/>
-                <a:satMod val="350000"/>
+                <a:tint val="93000"/>
+                <a:satMod val="150000"/>
+                <a:shade val="98000"/>
+                <a:lumMod val="102000"/>
               </a:schemeClr>
             </a:gs>
-            <a:gs pos="40000">
+            <a:gs pos="50000">
               <a:schemeClr val="phClr">
-                <a:tint val="45000"/>
-                <a:shade val="99000"/>
-                <a:satMod val="350000"/>
+                <a:tint val="98000"/>
+                <a:satMod val="130000"/>
+                <a:shade val="90000"/>
+                <a:lumMod val="103000"/>
               </a:schemeClr>
             </a:gs>
             <a:gs pos="100000">
               <a:schemeClr val="phClr">
-                <a:shade val="20000"/>
-                <a:satMod val="255000"/>
+                <a:shade val="63000"/>
+                <a:satMod val="120000"/>
               </a:schemeClr>
             </a:gs>
           </a:gsLst>
-          <a:path path="circle">
-            <a:fillToRect l="50000" t="-80000" r="50000" b="180000"/>
-          </a:path>
-        </a:gradFill>
-        <a:gradFill rotWithShape="1">
-          <a:gsLst>
-            <a:gs pos="0">
-              <a:schemeClr val="phClr">
-                <a:tint val="80000"/>
-                <a:satMod val="300000"/>
-              </a:schemeClr>
-            </a:gs>
-            <a:gs pos="100000">
-              <a:schemeClr val="phClr">
-                <a:shade val="30000"/>
-                <a:satMod val="200000"/>
-              </a:schemeClr>
-            </a:gs>
-          </a:gsLst>
-          <a:path path="circle">
-            <a:fillToRect l="50000" t="50000" r="50000" b="50000"/>
-          </a:path>
+          <a:lin ang="5400000" scaled="0"/>
         </a:gradFill>
       </a:bgFillStyleLst>
     </a:fmtScheme>
   </a:themeElements>
-  <a:objectDefaults>
-    <a:spDef>
-      <a:spPr/>
-      <a:bodyPr/>
-      <a:lstStyle/>
-      <a:style>
-        <a:lnRef idx="1">
-          <a:schemeClr val="accent1"/>
-        </a:lnRef>
-        <a:fillRef idx="3">
-          <a:schemeClr val="accent1"/>
-        </a:fillRef>
-        <a:effectRef idx="2">
-          <a:schemeClr val="accent1"/>
-        </a:effectRef>
-        <a:fontRef idx="minor">
-          <a:schemeClr val="lt1"/>
-        </a:fontRef>
-      </a:style>
-    </a:spDef>
-    <a:lnDef>
-      <a:spPr/>
-      <a:bodyPr/>
-      <a:lstStyle/>
-      <a:style>
-        <a:lnRef idx="2">
-          <a:schemeClr val="accent1"/>
-        </a:lnRef>
-        <a:fillRef idx="0">
-          <a:schemeClr val="accent1"/>
-        </a:fillRef>
-        <a:effectRef idx="1">
-          <a:schemeClr val="accent1"/>
-        </a:effectRef>
-        <a:fontRef idx="minor">
-          <a:schemeClr val="tx1"/>
-        </a:fontRef>
-      </a:style>
-    </a:lnDef>
-  </a:objectDefaults>
+  <a:objectDefaults/>
   <a:extraClrSchemeLst/>
+  <a:extLst>
+    <a:ext uri="{05A4C25C-085E-4340-85A3-A5531E510DB2}">
+      <thm15:themeFamily xmlns:thm15="http://schemas.microsoft.com/office/thememl/2012/main" name="Office Theme" id="{62F939B6-93AF-4DB8-9C6B-D6C7DFDC589F}" vid="{4A3C46E8-61CC-4603-A589-7422A47A8E4A}"/>
+    </a:ext>
+  </a:extLst>
 </a:theme>
 </file>
 
@@ -17574,4 +20717,324 @@
   </a:objectDefaults>
   <a:extraClrSchemeLst/>
 </a:theme>
+</file>
+
+<file path=ppt/theme/theme4.xml><?xml version="1.0" encoding="utf-8"?>
+<a:theme xmlns:a="http://schemas.openxmlformats.org/drawingml/2006/main" name="Office Theme">
+  <a:themeElements>
+    <a:clrScheme name="Office">
+      <a:dk1>
+        <a:sysClr val="windowText" lastClr="000000"/>
+      </a:dk1>
+      <a:lt1>
+        <a:sysClr val="window" lastClr="FFFFFF"/>
+      </a:lt1>
+      <a:dk2>
+        <a:srgbClr val="1F497D"/>
+      </a:dk2>
+      <a:lt2>
+        <a:srgbClr val="EEECE1"/>
+      </a:lt2>
+      <a:accent1>
+        <a:srgbClr val="4F81BD"/>
+      </a:accent1>
+      <a:accent2>
+        <a:srgbClr val="C0504D"/>
+      </a:accent2>
+      <a:accent3>
+        <a:srgbClr val="9BBB59"/>
+      </a:accent3>
+      <a:accent4>
+        <a:srgbClr val="8064A2"/>
+      </a:accent4>
+      <a:accent5>
+        <a:srgbClr val="4BACC6"/>
+      </a:accent5>
+      <a:accent6>
+        <a:srgbClr val="F79646"/>
+      </a:accent6>
+      <a:hlink>
+        <a:srgbClr val="0000FF"/>
+      </a:hlink>
+      <a:folHlink>
+        <a:srgbClr val="800080"/>
+      </a:folHlink>
+    </a:clrScheme>
+    <a:fontScheme name="Office">
+      <a:majorFont>
+        <a:latin typeface="Calibri"/>
+        <a:ea typeface=""/>
+        <a:cs typeface=""/>
+        <a:font script="Jpan" typeface="ＭＳ Ｐゴシック"/>
+        <a:font script="Hang" typeface="맑은 고딕"/>
+        <a:font script="Hans" typeface="宋体"/>
+        <a:font script="Hant" typeface="新細明體"/>
+        <a:font script="Arab" typeface="Times New Roman"/>
+        <a:font script="Hebr" typeface="Times New Roman"/>
+        <a:font script="Thai" typeface="Angsana New"/>
+        <a:font script="Ethi" typeface="Nyala"/>
+        <a:font script="Beng" typeface="Vrinda"/>
+        <a:font script="Gujr" typeface="Shruti"/>
+        <a:font script="Khmr" typeface="MoolBoran"/>
+        <a:font script="Knda" typeface="Tunga"/>
+        <a:font script="Guru" typeface="Raavi"/>
+        <a:font script="Cans" typeface="Euphemia"/>
+        <a:font script="Cher" typeface="Plantagenet Cherokee"/>
+        <a:font script="Yiii" typeface="Microsoft Yi Baiti"/>
+        <a:font script="Tibt" typeface="Microsoft Himalaya"/>
+        <a:font script="Thaa" typeface="MV Boli"/>
+        <a:font script="Deva" typeface="Mangal"/>
+        <a:font script="Telu" typeface="Gautami"/>
+        <a:font script="Taml" typeface="Latha"/>
+        <a:font script="Syrc" typeface="Estrangelo Edessa"/>
+        <a:font script="Orya" typeface="Kalinga"/>
+        <a:font script="Mlym" typeface="Kartika"/>
+        <a:font script="Laoo" typeface="DokChampa"/>
+        <a:font script="Sinh" typeface="Iskoola Pota"/>
+        <a:font script="Mong" typeface="Mongolian Baiti"/>
+        <a:font script="Viet" typeface="Times New Roman"/>
+        <a:font script="Uigh" typeface="Microsoft Uighur"/>
+        <a:font script="Geor" typeface="Sylfaen"/>
+      </a:majorFont>
+      <a:minorFont>
+        <a:latin typeface="Calibri"/>
+        <a:ea typeface=""/>
+        <a:cs typeface=""/>
+        <a:font script="Jpan" typeface="ＭＳ Ｐゴシック"/>
+        <a:font script="Hang" typeface="맑은 고딕"/>
+        <a:font script="Hans" typeface="宋体"/>
+        <a:font script="Hant" typeface="新細明體"/>
+        <a:font script="Arab" typeface="Arial"/>
+        <a:font script="Hebr" typeface="Arial"/>
+        <a:font script="Thai" typeface="Cordia New"/>
+        <a:font script="Ethi" typeface="Nyala"/>
+        <a:font script="Beng" typeface="Vrinda"/>
+        <a:font script="Gujr" typeface="Shruti"/>
+        <a:font script="Khmr" typeface="DaunPenh"/>
+        <a:font script="Knda" typeface="Tunga"/>
+        <a:font script="Guru" typeface="Raavi"/>
+        <a:font script="Cans" typeface="Euphemia"/>
+        <a:font script="Cher" typeface="Plantagenet Cherokee"/>
+        <a:font script="Yiii" typeface="Microsoft Yi Baiti"/>
+        <a:font script="Tibt" typeface="Microsoft Himalaya"/>
+        <a:font script="Thaa" typeface="MV Boli"/>
+        <a:font script="Deva" typeface="Mangal"/>
+        <a:font script="Telu" typeface="Gautami"/>
+        <a:font script="Taml" typeface="Latha"/>
+        <a:font script="Syrc" typeface="Estrangelo Edessa"/>
+        <a:font script="Orya" typeface="Kalinga"/>
+        <a:font script="Mlym" typeface="Kartika"/>
+        <a:font script="Laoo" typeface="DokChampa"/>
+        <a:font script="Sinh" typeface="Iskoola Pota"/>
+        <a:font script="Mong" typeface="Mongolian Baiti"/>
+        <a:font script="Viet" typeface="Arial"/>
+        <a:font script="Uigh" typeface="Microsoft Uighur"/>
+        <a:font script="Geor" typeface="Sylfaen"/>
+      </a:minorFont>
+    </a:fontScheme>
+    <a:fmtScheme name="Office">
+      <a:fillStyleLst>
+        <a:solidFill>
+          <a:schemeClr val="phClr"/>
+        </a:solidFill>
+        <a:gradFill rotWithShape="1">
+          <a:gsLst>
+            <a:gs pos="0">
+              <a:schemeClr val="phClr">
+                <a:tint val="50000"/>
+                <a:satMod val="300000"/>
+              </a:schemeClr>
+            </a:gs>
+            <a:gs pos="35000">
+              <a:schemeClr val="phClr">
+                <a:tint val="37000"/>
+                <a:satMod val="300000"/>
+              </a:schemeClr>
+            </a:gs>
+            <a:gs pos="100000">
+              <a:schemeClr val="phClr">
+                <a:tint val="15000"/>
+                <a:satMod val="350000"/>
+              </a:schemeClr>
+            </a:gs>
+          </a:gsLst>
+          <a:lin ang="16200000" scaled="1"/>
+        </a:gradFill>
+        <a:gradFill rotWithShape="1">
+          <a:gsLst>
+            <a:gs pos="0">
+              <a:schemeClr val="phClr">
+                <a:tint val="100000"/>
+                <a:shade val="100000"/>
+                <a:satMod val="130000"/>
+              </a:schemeClr>
+            </a:gs>
+            <a:gs pos="100000">
+              <a:schemeClr val="phClr">
+                <a:tint val="50000"/>
+                <a:shade val="100000"/>
+                <a:satMod val="350000"/>
+              </a:schemeClr>
+            </a:gs>
+          </a:gsLst>
+          <a:lin ang="16200000" scaled="0"/>
+        </a:gradFill>
+      </a:fillStyleLst>
+      <a:lnStyleLst>
+        <a:ln w="9525" cap="flat" cmpd="sng" algn="ctr">
+          <a:solidFill>
+            <a:schemeClr val="phClr">
+              <a:shade val="95000"/>
+              <a:satMod val="105000"/>
+            </a:schemeClr>
+          </a:solidFill>
+          <a:prstDash val="solid"/>
+        </a:ln>
+        <a:ln w="25400" cap="flat" cmpd="sng" algn="ctr">
+          <a:solidFill>
+            <a:schemeClr val="phClr"/>
+          </a:solidFill>
+          <a:prstDash val="solid"/>
+        </a:ln>
+        <a:ln w="38100" cap="flat" cmpd="sng" algn="ctr">
+          <a:solidFill>
+            <a:schemeClr val="phClr"/>
+          </a:solidFill>
+          <a:prstDash val="solid"/>
+        </a:ln>
+      </a:lnStyleLst>
+      <a:effectStyleLst>
+        <a:effectStyle>
+          <a:effectLst>
+            <a:outerShdw blurRad="40000" dist="20000" dir="5400000" rotWithShape="0">
+              <a:srgbClr val="000000">
+                <a:alpha val="38000"/>
+              </a:srgbClr>
+            </a:outerShdw>
+          </a:effectLst>
+        </a:effectStyle>
+        <a:effectStyle>
+          <a:effectLst>
+            <a:outerShdw blurRad="40000" dist="23000" dir="5400000" rotWithShape="0">
+              <a:srgbClr val="000000">
+                <a:alpha val="35000"/>
+              </a:srgbClr>
+            </a:outerShdw>
+          </a:effectLst>
+        </a:effectStyle>
+        <a:effectStyle>
+          <a:effectLst>
+            <a:outerShdw blurRad="40000" dist="23000" dir="5400000" rotWithShape="0">
+              <a:srgbClr val="000000">
+                <a:alpha val="35000"/>
+              </a:srgbClr>
+            </a:outerShdw>
+          </a:effectLst>
+          <a:scene3d>
+            <a:camera prst="orthographicFront">
+              <a:rot lat="0" lon="0" rev="0"/>
+            </a:camera>
+            <a:lightRig rig="threePt" dir="t">
+              <a:rot lat="0" lon="0" rev="1200000"/>
+            </a:lightRig>
+          </a:scene3d>
+          <a:sp3d>
+            <a:bevelT w="63500" h="25400"/>
+          </a:sp3d>
+        </a:effectStyle>
+      </a:effectStyleLst>
+      <a:bgFillStyleLst>
+        <a:solidFill>
+          <a:schemeClr val="phClr"/>
+        </a:solidFill>
+        <a:gradFill rotWithShape="1">
+          <a:gsLst>
+            <a:gs pos="0">
+              <a:schemeClr val="phClr">
+                <a:tint val="40000"/>
+                <a:satMod val="350000"/>
+              </a:schemeClr>
+            </a:gs>
+            <a:gs pos="40000">
+              <a:schemeClr val="phClr">
+                <a:tint val="45000"/>
+                <a:shade val="99000"/>
+                <a:satMod val="350000"/>
+              </a:schemeClr>
+            </a:gs>
+            <a:gs pos="100000">
+              <a:schemeClr val="phClr">
+                <a:shade val="20000"/>
+                <a:satMod val="255000"/>
+              </a:schemeClr>
+            </a:gs>
+          </a:gsLst>
+          <a:path path="circle">
+            <a:fillToRect l="50000" t="-80000" r="50000" b="180000"/>
+          </a:path>
+        </a:gradFill>
+        <a:gradFill rotWithShape="1">
+          <a:gsLst>
+            <a:gs pos="0">
+              <a:schemeClr val="phClr">
+                <a:tint val="80000"/>
+                <a:satMod val="300000"/>
+              </a:schemeClr>
+            </a:gs>
+            <a:gs pos="100000">
+              <a:schemeClr val="phClr">
+                <a:shade val="30000"/>
+                <a:satMod val="200000"/>
+              </a:schemeClr>
+            </a:gs>
+          </a:gsLst>
+          <a:path path="circle">
+            <a:fillToRect l="50000" t="50000" r="50000" b="50000"/>
+          </a:path>
+        </a:gradFill>
+      </a:bgFillStyleLst>
+    </a:fmtScheme>
+  </a:themeElements>
+  <a:objectDefaults>
+    <a:spDef>
+      <a:spPr/>
+      <a:bodyPr/>
+      <a:lstStyle/>
+      <a:style>
+        <a:lnRef idx="1">
+          <a:schemeClr val="accent1"/>
+        </a:lnRef>
+        <a:fillRef idx="3">
+          <a:schemeClr val="accent1"/>
+        </a:fillRef>
+        <a:effectRef idx="2">
+          <a:schemeClr val="accent1"/>
+        </a:effectRef>
+        <a:fontRef idx="minor">
+          <a:schemeClr val="lt1"/>
+        </a:fontRef>
+      </a:style>
+    </a:spDef>
+    <a:lnDef>
+      <a:spPr/>
+      <a:bodyPr/>
+      <a:lstStyle/>
+      <a:style>
+        <a:lnRef idx="2">
+          <a:schemeClr val="accent1"/>
+        </a:lnRef>
+        <a:fillRef idx="0">
+          <a:schemeClr val="accent1"/>
+        </a:fillRef>
+        <a:effectRef idx="1">
+          <a:schemeClr val="accent1"/>
+        </a:effectRef>
+        <a:fontRef idx="minor">
+          <a:schemeClr val="tx1"/>
+        </a:fontRef>
+      </a:style>
+    </a:lnDef>
+  </a:objectDefaults>
+  <a:extraClrSchemeLst/>
+</a:theme>
 </file>
--- a/translations/en-us/beginner/BasicLineFollower.pptx
+++ b/translations/en-us/beginner/BasicLineFollower.pptx
@@ -228,7 +228,7 @@
           <a:p>
             <a:fld id="{F8D9B3D7-15CB-9343-AA49-EFB5A8F33F18}" type="datetimeFigureOut">
               <a:rPr lang="en-US" smtClean="0"/>
-              <a:t>7/4/16</a:t>
+              <a:t>7/19/16</a:t>
             </a:fld>
             <a:endParaRPr lang="en-US"/>
           </a:p>
@@ -394,7 +394,7 @@
           <a:p>
             <a:fld id="{FD3EFF1E-85A1-6640-AFB9-C38833E80A84}" type="datetimeFigureOut">
               <a:rPr lang="en-US" smtClean="0"/>
-              <a:t>7/4/16</a:t>
+              <a:t>7/19/16</a:t>
             </a:fld>
             <a:endParaRPr lang="en-US"/>
           </a:p>
@@ -786,7 +786,7 @@
           </a:ln>
           <a:extLst>
             <a:ext uri="{909E8E84-426E-40dd-AFC4-6F175D3DCCD1}">
-              <a14:hiddenFill xmlns:a14="http://schemas.microsoft.com/office/drawing/2010/main" xmlns="">
+              <a14:hiddenFill xmlns="" xmlns:a14="http://schemas.microsoft.com/office/drawing/2010/main">
                 <a:solidFill>
                   <a:srgbClr val="FFFFFF"/>
                 </a:solidFill>
@@ -809,14 +809,14 @@
           <a:noFill/>
           <a:extLst>
             <a:ext uri="{909E8E84-426E-40dd-AFC4-6F175D3DCCD1}">
-              <a14:hiddenFill xmlns:a14="http://schemas.microsoft.com/office/drawing/2010/main" xmlns="">
+              <a14:hiddenFill xmlns="" xmlns:a14="http://schemas.microsoft.com/office/drawing/2010/main">
                 <a:solidFill>
                   <a:srgbClr val="FFFFFF"/>
                 </a:solidFill>
               </a14:hiddenFill>
             </a:ext>
             <a:ext uri="{91240B29-F687-4f45-9708-019B960494DF}">
-              <a14:hiddenLine xmlns:a14="http://schemas.microsoft.com/office/drawing/2010/main" xmlns="" w="9525">
+              <a14:hiddenLine xmlns="" xmlns:a14="http://schemas.microsoft.com/office/drawing/2010/main" w="9525">
                 <a:solidFill>
                   <a:srgbClr val="000000"/>
                 </a:solidFill>
@@ -856,14 +856,14 @@
           <a:noFill/>
           <a:extLst>
             <a:ext uri="{909E8E84-426E-40dd-AFC4-6F175D3DCCD1}">
-              <a14:hiddenFill xmlns:a14="http://schemas.microsoft.com/office/drawing/2010/main" xmlns="">
+              <a14:hiddenFill xmlns="" xmlns:a14="http://schemas.microsoft.com/office/drawing/2010/main">
                 <a:solidFill>
                   <a:srgbClr val="FFFFFF"/>
                 </a:solidFill>
               </a14:hiddenFill>
             </a:ext>
             <a:ext uri="{91240B29-F687-4f45-9708-019B960494DF}">
-              <a14:hiddenLine xmlns:a14="http://schemas.microsoft.com/office/drawing/2010/main" xmlns="" w="9525">
+              <a14:hiddenLine xmlns="" xmlns:a14="http://schemas.microsoft.com/office/drawing/2010/main" w="9525">
                 <a:solidFill>
                   <a:srgbClr val="000000"/>
                 </a:solidFill>
@@ -1050,7 +1050,7 @@
           </a:ln>
           <a:extLst>
             <a:ext uri="{909E8E84-426E-40dd-AFC4-6F175D3DCCD1}">
-              <a14:hiddenFill xmlns:a14="http://schemas.microsoft.com/office/drawing/2010/main" xmlns="">
+              <a14:hiddenFill xmlns="" xmlns:a14="http://schemas.microsoft.com/office/drawing/2010/main">
                 <a:solidFill>
                   <a:srgbClr val="FFFFFF"/>
                 </a:solidFill>
@@ -1073,14 +1073,14 @@
           <a:noFill/>
           <a:extLst>
             <a:ext uri="{909E8E84-426E-40dd-AFC4-6F175D3DCCD1}">
-              <a14:hiddenFill xmlns:a14="http://schemas.microsoft.com/office/drawing/2010/main" xmlns="">
+              <a14:hiddenFill xmlns="" xmlns:a14="http://schemas.microsoft.com/office/drawing/2010/main">
                 <a:solidFill>
                   <a:srgbClr val="FFFFFF"/>
                 </a:solidFill>
               </a14:hiddenFill>
             </a:ext>
             <a:ext uri="{91240B29-F687-4f45-9708-019B960494DF}">
-              <a14:hiddenLine xmlns:a14="http://schemas.microsoft.com/office/drawing/2010/main" xmlns="" w="9525">
+              <a14:hiddenLine xmlns="" xmlns:a14="http://schemas.microsoft.com/office/drawing/2010/main" w="9525">
                 <a:solidFill>
                   <a:srgbClr val="000000"/>
                 </a:solidFill>
@@ -1120,14 +1120,14 @@
           <a:noFill/>
           <a:extLst>
             <a:ext uri="{909E8E84-426E-40dd-AFC4-6F175D3DCCD1}">
-              <a14:hiddenFill xmlns:a14="http://schemas.microsoft.com/office/drawing/2010/main" xmlns="">
+              <a14:hiddenFill xmlns="" xmlns:a14="http://schemas.microsoft.com/office/drawing/2010/main">
                 <a:solidFill>
                   <a:srgbClr val="FFFFFF"/>
                 </a:solidFill>
               </a14:hiddenFill>
             </a:ext>
             <a:ext uri="{91240B29-F687-4f45-9708-019B960494DF}">
-              <a14:hiddenLine xmlns:a14="http://schemas.microsoft.com/office/drawing/2010/main" xmlns="" w="9525">
+              <a14:hiddenLine xmlns="" xmlns:a14="http://schemas.microsoft.com/office/drawing/2010/main" w="9525">
                 <a:solidFill>
                   <a:srgbClr val="000000"/>
                 </a:solidFill>
@@ -1511,7 +1511,7 @@
           <a:p>
             <a:fld id="{29D668ED-6BCC-6948-B7C3-6D87A88F1303}" type="datetime1">
               <a:rPr lang="en-US" smtClean="0"/>
-              <a:t>7/4/16</a:t>
+              <a:t>7/19/16</a:t>
             </a:fld>
             <a:endParaRPr lang="en-US"/>
           </a:p>
@@ -1730,7 +1730,7 @@
           <a:noFill/>
           <a:extLst>
             <a:ext uri="{909E8E84-426E-40dd-AFC4-6F175D3DCCD1}">
-              <a14:hiddenFill xmlns:a14="http://schemas.microsoft.com/office/drawing/2010/main" xmlns="">
+              <a14:hiddenFill xmlns="" xmlns:a14="http://schemas.microsoft.com/office/drawing/2010/main">
                 <a:solidFill>
                   <a:srgbClr val="FFFFFF"/>
                 </a:solidFill>
@@ -2052,7 +2052,7 @@
           <a:p>
             <a:fld id="{4FD5699E-EFFE-ED42-84A4-FC5C156ADCE3}" type="datetime1">
               <a:rPr lang="en-US" smtClean="0"/>
-              <a:t>7/4/16</a:t>
+              <a:t>7/19/16</a:t>
             </a:fld>
             <a:endParaRPr lang="en-US"/>
           </a:p>
@@ -2244,7 +2244,7 @@
           <a:p>
             <a:fld id="{37D0DB7C-AD56-D547-9B28-69FD6EE94796}" type="datetime1">
               <a:rPr lang="en-US" smtClean="0"/>
-              <a:t>7/4/16</a:t>
+              <a:t>7/19/16</a:t>
             </a:fld>
             <a:endParaRPr lang="en-US"/>
           </a:p>
@@ -2448,7 +2448,7 @@
           <a:p>
             <a:fld id="{1E5D3E98-F18B-E842-B0CD-F591BA22E084}" type="datetime1">
               <a:rPr lang="en-US" smtClean="0"/>
-              <a:t>7/4/16</a:t>
+              <a:t>7/19/16</a:t>
             </a:fld>
             <a:endParaRPr lang="en-US"/>
           </a:p>
@@ -2622,7 +2622,7 @@
           <a:p>
             <a:fld id="{9CB7C0F2-CFD7-E04D-9A8C-E2C03D5A60F4}" type="datetime1">
               <a:rPr lang="en-US" smtClean="0"/>
-              <a:t>7/4/16</a:t>
+              <a:t>7/19/16</a:t>
             </a:fld>
             <a:endParaRPr lang="en-US"/>
           </a:p>
@@ -2872,7 +2872,7 @@
           <a:p>
             <a:fld id="{78EBE5CB-9C73-AD4F-8CE6-AD079CF3363B}" type="datetime1">
               <a:rPr lang="en-US" smtClean="0"/>
-              <a:t>7/4/16</a:t>
+              <a:t>7/19/16</a:t>
             </a:fld>
             <a:endParaRPr lang="en-US"/>
           </a:p>
@@ -3108,7 +3108,7 @@
           <a:p>
             <a:fld id="{B4A56E11-41CF-1F4F-90EF-A3EE95E44AAD}" type="datetime1">
               <a:rPr lang="en-US" smtClean="0"/>
-              <a:t>7/4/16</a:t>
+              <a:t>7/19/16</a:t>
             </a:fld>
             <a:endParaRPr lang="en-US"/>
           </a:p>
@@ -3479,7 +3479,7 @@
           <a:p>
             <a:fld id="{1ACEC32F-8F87-C640-A07B-CB0BC1F52B41}" type="datetime1">
               <a:rPr lang="en-US" smtClean="0"/>
-              <a:t>7/4/16</a:t>
+              <a:t>7/19/16</a:t>
             </a:fld>
             <a:endParaRPr lang="en-US"/>
           </a:p>
@@ -3601,7 +3601,7 @@
           <a:p>
             <a:fld id="{983BABC8-62FE-4440-836B-EA80C357A52E}" type="datetime1">
               <a:rPr lang="en-US" smtClean="0"/>
-              <a:t>7/4/16</a:t>
+              <a:t>7/19/16</a:t>
             </a:fld>
             <a:endParaRPr lang="en-US"/>
           </a:p>
@@ -3700,7 +3700,7 @@
           <a:p>
             <a:fld id="{CDF3CD0F-3C94-6C4A-A5BC-0D5B3965852D}" type="datetime1">
               <a:rPr lang="en-US" smtClean="0"/>
-              <a:t>7/4/16</a:t>
+              <a:t>7/19/16</a:t>
             </a:fld>
             <a:endParaRPr lang="en-US"/>
           </a:p>
@@ -3981,7 +3981,7 @@
           <a:p>
             <a:fld id="{BC5F0C37-929D-D942-898C-1844D4DA9B07}" type="datetime1">
               <a:rPr lang="en-US" smtClean="0"/>
-              <a:t>7/4/16</a:t>
+              <a:t>7/19/16</a:t>
             </a:fld>
             <a:endParaRPr lang="en-US"/>
           </a:p>
@@ -4165,7 +4165,7 @@
           <a:p>
             <a:fld id="{A3957E1E-3116-4A4F-8EE4-2B3AEE33CD0B}" type="datetime1">
               <a:rPr lang="en-US" smtClean="0"/>
-              <a:t>7/4/16</a:t>
+              <a:t>7/19/16</a:t>
             </a:fld>
             <a:endParaRPr lang="en-US"/>
           </a:p>
@@ -4441,7 +4441,7 @@
           <a:p>
             <a:fld id="{3D5347DF-5057-8D4D-B2CA-6D893F346F02}" type="datetime1">
               <a:rPr lang="en-US" smtClean="0"/>
-              <a:t>7/4/16</a:t>
+              <a:t>7/19/16</a:t>
             </a:fld>
             <a:endParaRPr lang="en-US"/>
           </a:p>
@@ -4615,7 +4615,7 @@
           <a:p>
             <a:fld id="{D0EB795E-E309-314D-9ECF-8EE000527A20}" type="datetime1">
               <a:rPr lang="en-US" smtClean="0"/>
-              <a:t>7/4/16</a:t>
+              <a:t>7/19/16</a:t>
             </a:fld>
             <a:endParaRPr lang="en-US"/>
           </a:p>
@@ -4799,7 +4799,7 @@
           <a:p>
             <a:fld id="{A5E4C075-F4CB-EA4D-A9EA-ED164EAD2093}" type="datetime1">
               <a:rPr lang="en-US" smtClean="0"/>
-              <a:t>7/4/16</a:t>
+              <a:t>7/19/16</a:t>
             </a:fld>
             <a:endParaRPr lang="en-US"/>
           </a:p>
@@ -5057,7 +5057,7 @@
           <a:p>
             <a:fld id="{457F366D-F2C7-9D49-A4B7-D4B2C93F0777}" type="datetime1">
               <a:rPr lang="en-US" smtClean="0"/>
-              <a:t>7/4/16</a:t>
+              <a:t>7/19/16</a:t>
             </a:fld>
             <a:endParaRPr lang="en-US"/>
           </a:p>
@@ -5362,7 +5362,7 @@
           <a:p>
             <a:fld id="{4228AB31-3008-9747-895E-0F20D764CA06}" type="datetime1">
               <a:rPr lang="en-US" smtClean="0"/>
-              <a:t>7/4/16</a:t>
+              <a:t>7/19/16</a:t>
             </a:fld>
             <a:endParaRPr lang="en-US"/>
           </a:p>
@@ -5825,7 +5825,7 @@
           <a:p>
             <a:fld id="{1D5434EF-F4C5-244D-BF60-AC7EA87AEF8A}" type="datetime1">
               <a:rPr lang="en-US" smtClean="0"/>
-              <a:t>7/4/16</a:t>
+              <a:t>7/19/16</a:t>
             </a:fld>
             <a:endParaRPr lang="en-US"/>
           </a:p>
@@ -5962,7 +5962,7 @@
           <a:p>
             <a:fld id="{70521841-2C34-8244-9230-9FA49FC7A11C}" type="datetime1">
               <a:rPr lang="en-US" smtClean="0"/>
-              <a:t>7/4/16</a:t>
+              <a:t>7/19/16</a:t>
             </a:fld>
             <a:endParaRPr lang="en-US"/>
           </a:p>
@@ -6076,7 +6076,7 @@
           <a:p>
             <a:fld id="{3CECDBCF-2037-2A42-8B68-4B17AB1BF391}" type="datetime1">
               <a:rPr lang="en-US" smtClean="0"/>
-              <a:t>7/4/16</a:t>
+              <a:t>7/19/16</a:t>
             </a:fld>
             <a:endParaRPr lang="en-US"/>
           </a:p>
@@ -6335,7 +6335,7 @@
           <a:p>
             <a:fld id="{73632E2A-4CFD-554C-B013-A8424A5CD323}" type="datetime1">
               <a:rPr lang="en-US" smtClean="0"/>
-              <a:t>7/4/16</a:t>
+              <a:t>7/19/16</a:t>
             </a:fld>
             <a:endParaRPr lang="en-US"/>
           </a:p>
@@ -6646,7 +6646,7 @@
           <a:p>
             <a:fld id="{1DE3ABBF-DCD6-6B44-823C-537872FEE131}" type="datetime1">
               <a:rPr lang="en-US" smtClean="0"/>
-              <a:t>7/4/16</a:t>
+              <a:t>7/19/16</a:t>
             </a:fld>
             <a:endParaRPr lang="en-US"/>
           </a:p>
@@ -6957,7 +6957,7 @@
           <a:p>
             <a:fld id="{73CE7C84-186E-9042-BA1C-9EEBB2CCE57B}" type="datetime1">
               <a:rPr lang="en-US" smtClean="0"/>
-              <a:t>7/4/16</a:t>
+              <a:t>7/19/16</a:t>
             </a:fld>
             <a:endParaRPr lang="en-US"/>
           </a:p>
@@ -7722,7 +7722,7 @@
           <a:p>
             <a:fld id="{F6646063-AA35-9748-A665-46A0504A1B5C}" type="datetime1">
               <a:rPr lang="en-US" smtClean="0"/>
-              <a:t>7/4/16</a:t>
+              <a:t>7/19/16</a:t>
             </a:fld>
             <a:endParaRPr lang="en-US"/>
           </a:p>
@@ -8179,6 +8179,35 @@
           </a:p>
         </p:txBody>
       </p:sp>
+      <p:pic>
+        <p:nvPicPr>
+          <p:cNvPr id="4" name="Picture 3"/>
+          <p:cNvPicPr>
+            <a:picLocks noChangeAspect="1"/>
+          </p:cNvPicPr>
+          <p:nvPr/>
+        </p:nvPicPr>
+        <p:blipFill rotWithShape="1">
+          <a:blip r:embed="rId2">
+            <a:extLst>
+              <a:ext uri="{28A0092B-C50C-407E-A947-70E740481C1C}">
+                <a14:useLocalDpi xmlns:a14="http://schemas.microsoft.com/office/drawing/2010/main" val="0"/>
+              </a:ext>
+            </a:extLst>
+          </a:blip>
+          <a:srcRect l="4523" t="17619" r="3095" b="25000"/>
+          <a:stretch/>
+        </p:blipFill>
+        <p:spPr>
+          <a:xfrm>
+            <a:off x="3711108" y="4592409"/>
+            <a:ext cx="1700816" cy="1056435"/>
+          </a:xfrm>
+          <a:prstGeom prst="rect">
+            <a:avLst/>
+          </a:prstGeom>
+        </p:spPr>
+      </p:pic>
     </p:spTree>
     <p:extLst>
       <p:ext uri="{BB962C8B-B14F-4D97-AF65-F5344CB8AC3E}">
@@ -9380,14 +9409,14 @@
           </a:ln>
           <a:extLst>
             <a:ext uri="{909E8E84-426E-40dd-AFC4-6F175D3DCCD1}">
-              <a14:hiddenFill xmlns:a14="http://schemas.microsoft.com/office/drawing/2010/main" xmlns="">
+              <a14:hiddenFill xmlns="" xmlns:a14="http://schemas.microsoft.com/office/drawing/2010/main">
                 <a:solidFill>
                   <a:srgbClr val="FFFFFF"/>
                 </a:solidFill>
               </a14:hiddenFill>
             </a:ext>
             <a:ext uri="{91240B29-F687-4f45-9708-019B960494DF}">
-              <a14:hiddenLine xmlns:a14="http://schemas.microsoft.com/office/drawing/2010/main" xmlns="" w="9525">
+              <a14:hiddenLine xmlns="" xmlns:a14="http://schemas.microsoft.com/office/drawing/2010/main" w="9525">
                 <a:solidFill>
                   <a:srgbClr val="000000"/>
                 </a:solidFill>
@@ -9890,14 +9919,14 @@
           </a:ln>
           <a:extLst>
             <a:ext uri="{909E8E84-426E-40dd-AFC4-6F175D3DCCD1}">
-              <a14:hiddenFill xmlns:a14="http://schemas.microsoft.com/office/drawing/2010/main" xmlns="">
+              <a14:hiddenFill xmlns="" xmlns:a14="http://schemas.microsoft.com/office/drawing/2010/main">
                 <a:solidFill>
                   <a:srgbClr val="FFFFFF"/>
                 </a:solidFill>
               </a14:hiddenFill>
             </a:ext>
             <a:ext uri="{91240B29-F687-4f45-9708-019B960494DF}">
-              <a14:hiddenLine xmlns:a14="http://schemas.microsoft.com/office/drawing/2010/main" xmlns="" w="9525">
+              <a14:hiddenLine xmlns="" xmlns:a14="http://schemas.microsoft.com/office/drawing/2010/main" w="9525">
                 <a:solidFill>
                   <a:srgbClr val="000000"/>
                 </a:solidFill>
@@ -11446,7 +11475,6 @@
               <a:rPr lang="en-US" dirty="0" smtClean="0"/>
               <a:t> </a:t>
             </a:r>
-            <a:endParaRPr lang="en-US" dirty="0" smtClean="0"/>
           </a:p>
           <a:p>
             <a:pPr marL="342900" indent="-342900">
@@ -11455,19 +11483,7 @@
             </a:pPr>
             <a:r>
               <a:rPr lang="en-US" dirty="0" smtClean="0"/>
-              <a:t>More </a:t>
-            </a:r>
-            <a:r>
-              <a:rPr lang="en-US" dirty="0" smtClean="0"/>
-              <a:t>lessons are available at </a:t>
-            </a:r>
-            <a:r>
-              <a:rPr lang="en-US" dirty="0" smtClean="0"/>
-              <a:t>www.ev3lessons.com</a:t>
-            </a:r>
-            <a:r>
-              <a:rPr lang="en-US" dirty="0" smtClean="0"/>
-              <a:t/>
+              <a:t>More lessons are available at www.ev3lessons.com</a:t>
             </a:r>
             <a:br>
               <a:rPr lang="en-US" dirty="0" smtClean="0"/>
@@ -11548,7 +11564,7 @@
           <a:effectLst/>
           <a:extLst>
             <a:ext uri="{91240B29-F687-4f45-9708-019B960494DF}">
-              <a14:hiddenLine xmlns:a14="http://schemas.microsoft.com/office/drawing/2010/main" xmlns="" w="9525">
+              <a14:hiddenLine xmlns="" xmlns:a14="http://schemas.microsoft.com/office/drawing/2010/main" w="9525">
                 <a:solidFill>
                   <a:schemeClr val="tx1"/>
                 </a:solidFill>
@@ -11558,7 +11574,7 @@
               </a14:hiddenLine>
             </a:ext>
             <a:ext uri="{AF507438-7753-43e0-B8FC-AC1667EBCBE1}">
-              <a14:hiddenEffects xmlns:a14="http://schemas.microsoft.com/office/drawing/2010/main" xmlns="">
+              <a14:hiddenEffects xmlns="" xmlns:a14="http://schemas.microsoft.com/office/drawing/2010/main">
                 <a:effectLst>
                   <a:outerShdw dist="35921" dir="2700000" algn="ctr" rotWithShape="0">
                     <a:schemeClr val="bg2"/>
@@ -11911,7 +11927,7 @@
           <a:noFill/>
           <a:extLst>
             <a:ext uri="{909E8E84-426E-40dd-AFC4-6F175D3DCCD1}">
-              <a14:hiddenFill xmlns:a14="http://schemas.microsoft.com/office/drawing/2010/main" xmlns="">
+              <a14:hiddenFill xmlns="" xmlns:a14="http://schemas.microsoft.com/office/drawing/2010/main">
                 <a:solidFill>
                   <a:srgbClr val="FFFFFF"/>
                 </a:solidFill>
@@ -17042,7 +17058,7 @@
               </a:ln>
               <a:extLst>
                 <a:ext uri="{909E8E84-426E-40dd-AFC4-6F175D3DCCD1}">
-                  <a14:hiddenFill xmlns:a14="http://schemas.microsoft.com/office/drawing/2010/main" xmlns="">
+                  <a14:hiddenFill xmlns="" xmlns:a14="http://schemas.microsoft.com/office/drawing/2010/main">
                     <a:noFill/>
                   </a14:hiddenFill>
                 </a:ext>
@@ -17087,7 +17103,7 @@
               </a:ln>
               <a:extLst>
                 <a:ext uri="{909E8E84-426E-40dd-AFC4-6F175D3DCCD1}">
-                  <a14:hiddenFill xmlns:a14="http://schemas.microsoft.com/office/drawing/2010/main" xmlns="">
+                  <a14:hiddenFill xmlns="" xmlns:a14="http://schemas.microsoft.com/office/drawing/2010/main">
                     <a:noFill/>
                   </a14:hiddenFill>
                 </a:ext>
@@ -17149,7 +17165,7 @@
               </a:ln>
               <a:extLst>
                 <a:ext uri="{909E8E84-426E-40dd-AFC4-6F175D3DCCD1}">
-                  <a14:hiddenFill xmlns:a14="http://schemas.microsoft.com/office/drawing/2010/main" xmlns="">
+                  <a14:hiddenFill xmlns="" xmlns:a14="http://schemas.microsoft.com/office/drawing/2010/main">
                     <a:noFill/>
                   </a14:hiddenFill>
                 </a:ext>
@@ -17194,7 +17210,7 @@
               </a:ln>
               <a:extLst>
                 <a:ext uri="{909E8E84-426E-40dd-AFC4-6F175D3DCCD1}">
-                  <a14:hiddenFill xmlns:a14="http://schemas.microsoft.com/office/drawing/2010/main" xmlns="">
+                  <a14:hiddenFill xmlns="" xmlns:a14="http://schemas.microsoft.com/office/drawing/2010/main">
                     <a:noFill/>
                   </a14:hiddenFill>
                 </a:ext>
